--- a/documentacion/Accesibilidad/AnálisisAccesibilidadCajaHerramientas16-09.pptx
+++ b/documentacion/Accesibilidad/AnálisisAccesibilidadCajaHerramientas16-09.pptx
@@ -5,18 +5,19 @@
     <p:sldMasterId id="2147483648" r:id="rId1"/>
   </p:sldMasterIdLst>
   <p:sldIdLst>
-    <p:sldId id="256" r:id="rId2"/>
-    <p:sldId id="257" r:id="rId3"/>
-    <p:sldId id="258" r:id="rId4"/>
-    <p:sldId id="259" r:id="rId5"/>
-    <p:sldId id="260" r:id="rId6"/>
-    <p:sldId id="261" r:id="rId7"/>
-    <p:sldId id="262" r:id="rId8"/>
-    <p:sldId id="263" r:id="rId9"/>
-    <p:sldId id="264" r:id="rId10"/>
-    <p:sldId id="265" r:id="rId11"/>
-    <p:sldId id="266" r:id="rId12"/>
-    <p:sldId id="267" r:id="rId13"/>
+    <p:sldId id="268" r:id="rId2"/>
+    <p:sldId id="256" r:id="rId3"/>
+    <p:sldId id="257" r:id="rId4"/>
+    <p:sldId id="258" r:id="rId5"/>
+    <p:sldId id="259" r:id="rId6"/>
+    <p:sldId id="260" r:id="rId7"/>
+    <p:sldId id="261" r:id="rId8"/>
+    <p:sldId id="262" r:id="rId9"/>
+    <p:sldId id="263" r:id="rId10"/>
+    <p:sldId id="264" r:id="rId11"/>
+    <p:sldId id="265" r:id="rId12"/>
+    <p:sldId id="266" r:id="rId13"/>
+    <p:sldId id="267" r:id="rId14"/>
   </p:sldIdLst>
   <p:sldSz cx="12192000" cy="6858000"/>
   <p:notesSz cx="6858000" cy="9144000"/>
@@ -265,7 +266,7 @@
           <a:p>
             <a:fld id="{D36E5F20-C565-47DC-8519-2C7D76B42AC5}" type="datetimeFigureOut">
               <a:rPr lang="es-CR" smtClean="0"/>
-              <a:t>16/09/2020</a:t>
+              <a:t>24/09/2020</a:t>
             </a:fld>
             <a:endParaRPr lang="es-CR"/>
           </a:p>
@@ -435,7 +436,7 @@
           <a:p>
             <a:fld id="{D36E5F20-C565-47DC-8519-2C7D76B42AC5}" type="datetimeFigureOut">
               <a:rPr lang="es-CR" smtClean="0"/>
-              <a:t>16/09/2020</a:t>
+              <a:t>24/09/2020</a:t>
             </a:fld>
             <a:endParaRPr lang="es-CR"/>
           </a:p>
@@ -615,7 +616,7 @@
           <a:p>
             <a:fld id="{D36E5F20-C565-47DC-8519-2C7D76B42AC5}" type="datetimeFigureOut">
               <a:rPr lang="es-CR" smtClean="0"/>
-              <a:t>16/09/2020</a:t>
+              <a:t>24/09/2020</a:t>
             </a:fld>
             <a:endParaRPr lang="es-CR"/>
           </a:p>
@@ -785,7 +786,7 @@
           <a:p>
             <a:fld id="{D36E5F20-C565-47DC-8519-2C7D76B42AC5}" type="datetimeFigureOut">
               <a:rPr lang="es-CR" smtClean="0"/>
-              <a:t>16/09/2020</a:t>
+              <a:t>24/09/2020</a:t>
             </a:fld>
             <a:endParaRPr lang="es-CR"/>
           </a:p>
@@ -1031,7 +1032,7 @@
           <a:p>
             <a:fld id="{D36E5F20-C565-47DC-8519-2C7D76B42AC5}" type="datetimeFigureOut">
               <a:rPr lang="es-CR" smtClean="0"/>
-              <a:t>16/09/2020</a:t>
+              <a:t>24/09/2020</a:t>
             </a:fld>
             <a:endParaRPr lang="es-CR"/>
           </a:p>
@@ -1263,7 +1264,7 @@
           <a:p>
             <a:fld id="{D36E5F20-C565-47DC-8519-2C7D76B42AC5}" type="datetimeFigureOut">
               <a:rPr lang="es-CR" smtClean="0"/>
-              <a:t>16/09/2020</a:t>
+              <a:t>24/09/2020</a:t>
             </a:fld>
             <a:endParaRPr lang="es-CR"/>
           </a:p>
@@ -1630,7 +1631,7 @@
           <a:p>
             <a:fld id="{D36E5F20-C565-47DC-8519-2C7D76B42AC5}" type="datetimeFigureOut">
               <a:rPr lang="es-CR" smtClean="0"/>
-              <a:t>16/09/2020</a:t>
+              <a:t>24/09/2020</a:t>
             </a:fld>
             <a:endParaRPr lang="es-CR"/>
           </a:p>
@@ -1748,7 +1749,7 @@
           <a:p>
             <a:fld id="{D36E5F20-C565-47DC-8519-2C7D76B42AC5}" type="datetimeFigureOut">
               <a:rPr lang="es-CR" smtClean="0"/>
-              <a:t>16/09/2020</a:t>
+              <a:t>24/09/2020</a:t>
             </a:fld>
             <a:endParaRPr lang="es-CR"/>
           </a:p>
@@ -1843,7 +1844,7 @@
           <a:p>
             <a:fld id="{D36E5F20-C565-47DC-8519-2C7D76B42AC5}" type="datetimeFigureOut">
               <a:rPr lang="es-CR" smtClean="0"/>
-              <a:t>16/09/2020</a:t>
+              <a:t>24/09/2020</a:t>
             </a:fld>
             <a:endParaRPr lang="es-CR"/>
           </a:p>
@@ -2120,7 +2121,7 @@
           <a:p>
             <a:fld id="{D36E5F20-C565-47DC-8519-2C7D76B42AC5}" type="datetimeFigureOut">
               <a:rPr lang="es-CR" smtClean="0"/>
-              <a:t>16/09/2020</a:t>
+              <a:t>24/09/2020</a:t>
             </a:fld>
             <a:endParaRPr lang="es-CR"/>
           </a:p>
@@ -2373,7 +2374,7 @@
           <a:p>
             <a:fld id="{D36E5F20-C565-47DC-8519-2C7D76B42AC5}" type="datetimeFigureOut">
               <a:rPr lang="es-CR" smtClean="0"/>
-              <a:t>16/09/2020</a:t>
+              <a:t>24/09/2020</a:t>
             </a:fld>
             <a:endParaRPr lang="es-CR"/>
           </a:p>
@@ -2586,7 +2587,7 @@
           <a:p>
             <a:fld id="{D36E5F20-C565-47DC-8519-2C7D76B42AC5}" type="datetimeFigureOut">
               <a:rPr lang="es-CR" smtClean="0"/>
-              <a:t>16/09/2020</a:t>
+              <a:t>24/09/2020</a:t>
             </a:fld>
             <a:endParaRPr lang="es-CR"/>
           </a:p>
@@ -2999,6 +3000,1737 @@
           </p:cNvPicPr>
           <p:nvPr/>
         </p:nvPicPr>
+        <p:blipFill>
+          <a:blip r:embed="rId2"/>
+          <a:stretch>
+            <a:fillRect/>
+          </a:stretch>
+        </p:blipFill>
+        <p:spPr>
+          <a:xfrm>
+            <a:off x="792386" y="890588"/>
+            <a:ext cx="7439025" cy="5238750"/>
+          </a:xfrm>
+          <a:prstGeom prst="rect">
+            <a:avLst/>
+          </a:prstGeom>
+        </p:spPr>
+      </p:pic>
+      <p:sp>
+        <p:nvSpPr>
+          <p:cNvPr id="5" name="CuadroTexto 4"/>
+          <p:cNvSpPr txBox="1"/>
+          <p:nvPr/>
+        </p:nvSpPr>
+        <p:spPr>
+          <a:xfrm>
+            <a:off x="8770513" y="1481070"/>
+            <a:ext cx="619080" cy="369332"/>
+          </a:xfrm>
+          <a:prstGeom prst="rect">
+            <a:avLst/>
+          </a:prstGeom>
+          <a:noFill/>
+        </p:spPr>
+        <p:txBody>
+          <a:bodyPr wrap="none" rtlCol="0">
+            <a:spAutoFit/>
+          </a:bodyPr>
+          <a:lstStyle/>
+          <a:p>
+            <a:r>
+              <a:rPr lang="es-CR" dirty="0" smtClean="0"/>
+              <a:t>Listo</a:t>
+            </a:r>
+            <a:endParaRPr lang="es-CR" dirty="0"/>
+          </a:p>
+        </p:txBody>
+      </p:sp>
+    </p:spTree>
+    <p:extLst>
+      <p:ext uri="{BB962C8B-B14F-4D97-AF65-F5344CB8AC3E}">
+        <p14:creationId xmlns:p14="http://schemas.microsoft.com/office/powerpoint/2010/main" val="2788345401"/>
+      </p:ext>
+    </p:extLst>
+  </p:cSld>
+  <p:clrMapOvr>
+    <a:masterClrMapping/>
+  </p:clrMapOvr>
+</p:sld>
+</file>
+
+<file path=ppt/slides/slide10.xml><?xml version="1.0" encoding="utf-8"?>
+<p:sld xmlns:a="http://schemas.openxmlformats.org/drawingml/2006/main" xmlns:r="http://schemas.openxmlformats.org/officeDocument/2006/relationships" xmlns:p="http://schemas.openxmlformats.org/presentationml/2006/main">
+  <p:cSld>
+    <p:spTree>
+      <p:nvGrpSpPr>
+        <p:cNvPr id="1" name=""/>
+        <p:cNvGrpSpPr/>
+        <p:nvPr/>
+      </p:nvGrpSpPr>
+      <p:grpSpPr>
+        <a:xfrm>
+          <a:off x="0" y="0"/>
+          <a:ext cx="0" cy="0"/>
+          <a:chOff x="0" y="0"/>
+          <a:chExt cx="0" cy="0"/>
+        </a:xfrm>
+      </p:grpSpPr>
+      <p:sp>
+        <p:nvSpPr>
+          <p:cNvPr id="2" name="Rectángulo 1"/>
+          <p:cNvSpPr/>
+          <p:nvPr/>
+        </p:nvSpPr>
+        <p:spPr>
+          <a:xfrm>
+            <a:off x="219075" y="202675"/>
+            <a:ext cx="6096000" cy="6524863"/>
+          </a:xfrm>
+          <a:prstGeom prst="rect">
+            <a:avLst/>
+          </a:prstGeom>
+        </p:spPr>
+        <p:txBody>
+          <a:bodyPr>
+            <a:spAutoFit/>
+          </a:bodyPr>
+          <a:lstStyle/>
+          <a:p>
+            <a:r>
+              <a:rPr lang="es-CR" sz="1600" b="1" dirty="0">
+                <a:solidFill>
+                  <a:srgbClr val="00B0F0"/>
+                </a:solidFill>
+                <a:latin typeface="Lato-Regular"/>
+              </a:rPr>
+              <a:t>8. En primaria</a:t>
+            </a:r>
+          </a:p>
+          <a:p>
+            <a:r>
+              <a:rPr lang="es-CR" sz="1600" dirty="0">
+                <a:latin typeface="Lato-Regular"/>
+              </a:rPr>
+              <a:t>a. Pauta 1.3: Adaptable: El orden de encabezados no es el correcto.</a:t>
+            </a:r>
+          </a:p>
+          <a:p>
+            <a:r>
+              <a:rPr lang="es-CR" sz="1600" dirty="0">
+                <a:latin typeface="Lato-Regular"/>
+              </a:rPr>
+              <a:t>b. Pauta 2.4: Navegación: Al ingresar el foco se pierde.</a:t>
+            </a:r>
+          </a:p>
+          <a:p>
+            <a:r>
+              <a:rPr lang="es-CR" sz="1600" b="1" dirty="0">
+                <a:solidFill>
+                  <a:srgbClr val="00B0F0"/>
+                </a:solidFill>
+                <a:latin typeface="Lato-Regular"/>
+              </a:rPr>
+              <a:t>9. En apartado de secundaria:</a:t>
+            </a:r>
+          </a:p>
+          <a:p>
+            <a:r>
+              <a:rPr lang="es-CR" sz="1600" dirty="0">
+                <a:latin typeface="Lato-Regular"/>
+              </a:rPr>
+              <a:t>a. Pauta 2.4: Navegación: Al ingresar el foco se pierde</a:t>
+            </a:r>
+            <a:r>
+              <a:rPr lang="es-CR" sz="1600" dirty="0" smtClean="0">
+                <a:latin typeface="Lato-Regular"/>
+              </a:rPr>
+              <a:t>.</a:t>
+            </a:r>
+            <a:endParaRPr lang="es-CR" sz="1600" dirty="0">
+              <a:latin typeface="Calibri" panose="020F0502020204030204" pitchFamily="34" charset="0"/>
+            </a:endParaRPr>
+          </a:p>
+          <a:p>
+            <a:r>
+              <a:rPr lang="es-CR" sz="1600" dirty="0">
+                <a:latin typeface="Lato-Regular"/>
+              </a:rPr>
+              <a:t>b. Pauta 1.3: Adaptable: El orden de encabezados no es el correcto.</a:t>
+            </a:r>
+          </a:p>
+          <a:p>
+            <a:r>
+              <a:rPr lang="es-CR" sz="1600" dirty="0">
+                <a:latin typeface="Lato-Regular"/>
+              </a:rPr>
+              <a:t>c. Pauta 2.4: Navegación: Tiene enlaces que sacan al usuario de la página en la que </a:t>
+            </a:r>
+            <a:r>
+              <a:rPr lang="es-CR" sz="1600" dirty="0" smtClean="0">
+                <a:latin typeface="Lato-Regular"/>
+              </a:rPr>
+              <a:t>se está </a:t>
+            </a:r>
+            <a:r>
+              <a:rPr lang="es-CR" sz="1600" dirty="0">
+                <a:latin typeface="Lato-Regular"/>
+              </a:rPr>
+              <a:t>y no se avisa de este efecto.</a:t>
+            </a:r>
+          </a:p>
+          <a:p>
+            <a:r>
+              <a:rPr lang="es-CR" sz="1600" b="1" dirty="0">
+                <a:solidFill>
+                  <a:srgbClr val="00B0F0"/>
+                </a:solidFill>
+                <a:latin typeface="Lato-Regular"/>
+              </a:rPr>
+              <a:t>10. Apartado jóvenes y adultos.</a:t>
+            </a:r>
+          </a:p>
+          <a:p>
+            <a:r>
+              <a:rPr lang="es-CR" sz="1600" dirty="0">
+                <a:latin typeface="Lato-Regular"/>
+              </a:rPr>
+              <a:t>a. Pauta 2.4: Navegación: El foco se pierde al ingresar.</a:t>
+            </a:r>
+          </a:p>
+          <a:p>
+            <a:r>
+              <a:rPr lang="es-CR" sz="1600" dirty="0">
+                <a:latin typeface="Lato-Regular"/>
+              </a:rPr>
+              <a:t>b. Pauta 1.3: Adaptable: Los encabezados no siguen un orden correcto.</a:t>
+            </a:r>
+          </a:p>
+          <a:p>
+            <a:r>
+              <a:rPr lang="es-CR" sz="1600" dirty="0">
+                <a:latin typeface="Lato-Regular"/>
+              </a:rPr>
+              <a:t>c. Pauta 2.4: Navegación: Se repite el hallazgo de enlaces que sacan al usuario </a:t>
+            </a:r>
+            <a:r>
+              <a:rPr lang="es-CR" sz="1600" dirty="0" smtClean="0">
+                <a:latin typeface="Lato-Regular"/>
+              </a:rPr>
+              <a:t>de página </a:t>
+            </a:r>
+            <a:r>
+              <a:rPr lang="es-CR" sz="1600" dirty="0">
+                <a:latin typeface="Lato-Regular"/>
+              </a:rPr>
+              <a:t>sin avisar.</a:t>
+            </a:r>
+          </a:p>
+          <a:p>
+            <a:r>
+              <a:rPr lang="es-CR" b="1" dirty="0">
+                <a:solidFill>
+                  <a:srgbClr val="00B0F0"/>
+                </a:solidFill>
+                <a:latin typeface="Lato-Regular"/>
+              </a:rPr>
+              <a:t>11. </a:t>
+            </a:r>
+            <a:r>
+              <a:rPr lang="es-CR" sz="1600" b="1" dirty="0">
+                <a:solidFill>
+                  <a:srgbClr val="00B0F0"/>
+                </a:solidFill>
+                <a:latin typeface="Lato-Regular"/>
+              </a:rPr>
+              <a:t>Apartado de feria científica </a:t>
+            </a:r>
+            <a:r>
+              <a:rPr lang="es-CR" b="1" dirty="0">
+                <a:solidFill>
+                  <a:srgbClr val="00B0F0"/>
+                </a:solidFill>
+                <a:latin typeface="Lato-Regular"/>
+              </a:rPr>
+              <a:t>.</a:t>
+            </a:r>
+          </a:p>
+          <a:p>
+            <a:r>
+              <a:rPr lang="es-CR" sz="1600" dirty="0">
+                <a:latin typeface="Lato-Regular"/>
+              </a:rPr>
+              <a:t>a. Pauta 2.4: Navegación: No cuenta con información para evaluar, dice página </a:t>
+            </a:r>
+            <a:r>
+              <a:rPr lang="es-CR" sz="1600" dirty="0" smtClean="0">
+                <a:latin typeface="Lato-Regular"/>
+              </a:rPr>
+              <a:t>en construcción</a:t>
+            </a:r>
+            <a:r>
+              <a:rPr lang="es-CR" sz="1600" dirty="0">
+                <a:latin typeface="Lato-Regular"/>
+              </a:rPr>
+              <a:t>.</a:t>
+            </a:r>
+          </a:p>
+          <a:p>
+            <a:r>
+              <a:rPr lang="es-CR" sz="1600" b="1" dirty="0">
+                <a:solidFill>
+                  <a:srgbClr val="00B0F0"/>
+                </a:solidFill>
+                <a:latin typeface="Lato-Regular"/>
+              </a:rPr>
+              <a:t>12. Apartado de Bandera azul.</a:t>
+            </a:r>
+          </a:p>
+          <a:p>
+            <a:r>
+              <a:rPr lang="es-CR" sz="1600" dirty="0">
+                <a:latin typeface="Lato-Regular"/>
+              </a:rPr>
+              <a:t>a. Pauta 2.4: Navegación: No cuenta con información para evaluar, dice página </a:t>
+            </a:r>
+            <a:r>
+              <a:rPr lang="es-CR" sz="1600" dirty="0" smtClean="0">
+                <a:latin typeface="Lato-Regular"/>
+              </a:rPr>
+              <a:t>en construcción</a:t>
+            </a:r>
+            <a:r>
+              <a:rPr lang="es-CR" sz="1600" dirty="0">
+                <a:latin typeface="Lato-Regular"/>
+              </a:rPr>
+              <a:t>.</a:t>
+            </a:r>
+          </a:p>
+          <a:p>
+            <a:r>
+              <a:rPr lang="es-CR" sz="1600" b="1" dirty="0">
+                <a:solidFill>
+                  <a:srgbClr val="00B0F0"/>
+                </a:solidFill>
+                <a:latin typeface="Lato-Regular"/>
+              </a:rPr>
+              <a:t>13. Apartado </a:t>
+            </a:r>
+            <a:r>
+              <a:rPr lang="es-CR" sz="1600" b="1" dirty="0" err="1" smtClean="0">
+                <a:solidFill>
+                  <a:srgbClr val="00B0F0"/>
+                </a:solidFill>
+                <a:latin typeface="Lato-Regular"/>
+              </a:rPr>
+              <a:t>educatico</a:t>
+            </a:r>
+            <a:r>
+              <a:rPr lang="es-CR" sz="1600" dirty="0">
+                <a:latin typeface="Lato-Regular"/>
+              </a:rPr>
+              <a:t>.</a:t>
+            </a:r>
+          </a:p>
+          <a:p>
+            <a:r>
+              <a:rPr lang="es-CR" sz="1600" dirty="0">
+                <a:latin typeface="Lato-Regular"/>
+              </a:rPr>
+              <a:t>a. Pauta 2.4: Navegación: Es un enlace que </a:t>
+            </a:r>
+            <a:r>
+              <a:rPr lang="es-CR" sz="1600" dirty="0" err="1">
+                <a:latin typeface="Lato-Regular"/>
+              </a:rPr>
+              <a:t>redirecciona</a:t>
+            </a:r>
+            <a:r>
+              <a:rPr lang="es-CR" sz="1600" dirty="0">
+                <a:latin typeface="Lato-Regular"/>
+              </a:rPr>
+              <a:t> a otra página fuera de la </a:t>
+            </a:r>
+            <a:r>
+              <a:rPr lang="es-CR" sz="1600" dirty="0" smtClean="0">
+                <a:latin typeface="Lato-Regular"/>
+              </a:rPr>
+              <a:t>caja virtual</a:t>
+            </a:r>
+            <a:r>
+              <a:rPr lang="es-CR" sz="1600" dirty="0">
+                <a:latin typeface="Lato-Regular"/>
+              </a:rPr>
+              <a:t>.</a:t>
+            </a:r>
+            <a:endParaRPr lang="es-CR" sz="1600" dirty="0"/>
+          </a:p>
+        </p:txBody>
+      </p:sp>
+      <p:pic>
+        <p:nvPicPr>
+          <p:cNvPr id="3" name="Imagen 2"/>
+          <p:cNvPicPr>
+            <a:picLocks noChangeAspect="1"/>
+          </p:cNvPicPr>
+          <p:nvPr/>
+        </p:nvPicPr>
+        <p:blipFill>
+          <a:blip r:embed="rId2"/>
+          <a:stretch>
+            <a:fillRect/>
+          </a:stretch>
+        </p:blipFill>
+        <p:spPr>
+          <a:xfrm>
+            <a:off x="6315075" y="1481137"/>
+            <a:ext cx="5408629" cy="3895726"/>
+          </a:xfrm>
+          <a:prstGeom prst="rect">
+            <a:avLst/>
+          </a:prstGeom>
+        </p:spPr>
+      </p:pic>
+      <p:sp>
+        <p:nvSpPr>
+          <p:cNvPr id="4" name="Rectángulo 3"/>
+          <p:cNvSpPr/>
+          <p:nvPr/>
+        </p:nvSpPr>
+        <p:spPr>
+          <a:xfrm>
+            <a:off x="7786688" y="1614488"/>
+            <a:ext cx="1232701" cy="1814512"/>
+          </a:xfrm>
+          <a:prstGeom prst="rect">
+            <a:avLst/>
+          </a:prstGeom>
+          <a:noFill/>
+          <a:ln w="38100"/>
+        </p:spPr>
+        <p:style>
+          <a:lnRef idx="2">
+            <a:schemeClr val="accent1">
+              <a:shade val="50000"/>
+            </a:schemeClr>
+          </a:lnRef>
+          <a:fillRef idx="1">
+            <a:schemeClr val="accent1"/>
+          </a:fillRef>
+          <a:effectRef idx="0">
+            <a:schemeClr val="accent1"/>
+          </a:effectRef>
+          <a:fontRef idx="minor">
+            <a:schemeClr val="lt1"/>
+          </a:fontRef>
+        </p:style>
+        <p:txBody>
+          <a:bodyPr rtlCol="0" anchor="ctr"/>
+          <a:lstStyle/>
+          <a:p>
+            <a:pPr algn="ctr"/>
+            <a:endParaRPr lang="es-CR"/>
+          </a:p>
+        </p:txBody>
+      </p:sp>
+      <p:sp>
+        <p:nvSpPr>
+          <p:cNvPr id="5" name="Rectángulo 4"/>
+          <p:cNvSpPr/>
+          <p:nvPr/>
+        </p:nvSpPr>
+        <p:spPr>
+          <a:xfrm>
+            <a:off x="9138845" y="1614488"/>
+            <a:ext cx="1232701" cy="1814512"/>
+          </a:xfrm>
+          <a:prstGeom prst="rect">
+            <a:avLst/>
+          </a:prstGeom>
+          <a:noFill/>
+          <a:ln w="38100"/>
+        </p:spPr>
+        <p:style>
+          <a:lnRef idx="2">
+            <a:schemeClr val="accent1">
+              <a:shade val="50000"/>
+            </a:schemeClr>
+          </a:lnRef>
+          <a:fillRef idx="1">
+            <a:schemeClr val="accent1"/>
+          </a:fillRef>
+          <a:effectRef idx="0">
+            <a:schemeClr val="accent1"/>
+          </a:effectRef>
+          <a:fontRef idx="minor">
+            <a:schemeClr val="lt1"/>
+          </a:fontRef>
+        </p:style>
+        <p:txBody>
+          <a:bodyPr rtlCol="0" anchor="ctr"/>
+          <a:lstStyle/>
+          <a:p>
+            <a:pPr algn="ctr"/>
+            <a:endParaRPr lang="es-CR"/>
+          </a:p>
+        </p:txBody>
+      </p:sp>
+      <p:sp>
+        <p:nvSpPr>
+          <p:cNvPr id="6" name="Rectángulo 5"/>
+          <p:cNvSpPr/>
+          <p:nvPr/>
+        </p:nvSpPr>
+        <p:spPr>
+          <a:xfrm>
+            <a:off x="6494258" y="3465106"/>
+            <a:ext cx="1232701" cy="1814512"/>
+          </a:xfrm>
+          <a:prstGeom prst="rect">
+            <a:avLst/>
+          </a:prstGeom>
+          <a:noFill/>
+          <a:ln w="38100"/>
+        </p:spPr>
+        <p:style>
+          <a:lnRef idx="2">
+            <a:schemeClr val="accent1">
+              <a:shade val="50000"/>
+            </a:schemeClr>
+          </a:lnRef>
+          <a:fillRef idx="1">
+            <a:schemeClr val="accent1"/>
+          </a:fillRef>
+          <a:effectRef idx="0">
+            <a:schemeClr val="accent1"/>
+          </a:effectRef>
+          <a:fontRef idx="minor">
+            <a:schemeClr val="lt1"/>
+          </a:fontRef>
+        </p:style>
+        <p:txBody>
+          <a:bodyPr rtlCol="0" anchor="ctr"/>
+          <a:lstStyle/>
+          <a:p>
+            <a:pPr algn="ctr"/>
+            <a:endParaRPr lang="es-CR"/>
+          </a:p>
+        </p:txBody>
+      </p:sp>
+      <p:sp>
+        <p:nvSpPr>
+          <p:cNvPr id="7" name="Rectángulo 6"/>
+          <p:cNvSpPr/>
+          <p:nvPr/>
+        </p:nvSpPr>
+        <p:spPr>
+          <a:xfrm>
+            <a:off x="10448139" y="3472636"/>
+            <a:ext cx="1232701" cy="1814512"/>
+          </a:xfrm>
+          <a:prstGeom prst="rect">
+            <a:avLst/>
+          </a:prstGeom>
+          <a:noFill/>
+          <a:ln w="38100"/>
+        </p:spPr>
+        <p:style>
+          <a:lnRef idx="2">
+            <a:schemeClr val="accent1">
+              <a:shade val="50000"/>
+            </a:schemeClr>
+          </a:lnRef>
+          <a:fillRef idx="1">
+            <a:schemeClr val="accent1"/>
+          </a:fillRef>
+          <a:effectRef idx="0">
+            <a:schemeClr val="accent1"/>
+          </a:effectRef>
+          <a:fontRef idx="minor">
+            <a:schemeClr val="lt1"/>
+          </a:fontRef>
+        </p:style>
+        <p:txBody>
+          <a:bodyPr rtlCol="0" anchor="ctr"/>
+          <a:lstStyle/>
+          <a:p>
+            <a:pPr algn="ctr"/>
+            <a:endParaRPr lang="es-CR"/>
+          </a:p>
+        </p:txBody>
+      </p:sp>
+    </p:spTree>
+    <p:extLst>
+      <p:ext uri="{BB962C8B-B14F-4D97-AF65-F5344CB8AC3E}">
+        <p14:creationId xmlns:p14="http://schemas.microsoft.com/office/powerpoint/2010/main" val="1899717687"/>
+      </p:ext>
+    </p:extLst>
+  </p:cSld>
+  <p:clrMapOvr>
+    <a:masterClrMapping/>
+  </p:clrMapOvr>
+</p:sld>
+</file>
+
+<file path=ppt/slides/slide11.xml><?xml version="1.0" encoding="utf-8"?>
+<p:sld xmlns:a="http://schemas.openxmlformats.org/drawingml/2006/main" xmlns:r="http://schemas.openxmlformats.org/officeDocument/2006/relationships" xmlns:p="http://schemas.openxmlformats.org/presentationml/2006/main">
+  <p:cSld>
+    <p:spTree>
+      <p:nvGrpSpPr>
+        <p:cNvPr id="1" name=""/>
+        <p:cNvGrpSpPr/>
+        <p:nvPr/>
+      </p:nvGrpSpPr>
+      <p:grpSpPr>
+        <a:xfrm>
+          <a:off x="0" y="0"/>
+          <a:ext cx="0" cy="0"/>
+          <a:chOff x="0" y="0"/>
+          <a:chExt cx="0" cy="0"/>
+        </a:xfrm>
+      </p:grpSpPr>
+      <p:sp>
+        <p:nvSpPr>
+          <p:cNvPr id="2" name="Rectángulo 1"/>
+          <p:cNvSpPr/>
+          <p:nvPr/>
+        </p:nvSpPr>
+        <p:spPr>
+          <a:xfrm>
+            <a:off x="0" y="0"/>
+            <a:ext cx="6096000" cy="2739211"/>
+          </a:xfrm>
+          <a:prstGeom prst="rect">
+            <a:avLst/>
+          </a:prstGeom>
+        </p:spPr>
+        <p:txBody>
+          <a:bodyPr>
+            <a:spAutoFit/>
+          </a:bodyPr>
+          <a:lstStyle/>
+          <a:p>
+            <a:r>
+              <a:rPr lang="es-CR" b="1" dirty="0">
+                <a:solidFill>
+                  <a:srgbClr val="00B0F0"/>
+                </a:solidFill>
+              </a:rPr>
+              <a:t>En políticas educativas y En fundamentos currículo.</a:t>
+            </a:r>
+          </a:p>
+          <a:p>
+            <a:r>
+              <a:rPr lang="es-CR" sz="1400" dirty="0" smtClean="0">
+                <a:latin typeface="Lato-Regular"/>
+              </a:rPr>
+              <a:t>a</a:t>
+            </a:r>
+            <a:r>
+              <a:rPr lang="es-CR" sz="1400" dirty="0">
+                <a:latin typeface="Lato-Regular"/>
+              </a:rPr>
+              <a:t>. Pauta 2.4: Navegación y 3.2: Previsible: Al ingresar se despliega una </a:t>
+            </a:r>
+            <a:r>
+              <a:rPr lang="es-CR" sz="1400" dirty="0" smtClean="0">
+                <a:latin typeface="Lato-Regular"/>
+              </a:rPr>
+              <a:t>ventana emergente </a:t>
+            </a:r>
+            <a:r>
+              <a:rPr lang="es-CR" sz="1400" dirty="0">
+                <a:latin typeface="Lato-Regular"/>
+              </a:rPr>
+              <a:t>que no se anuncia al lector de pantalla.</a:t>
+            </a:r>
+          </a:p>
+          <a:p>
+            <a:r>
+              <a:rPr lang="es-CR" sz="1400" dirty="0">
+                <a:latin typeface="Lato-Regular"/>
+              </a:rPr>
+              <a:t>b. Pauta 2.4: Navegación: La misma, no capta el foco y hay que pasar por todas </a:t>
+            </a:r>
+            <a:r>
+              <a:rPr lang="es-CR" sz="1400" dirty="0" smtClean="0">
+                <a:latin typeface="Lato-Regular"/>
+              </a:rPr>
+              <a:t>las opciones </a:t>
+            </a:r>
+            <a:r>
+              <a:rPr lang="es-CR" sz="1400" dirty="0">
+                <a:latin typeface="Lato-Regular"/>
+              </a:rPr>
+              <a:t>para llegar al recuadro.</a:t>
+            </a:r>
+          </a:p>
+          <a:p>
+            <a:r>
+              <a:rPr lang="es-CR" sz="1400" dirty="0">
+                <a:latin typeface="Lato-Regular"/>
+              </a:rPr>
+              <a:t>c. Pauta 1.1: Texto alternativo y Pauta 3.2: Previsible: No se dice que es un</a:t>
+            </a:r>
+          </a:p>
+          <a:p>
+            <a:r>
+              <a:rPr lang="es-CR" sz="1400" dirty="0">
+                <a:latin typeface="Lato-Regular"/>
+              </a:rPr>
+              <a:t>documento descargable hasta que se interactúa con los distintos elementos </a:t>
+            </a:r>
+            <a:r>
+              <a:rPr lang="es-CR" sz="1400" dirty="0" smtClean="0">
+                <a:latin typeface="Lato-Regular"/>
+              </a:rPr>
+              <a:t>que conforman </a:t>
+            </a:r>
+            <a:r>
+              <a:rPr lang="es-CR" sz="1400" dirty="0">
+                <a:latin typeface="Lato-Regular"/>
+              </a:rPr>
+              <a:t>el recuadro.</a:t>
+            </a:r>
+          </a:p>
+          <a:p>
+            <a:r>
+              <a:rPr lang="es-CR" sz="1400" dirty="0">
+                <a:latin typeface="Lato-Regular"/>
+              </a:rPr>
+              <a:t>d. Pauta 2.4: Navegación: La vista previa del documento se puede navegar y leer en </a:t>
+            </a:r>
+            <a:r>
+              <a:rPr lang="es-CR" sz="1400" dirty="0" smtClean="0">
+                <a:latin typeface="Lato-Regular"/>
+              </a:rPr>
+              <a:t>su totalidad </a:t>
+            </a:r>
+            <a:r>
+              <a:rPr lang="es-CR" sz="1400" dirty="0">
+                <a:latin typeface="Lato-Regular"/>
+              </a:rPr>
+              <a:t>pero el mismo no cuenta con etiquetas para una navegación rápida </a:t>
+            </a:r>
+            <a:r>
+              <a:rPr lang="es-CR" sz="1400" dirty="0" smtClean="0">
+                <a:latin typeface="Lato-Regular"/>
+              </a:rPr>
+              <a:t>como tabla </a:t>
+            </a:r>
+            <a:r>
+              <a:rPr lang="es-CR" sz="1400" dirty="0">
+                <a:latin typeface="Lato-Regular"/>
+              </a:rPr>
+              <a:t>de elementos y o encabezados de sección.</a:t>
+            </a:r>
+          </a:p>
+          <a:p>
+            <a:r>
+              <a:rPr lang="es-CR" sz="1400" dirty="0">
+                <a:latin typeface="Lato-Regular"/>
+              </a:rPr>
+              <a:t>4. </a:t>
+            </a:r>
+            <a:r>
+              <a:rPr lang="es-CR" sz="1400" dirty="0" smtClean="0">
+                <a:latin typeface="Lato-Regular"/>
+              </a:rPr>
+              <a:t>a</a:t>
+            </a:r>
+            <a:r>
+              <a:rPr lang="es-CR" sz="1400" dirty="0">
+                <a:latin typeface="Lato-Regular"/>
+              </a:rPr>
+              <a:t>. Se repiten todos los hallazgos del apartado anterior.</a:t>
+            </a:r>
+            <a:endParaRPr lang="es-CR" sz="1400" dirty="0"/>
+          </a:p>
+        </p:txBody>
+      </p:sp>
+      <p:sp>
+        <p:nvSpPr>
+          <p:cNvPr id="3" name="Rectángulo 2"/>
+          <p:cNvSpPr/>
+          <p:nvPr/>
+        </p:nvSpPr>
+        <p:spPr>
+          <a:xfrm>
+            <a:off x="0" y="3028890"/>
+            <a:ext cx="6096000" cy="800219"/>
+          </a:xfrm>
+          <a:prstGeom prst="rect">
+            <a:avLst/>
+          </a:prstGeom>
+        </p:spPr>
+        <p:txBody>
+          <a:bodyPr>
+            <a:spAutoFit/>
+          </a:bodyPr>
+          <a:lstStyle/>
+          <a:p>
+            <a:r>
+              <a:rPr lang="es-CR" b="1" dirty="0">
+                <a:solidFill>
+                  <a:srgbClr val="00B0F0"/>
+                </a:solidFill>
+              </a:rPr>
+              <a:t>6. Reglamento evaluación, Perfil </a:t>
+            </a:r>
+            <a:r>
+              <a:rPr lang="es-CR" b="1" dirty="0" smtClean="0">
+                <a:solidFill>
+                  <a:srgbClr val="00B0F0"/>
+                </a:solidFill>
+              </a:rPr>
+              <a:t>estudiante y </a:t>
+            </a:r>
+            <a:r>
+              <a:rPr lang="es-CR" b="1" dirty="0">
+                <a:solidFill>
+                  <a:srgbClr val="00B0F0"/>
+                </a:solidFill>
+              </a:rPr>
+              <a:t>Apartado Faro.</a:t>
+            </a:r>
+            <a:endParaRPr lang="es-CR" sz="1400" b="1" dirty="0">
+              <a:solidFill>
+                <a:srgbClr val="00B0F0"/>
+              </a:solidFill>
+              <a:latin typeface="Lato-Regular"/>
+            </a:endParaRPr>
+          </a:p>
+          <a:p>
+            <a:r>
+              <a:rPr lang="es-CR" sz="1400" dirty="0">
+                <a:latin typeface="Lato-Regular"/>
+              </a:rPr>
+              <a:t>a. Pauta 2.4: Navegación: Tiene el problema del foco y que hay que navegar por </a:t>
+            </a:r>
+            <a:r>
+              <a:rPr lang="es-CR" sz="1400" dirty="0" smtClean="0">
+                <a:latin typeface="Lato-Regular"/>
+              </a:rPr>
+              <a:t>toda la </a:t>
+            </a:r>
+            <a:r>
+              <a:rPr lang="es-CR" sz="1400" dirty="0">
+                <a:latin typeface="Lato-Regular"/>
+              </a:rPr>
+              <a:t>página para llegar al contenido.</a:t>
+            </a:r>
+            <a:endParaRPr lang="es-CR" sz="1400" dirty="0"/>
+          </a:p>
+        </p:txBody>
+      </p:sp>
+      <p:pic>
+        <p:nvPicPr>
+          <p:cNvPr id="4" name="Imagen 3"/>
+          <p:cNvPicPr>
+            <a:picLocks noChangeAspect="1"/>
+          </p:cNvPicPr>
+          <p:nvPr/>
+        </p:nvPicPr>
+        <p:blipFill>
+          <a:blip r:embed="rId2"/>
+          <a:stretch>
+            <a:fillRect/>
+          </a:stretch>
+        </p:blipFill>
+        <p:spPr>
+          <a:xfrm>
+            <a:off x="6339954" y="903267"/>
+            <a:ext cx="5704408" cy="3671888"/>
+          </a:xfrm>
+          <a:prstGeom prst="rect">
+            <a:avLst/>
+          </a:prstGeom>
+        </p:spPr>
+      </p:pic>
+    </p:spTree>
+    <p:extLst>
+      <p:ext uri="{BB962C8B-B14F-4D97-AF65-F5344CB8AC3E}">
+        <p14:creationId xmlns:p14="http://schemas.microsoft.com/office/powerpoint/2010/main" val="1879287166"/>
+      </p:ext>
+    </p:extLst>
+  </p:cSld>
+  <p:clrMapOvr>
+    <a:masterClrMapping/>
+  </p:clrMapOvr>
+</p:sld>
+</file>
+
+<file path=ppt/slides/slide12.xml><?xml version="1.0" encoding="utf-8"?>
+<p:sld xmlns:a="http://schemas.openxmlformats.org/drawingml/2006/main" xmlns:r="http://schemas.openxmlformats.org/officeDocument/2006/relationships" xmlns:p="http://schemas.openxmlformats.org/presentationml/2006/main">
+  <p:cSld>
+    <p:spTree>
+      <p:nvGrpSpPr>
+        <p:cNvPr id="1" name=""/>
+        <p:cNvGrpSpPr/>
+        <p:nvPr/>
+      </p:nvGrpSpPr>
+      <p:grpSpPr>
+        <a:xfrm>
+          <a:off x="0" y="0"/>
+          <a:ext cx="0" cy="0"/>
+          <a:chOff x="0" y="0"/>
+          <a:chExt cx="0" cy="0"/>
+        </a:xfrm>
+      </p:grpSpPr>
+      <p:sp>
+        <p:nvSpPr>
+          <p:cNvPr id="2" name="Rectángulo 1"/>
+          <p:cNvSpPr/>
+          <p:nvPr/>
+        </p:nvSpPr>
+        <p:spPr>
+          <a:xfrm>
+            <a:off x="161925" y="56138"/>
+            <a:ext cx="6096000" cy="6801862"/>
+          </a:xfrm>
+          <a:prstGeom prst="rect">
+            <a:avLst/>
+          </a:prstGeom>
+        </p:spPr>
+        <p:txBody>
+          <a:bodyPr>
+            <a:spAutoFit/>
+          </a:bodyPr>
+          <a:lstStyle/>
+          <a:p>
+            <a:r>
+              <a:rPr lang="es-CR" sz="1200" b="1" dirty="0">
+                <a:solidFill>
+                  <a:srgbClr val="00B0F0"/>
+                </a:solidFill>
+                <a:latin typeface="Lato-Regular"/>
+              </a:rPr>
+              <a:t>4. En apartado cursos:</a:t>
+            </a:r>
+          </a:p>
+          <a:p>
+            <a:r>
+              <a:rPr lang="es-CR" sz="1200" dirty="0">
+                <a:latin typeface="Lato-Regular"/>
+              </a:rPr>
+              <a:t>a. Pauta 2.4: Navegación: Al ingresar el foco se va a la mitad de la página.</a:t>
+            </a:r>
+          </a:p>
+          <a:p>
+            <a:r>
+              <a:rPr lang="es-CR" sz="1200" dirty="0">
+                <a:latin typeface="Lato-Regular"/>
+              </a:rPr>
+              <a:t>b. Pauta 1.3: Adaptable: El orden de encabezados no es el correcto.</a:t>
+            </a:r>
+          </a:p>
+          <a:p>
+            <a:r>
+              <a:rPr lang="es-CR" sz="1200" dirty="0">
+                <a:latin typeface="Lato-Regular"/>
+              </a:rPr>
+              <a:t>c. Pauta 1.1: Texto alternativo: Los gráficos o imágenes que acompañan cada curso</a:t>
+            </a:r>
+          </a:p>
+          <a:p>
+            <a:r>
+              <a:rPr lang="es-CR" sz="1200" dirty="0">
+                <a:latin typeface="Lato-Regular"/>
+              </a:rPr>
+              <a:t>no tienen una descripción adecuada, si son decorativos deberían ocultarse al lector</a:t>
+            </a:r>
+          </a:p>
+          <a:p>
+            <a:r>
+              <a:rPr lang="es-CR" sz="1200" dirty="0">
+                <a:latin typeface="Lato-Regular"/>
+              </a:rPr>
+              <a:t>de pantalla.</a:t>
+            </a:r>
+          </a:p>
+          <a:p>
+            <a:r>
+              <a:rPr lang="es-CR" sz="1200" dirty="0">
+                <a:latin typeface="Lato-Regular"/>
+              </a:rPr>
+              <a:t>d. Pauta 1.1: Texto alternativo: Los botones que están al final de la página tienen una</a:t>
+            </a:r>
+          </a:p>
+          <a:p>
+            <a:r>
+              <a:rPr lang="es-CR" sz="1200" dirty="0">
+                <a:latin typeface="Lato-Regular"/>
+              </a:rPr>
+              <a:t>etiqueta que dice “incrementar” y “</a:t>
+            </a:r>
+            <a:r>
+              <a:rPr lang="es-CR" sz="1200" dirty="0" err="1">
+                <a:latin typeface="Lato-Regular"/>
+              </a:rPr>
+              <a:t>decrementar</a:t>
+            </a:r>
+            <a:r>
+              <a:rPr lang="es-CR" sz="1200" dirty="0">
+                <a:latin typeface="Lato-Regular"/>
+              </a:rPr>
+              <a:t>” se pensó que eran para </a:t>
+            </a:r>
+            <a:r>
+              <a:rPr lang="es-CR" sz="1200" dirty="0" smtClean="0">
+                <a:latin typeface="Lato-Regular"/>
+              </a:rPr>
+              <a:t>aumentar</a:t>
+            </a:r>
+            <a:endParaRPr lang="es-CR" sz="1200" dirty="0">
+              <a:latin typeface="Calibri" panose="020F0502020204030204" pitchFamily="34" charset="0"/>
+            </a:endParaRPr>
+          </a:p>
+          <a:p>
+            <a:r>
+              <a:rPr lang="es-CR" sz="1200" dirty="0">
+                <a:latin typeface="Lato-Regular"/>
+              </a:rPr>
+              <a:t>el tamaño del texto pero son para pasar a más elementos, es decir, siguiente pagina</a:t>
+            </a:r>
+          </a:p>
+          <a:p>
+            <a:r>
+              <a:rPr lang="es-CR" sz="1200" dirty="0">
+                <a:latin typeface="Lato-Regular"/>
+              </a:rPr>
+              <a:t>o pagina anterior lo cual causó mucha confusión.</a:t>
+            </a:r>
+          </a:p>
+          <a:p>
+            <a:r>
+              <a:rPr lang="es-CR" sz="1200" b="1" dirty="0">
+                <a:solidFill>
+                  <a:srgbClr val="00B0F0"/>
+                </a:solidFill>
+                <a:latin typeface="Lato-Regular"/>
+              </a:rPr>
+              <a:t>5. En apartado sitios.</a:t>
+            </a:r>
+          </a:p>
+          <a:p>
+            <a:r>
+              <a:rPr lang="es-CR" sz="1200" dirty="0">
+                <a:latin typeface="Lato-Regular"/>
+              </a:rPr>
+              <a:t>a. Pauta 2.4: Navegación: El foco al ingresar aparece a la mitad.</a:t>
+            </a:r>
+          </a:p>
+          <a:p>
+            <a:r>
+              <a:rPr lang="es-CR" sz="1200" dirty="0">
+                <a:latin typeface="Lato-Regular"/>
+              </a:rPr>
+              <a:t>b. Pauta 2.4: Navegación: Tiene muchos separadores de contenido repetidos.</a:t>
+            </a:r>
+          </a:p>
+          <a:p>
+            <a:r>
+              <a:rPr lang="es-CR" sz="1200" dirty="0">
+                <a:latin typeface="Lato-Regular"/>
+              </a:rPr>
+              <a:t>c. Pauta 1.3: Adaptable: El orden de encabezados no es el correcto.</a:t>
+            </a:r>
+          </a:p>
+          <a:p>
+            <a:r>
+              <a:rPr lang="es-CR" sz="1200" dirty="0">
+                <a:latin typeface="Lato-Regular"/>
+              </a:rPr>
+              <a:t>d. Pauta 1.1: Texto alternativo: Las imágenes o gráficos no cuentan con una</a:t>
+            </a:r>
+          </a:p>
+          <a:p>
+            <a:r>
+              <a:rPr lang="es-CR" sz="1200" dirty="0">
+                <a:latin typeface="Lato-Regular"/>
+              </a:rPr>
+              <a:t>descripción adecuada, si son decorativos no se ocultan al lector de pantalla.</a:t>
+            </a:r>
+          </a:p>
+          <a:p>
+            <a:r>
+              <a:rPr lang="es-CR" sz="1200" dirty="0">
+                <a:latin typeface="Lato-Regular"/>
+              </a:rPr>
+              <a:t>e. Pauta 1.1: Texto alternativo: La lista de enlaces para saltar a contenidos</a:t>
+            </a:r>
+          </a:p>
+          <a:p>
+            <a:r>
+              <a:rPr lang="es-CR" sz="1200" dirty="0">
+                <a:latin typeface="Lato-Regular"/>
+              </a:rPr>
+              <a:t>específicos, no están bien etiquetados. Se podría mejorar su etiqueta.</a:t>
+            </a:r>
+          </a:p>
+          <a:p>
+            <a:r>
+              <a:rPr lang="es-CR" sz="1200" b="1" dirty="0">
+                <a:solidFill>
+                  <a:srgbClr val="00B0F0"/>
+                </a:solidFill>
+                <a:latin typeface="Lato-Regular"/>
+              </a:rPr>
+              <a:t>6. Videoteca.</a:t>
+            </a:r>
+          </a:p>
+          <a:p>
+            <a:r>
+              <a:rPr lang="es-CR" sz="1200" dirty="0">
+                <a:latin typeface="Lato-Regular"/>
+              </a:rPr>
+              <a:t>a. No hay contenido para evaluar. La pagina aun esta en construcción.</a:t>
+            </a:r>
+          </a:p>
+          <a:p>
+            <a:r>
+              <a:rPr lang="es-CR" sz="1200" b="1" dirty="0">
+                <a:solidFill>
+                  <a:srgbClr val="00B0F0"/>
+                </a:solidFill>
+                <a:latin typeface="Lato-Regular"/>
+              </a:rPr>
+              <a:t>7. Apartado “referencias”.</a:t>
+            </a:r>
+          </a:p>
+          <a:p>
+            <a:r>
+              <a:rPr lang="es-CR" sz="1200" dirty="0">
+                <a:latin typeface="Lato-Regular"/>
+              </a:rPr>
+              <a:t>a. Pauta 2.4: Navegación: Abre una ventana emergente que no es accesible.</a:t>
+            </a:r>
+          </a:p>
+          <a:p>
+            <a:r>
+              <a:rPr lang="es-CR" sz="1200" dirty="0">
+                <a:latin typeface="Lato-Regular"/>
+              </a:rPr>
+              <a:t>b. Pauta 2.4: Navegación: Hay que pasar por todo el contenido para llegar a la</a:t>
+            </a:r>
+          </a:p>
+          <a:p>
+            <a:r>
+              <a:rPr lang="es-CR" sz="1200" dirty="0">
+                <a:latin typeface="Lato-Regular"/>
+              </a:rPr>
+              <a:t>información que ofrece la ventana.</a:t>
+            </a:r>
+          </a:p>
+          <a:p>
+            <a:r>
+              <a:rPr lang="es-CR" sz="1400" dirty="0">
+                <a:latin typeface="Lato-Regular"/>
+              </a:rPr>
+              <a:t>c. </a:t>
+            </a:r>
+            <a:r>
+              <a:rPr lang="es-CR" sz="1200" dirty="0">
+                <a:latin typeface="Lato-Regular"/>
+              </a:rPr>
+              <a:t>Pauta 1.3: </a:t>
+            </a:r>
+            <a:r>
+              <a:rPr lang="es-CR" sz="1200" dirty="0" err="1">
+                <a:latin typeface="Lato-Regular"/>
+              </a:rPr>
+              <a:t>Adap</a:t>
+            </a:r>
+            <a:r>
+              <a:rPr lang="es-CR" sz="1200" dirty="0">
+                <a:latin typeface="Lato-Regular"/>
+              </a:rPr>
+              <a:t> </a:t>
+            </a:r>
+            <a:r>
+              <a:rPr lang="es-CR" sz="1400" dirty="0" err="1">
+                <a:latin typeface="Lato-Regular"/>
+              </a:rPr>
+              <a:t>table</a:t>
+            </a:r>
+            <a:r>
+              <a:rPr lang="es-CR" sz="1400" dirty="0">
+                <a:latin typeface="Lato-Regular"/>
+              </a:rPr>
+              <a:t>: El orden de encabezados no es el correcto, salida del </a:t>
+            </a:r>
+            <a:r>
+              <a:rPr lang="es-CR" sz="1400" dirty="0" smtClean="0">
+                <a:latin typeface="Lato-Regular"/>
+              </a:rPr>
+              <a:t>2 al </a:t>
+            </a:r>
+            <a:r>
+              <a:rPr lang="es-CR" sz="1400" dirty="0">
+                <a:latin typeface="Lato-Regular"/>
+              </a:rPr>
+              <a:t>5.</a:t>
+            </a:r>
+          </a:p>
+          <a:p>
+            <a:r>
+              <a:rPr lang="es-CR" sz="1200" b="1" dirty="0">
+                <a:solidFill>
+                  <a:srgbClr val="00B0F0"/>
+                </a:solidFill>
+                <a:latin typeface="Lato-Regular"/>
+              </a:rPr>
+              <a:t>8. Apartado Otras ofertas.</a:t>
+            </a:r>
+          </a:p>
+          <a:p>
+            <a:r>
+              <a:rPr lang="es-CR" sz="1200" dirty="0">
+                <a:latin typeface="Lato-Regular"/>
+              </a:rPr>
+              <a:t>a. Pauta 2.4: Navegación: Al ingresar el foco se va al final de la página.</a:t>
+            </a:r>
+          </a:p>
+          <a:p>
+            <a:r>
+              <a:rPr lang="es-CR" sz="1200" dirty="0">
+                <a:latin typeface="Lato-Regular"/>
+              </a:rPr>
+              <a:t>b. Pauta 1.1: Texto alternativo: Se repite el hallazgos con los botones que tienen por</a:t>
+            </a:r>
+          </a:p>
+          <a:p>
+            <a:r>
+              <a:rPr lang="es-CR" sz="1200" dirty="0">
+                <a:latin typeface="Lato-Regular"/>
+              </a:rPr>
+              <a:t>nombre incrementar y </a:t>
+            </a:r>
+            <a:r>
+              <a:rPr lang="es-CR" sz="1200" dirty="0" err="1">
+                <a:latin typeface="Lato-Regular"/>
+              </a:rPr>
+              <a:t>decrementar</a:t>
+            </a:r>
+            <a:r>
+              <a:rPr lang="es-CR" sz="1200" dirty="0">
+                <a:latin typeface="Lato-Regular"/>
+              </a:rPr>
+              <a:t>.</a:t>
+            </a:r>
+          </a:p>
+          <a:p>
+            <a:r>
+              <a:rPr lang="es-CR" sz="1200" dirty="0">
+                <a:latin typeface="Lato-Regular"/>
+              </a:rPr>
+              <a:t>c. Pauta 1.3: Adaptable: El orden de encabezados no es el correcto</a:t>
+            </a:r>
+            <a:r>
+              <a:rPr lang="es-CR" sz="1200" dirty="0" smtClean="0">
+                <a:latin typeface="Lato-Regular"/>
+              </a:rPr>
+              <a:t>.</a:t>
+            </a:r>
+            <a:endParaRPr lang="es-CR" sz="1200" dirty="0">
+              <a:latin typeface="Calibri" panose="020F0502020204030204" pitchFamily="34" charset="0"/>
+            </a:endParaRPr>
+          </a:p>
+          <a:p>
+            <a:r>
+              <a:rPr lang="es-CR" sz="1200" dirty="0">
+                <a:latin typeface="Lato-Regular"/>
+              </a:rPr>
+              <a:t>d. Pauta 1.1: Texto alternativo: Se repite el hallazgo de las imágenes o gráficos sin</a:t>
+            </a:r>
+          </a:p>
+          <a:p>
+            <a:r>
+              <a:rPr lang="es-CR" sz="1200" dirty="0">
+                <a:latin typeface="Lato-Regular"/>
+              </a:rPr>
+              <a:t>descripción adecuada, si son decorativos no se ocultan al lector de pantalla.</a:t>
+            </a:r>
+          </a:p>
+          <a:p>
+            <a:r>
+              <a:rPr lang="es-CR" sz="1200" dirty="0">
+                <a:latin typeface="Lato-Regular"/>
+              </a:rPr>
+              <a:t>e. Pauta 3.1: Legible: El texto “descripción” se repite en todas las opciones pero no se</a:t>
+            </a:r>
+          </a:p>
+          <a:p>
+            <a:r>
+              <a:rPr lang="es-CR" sz="1200" dirty="0">
+                <a:latin typeface="Lato-Regular"/>
+              </a:rPr>
+              <a:t>comprende su finalidad.</a:t>
+            </a:r>
+            <a:endParaRPr lang="es-CR" sz="1200" dirty="0"/>
+          </a:p>
+        </p:txBody>
+      </p:sp>
+      <p:pic>
+        <p:nvPicPr>
+          <p:cNvPr id="3" name="Imagen 2"/>
+          <p:cNvPicPr>
+            <a:picLocks noChangeAspect="1"/>
+          </p:cNvPicPr>
+          <p:nvPr/>
+        </p:nvPicPr>
+        <p:blipFill>
+          <a:blip r:embed="rId2"/>
+          <a:stretch>
+            <a:fillRect/>
+          </a:stretch>
+        </p:blipFill>
+        <p:spPr>
+          <a:xfrm>
+            <a:off x="6096000" y="1800225"/>
+            <a:ext cx="5915025" cy="3257550"/>
+          </a:xfrm>
+          <a:prstGeom prst="rect">
+            <a:avLst/>
+          </a:prstGeom>
+        </p:spPr>
+      </p:pic>
+    </p:spTree>
+    <p:extLst>
+      <p:ext uri="{BB962C8B-B14F-4D97-AF65-F5344CB8AC3E}">
+        <p14:creationId xmlns:p14="http://schemas.microsoft.com/office/powerpoint/2010/main" val="2753579244"/>
+      </p:ext>
+    </p:extLst>
+  </p:cSld>
+  <p:clrMapOvr>
+    <a:masterClrMapping/>
+  </p:clrMapOvr>
+</p:sld>
+</file>
+
+<file path=ppt/slides/slide13.xml><?xml version="1.0" encoding="utf-8"?>
+<p:sld xmlns:a="http://schemas.openxmlformats.org/drawingml/2006/main" xmlns:r="http://schemas.openxmlformats.org/officeDocument/2006/relationships" xmlns:p="http://schemas.openxmlformats.org/presentationml/2006/main">
+  <p:cSld>
+    <p:spTree>
+      <p:nvGrpSpPr>
+        <p:cNvPr id="1" name=""/>
+        <p:cNvGrpSpPr/>
+        <p:nvPr/>
+      </p:nvGrpSpPr>
+      <p:grpSpPr>
+        <a:xfrm>
+          <a:off x="0" y="0"/>
+          <a:ext cx="0" cy="0"/>
+          <a:chOff x="0" y="0"/>
+          <a:chExt cx="0" cy="0"/>
+        </a:xfrm>
+      </p:grpSpPr>
+      <p:sp>
+        <p:nvSpPr>
+          <p:cNvPr id="2" name="Rectángulo 1"/>
+          <p:cNvSpPr/>
+          <p:nvPr/>
+        </p:nvSpPr>
+        <p:spPr>
+          <a:xfrm>
+            <a:off x="147637" y="258901"/>
+            <a:ext cx="6096000" cy="6340197"/>
+          </a:xfrm>
+          <a:prstGeom prst="rect">
+            <a:avLst/>
+          </a:prstGeom>
+        </p:spPr>
+        <p:txBody>
+          <a:bodyPr>
+            <a:spAutoFit/>
+          </a:bodyPr>
+          <a:lstStyle/>
+          <a:p>
+            <a:r>
+              <a:rPr lang="es-CR" sz="1400" b="1" dirty="0">
+                <a:solidFill>
+                  <a:srgbClr val="00B0F0"/>
+                </a:solidFill>
+                <a:latin typeface="Lato-Regular"/>
+              </a:rPr>
+              <a:t>En apartado “enfoque por habilidades” </a:t>
+            </a:r>
+            <a:r>
+              <a:rPr lang="es-CR" sz="1400" dirty="0">
+                <a:latin typeface="Lato-Regular"/>
+              </a:rPr>
+              <a:t>el texto es incorrecto.</a:t>
+            </a:r>
+          </a:p>
+          <a:p>
+            <a:r>
+              <a:rPr lang="es-CR" sz="1400" dirty="0">
+                <a:latin typeface="Lato-Regular"/>
+              </a:rPr>
+              <a:t>a. Pauta 2.4: Navegación: Abre una ventana emergente que no se anuncia al lector </a:t>
+            </a:r>
+            <a:r>
+              <a:rPr lang="es-CR" sz="1400" dirty="0" smtClean="0">
+                <a:latin typeface="Lato-Regular"/>
+              </a:rPr>
+              <a:t>de pantalla </a:t>
+            </a:r>
+            <a:r>
+              <a:rPr lang="es-CR" sz="1400" dirty="0">
+                <a:latin typeface="Lato-Regular"/>
+              </a:rPr>
+              <a:t>acompañado de todos los hallazgos relacionados con este tipo </a:t>
+            </a:r>
+            <a:r>
+              <a:rPr lang="es-CR" sz="1400" dirty="0" smtClean="0">
+                <a:latin typeface="Lato-Regular"/>
+              </a:rPr>
+              <a:t>de ventanas</a:t>
+            </a:r>
+            <a:r>
+              <a:rPr lang="es-CR" sz="1400" dirty="0">
+                <a:latin typeface="Lato-Regular"/>
+              </a:rPr>
+              <a:t>.</a:t>
+            </a:r>
+          </a:p>
+          <a:p>
+            <a:r>
+              <a:rPr lang="es-CR" sz="1400" b="1" dirty="0">
+                <a:solidFill>
+                  <a:srgbClr val="00B0F0"/>
+                </a:solidFill>
+                <a:latin typeface="Lato-Regular"/>
+              </a:rPr>
+              <a:t>6. Apoyos para el planeamiento. (visualmente aparece con la etiqueta Orientación)</a:t>
+            </a:r>
+          </a:p>
+          <a:p>
+            <a:r>
+              <a:rPr lang="es-CR" sz="1400" dirty="0">
+                <a:latin typeface="Lato-Regular"/>
+              </a:rPr>
+              <a:t>a. Pauta 1.1: Texto alternativo: Los elementos descargables de este apartado. </a:t>
+            </a:r>
+            <a:r>
+              <a:rPr lang="es-CR" sz="1400" dirty="0" smtClean="0">
+                <a:latin typeface="Lato-Regular"/>
+              </a:rPr>
+              <a:t>Las imágenes </a:t>
+            </a:r>
+            <a:r>
+              <a:rPr lang="es-CR" sz="1400" dirty="0">
+                <a:latin typeface="Lato-Regular"/>
+              </a:rPr>
+              <a:t>del </a:t>
+            </a:r>
+            <a:r>
+              <a:rPr lang="es-CR" sz="1400" dirty="0" err="1">
+                <a:latin typeface="Lato-Regular"/>
+              </a:rPr>
+              <a:t>pdf</a:t>
+            </a:r>
+            <a:r>
+              <a:rPr lang="es-CR" sz="1400" dirty="0">
+                <a:latin typeface="Lato-Regular"/>
+              </a:rPr>
+              <a:t> y los enlaces de descarga no están asociados como uno solo.</a:t>
+            </a:r>
+          </a:p>
+          <a:p>
+            <a:r>
+              <a:rPr lang="es-CR" sz="1400" b="1" dirty="0">
+                <a:solidFill>
+                  <a:srgbClr val="00B0F0"/>
+                </a:solidFill>
+                <a:latin typeface="Lato-Regular"/>
+              </a:rPr>
+              <a:t>7. Apoyos para el planeamiento. (visualmente aparece con el nombre plantillas).</a:t>
+            </a:r>
+          </a:p>
+          <a:p>
+            <a:r>
+              <a:rPr lang="es-CR" sz="1400" dirty="0">
+                <a:latin typeface="Lato-Regular"/>
+              </a:rPr>
+              <a:t>a. Pauta 2.4: Navegación y Pauta 3.2: Previsible: El foco aparece al mitad </a:t>
+            </a:r>
+            <a:r>
+              <a:rPr lang="es-CR" sz="1400" dirty="0" smtClean="0">
+                <a:latin typeface="Lato-Regular"/>
+              </a:rPr>
+              <a:t>del contenido </a:t>
+            </a:r>
+            <a:r>
+              <a:rPr lang="es-CR" sz="1400" dirty="0">
+                <a:latin typeface="Lato-Regular"/>
+              </a:rPr>
+              <a:t>a la hora de ingresar</a:t>
+            </a:r>
+            <a:r>
+              <a:rPr lang="es-CR" sz="1400" dirty="0" smtClean="0">
+                <a:latin typeface="Lato-Regular"/>
+              </a:rPr>
+              <a:t>.</a:t>
+            </a:r>
+            <a:endParaRPr lang="es-CR" sz="1400" dirty="0">
+              <a:latin typeface="Calibri" panose="020F0502020204030204" pitchFamily="34" charset="0"/>
+            </a:endParaRPr>
+          </a:p>
+          <a:p>
+            <a:r>
+              <a:rPr lang="es-CR" sz="1400" dirty="0">
+                <a:latin typeface="Lato-Regular"/>
+              </a:rPr>
+              <a:t>b. Pauta 2.4: Navegación: Las opciones de selección, tanto la de nivel </a:t>
+            </a:r>
+            <a:r>
+              <a:rPr lang="es-CR" sz="1400" dirty="0" smtClean="0">
+                <a:latin typeface="Lato-Regular"/>
+              </a:rPr>
+              <a:t>como, modalidad </a:t>
+            </a:r>
+            <a:r>
+              <a:rPr lang="es-CR" sz="1400" dirty="0">
+                <a:latin typeface="Lato-Regular"/>
+              </a:rPr>
+              <a:t>y demás opciones, tienen una etiqueta que se repite, solo se avisa </a:t>
+            </a:r>
+            <a:r>
+              <a:rPr lang="es-CR" sz="1400" dirty="0" smtClean="0">
+                <a:latin typeface="Lato-Regular"/>
+              </a:rPr>
+              <a:t>al lector </a:t>
+            </a:r>
+            <a:r>
+              <a:rPr lang="es-CR" sz="1400" dirty="0">
+                <a:latin typeface="Lato-Regular"/>
+              </a:rPr>
+              <a:t>de pantalla la palabra “seleccione” pero no que rubro. Hay que </a:t>
+            </a:r>
+            <a:r>
+              <a:rPr lang="es-CR" sz="1400" dirty="0" smtClean="0">
+                <a:latin typeface="Lato-Regular"/>
+              </a:rPr>
+              <a:t>seleccionar por </a:t>
+            </a:r>
+            <a:r>
+              <a:rPr lang="es-CR" sz="1400" dirty="0">
+                <a:latin typeface="Lato-Regular"/>
+              </a:rPr>
+              <a:t>lo menos el año para darse cuenta en cual cuadro de selección se está.</a:t>
+            </a:r>
+          </a:p>
+          <a:p>
+            <a:r>
+              <a:rPr lang="es-CR" sz="1400" dirty="0">
+                <a:latin typeface="Lato-Regular"/>
+              </a:rPr>
+              <a:t>c. Pauta 2.4: Navegación: El orden de encabezados es incorrecto.</a:t>
+            </a:r>
+          </a:p>
+          <a:p>
+            <a:r>
+              <a:rPr lang="es-CR" sz="1400" dirty="0">
+                <a:latin typeface="Lato-Regular"/>
+              </a:rPr>
+              <a:t>d. Pauta 2.4: Navegación: La página cada que se hace una búsqueda abre una </a:t>
+            </a:r>
+            <a:r>
+              <a:rPr lang="es-CR" sz="1400" dirty="0" smtClean="0">
+                <a:latin typeface="Lato-Regular"/>
+              </a:rPr>
+              <a:t>tabla con </a:t>
+            </a:r>
+            <a:r>
+              <a:rPr lang="es-CR" sz="1400" dirty="0">
+                <a:latin typeface="Lato-Regular"/>
+              </a:rPr>
+              <a:t>los resultados que es inaccesible, el foco queda atrapado en los títulos y </a:t>
+            </a:r>
+            <a:r>
+              <a:rPr lang="es-CR" sz="1400" dirty="0" smtClean="0">
+                <a:latin typeface="Lato-Regular"/>
+              </a:rPr>
+              <a:t>los mismos </a:t>
+            </a:r>
+            <a:r>
+              <a:rPr lang="es-CR" sz="1400" dirty="0">
+                <a:latin typeface="Lato-Regular"/>
+              </a:rPr>
+              <a:t>no están asociados a su contenido por lo que no se logra comprender </a:t>
+            </a:r>
+            <a:r>
+              <a:rPr lang="es-CR" sz="1400" dirty="0" smtClean="0">
+                <a:latin typeface="Lato-Regular"/>
+              </a:rPr>
+              <a:t>qué </a:t>
+            </a:r>
+            <a:r>
+              <a:rPr lang="pt-BR" sz="1400" dirty="0" smtClean="0">
+                <a:latin typeface="Lato-Regular"/>
+              </a:rPr>
+              <a:t>documento </a:t>
+            </a:r>
+            <a:r>
+              <a:rPr lang="pt-BR" sz="1400" dirty="0">
+                <a:latin typeface="Lato-Regular"/>
+              </a:rPr>
+              <a:t>o enlace </a:t>
+            </a:r>
+            <a:r>
+              <a:rPr lang="pt-BR" sz="1400" dirty="0" err="1">
+                <a:latin typeface="Lato-Regular"/>
+              </a:rPr>
+              <a:t>pertenece</a:t>
+            </a:r>
+            <a:r>
+              <a:rPr lang="pt-BR" sz="1400" dirty="0">
+                <a:latin typeface="Lato-Regular"/>
+              </a:rPr>
+              <a:t> a cada rubro.</a:t>
+            </a:r>
+          </a:p>
+          <a:p>
+            <a:r>
+              <a:rPr lang="es-CR" sz="1400" b="1" dirty="0">
+                <a:solidFill>
+                  <a:srgbClr val="00B0F0"/>
+                </a:solidFill>
+                <a:latin typeface="Lato-Regular"/>
+              </a:rPr>
+              <a:t>8. Apartado ejemplos planeamiento. (visualmente tiene la etiqueta “videos”).</a:t>
+            </a:r>
+          </a:p>
+          <a:p>
+            <a:r>
+              <a:rPr lang="es-CR" sz="1400" dirty="0">
+                <a:latin typeface="Lato-Regular"/>
+              </a:rPr>
+              <a:t>a. Se repiten los hallazgos de ventanas emergentes.</a:t>
+            </a:r>
+          </a:p>
+          <a:p>
+            <a:r>
+              <a:rPr lang="es-CR" sz="1400" dirty="0">
+                <a:latin typeface="Lato-Regular"/>
+              </a:rPr>
+              <a:t>b. Pauta 1.1: Texto alternativo y Pauta 3.2: Previsible: Los enlaces de esta sección </a:t>
+            </a:r>
+            <a:r>
+              <a:rPr lang="es-CR" sz="1400" dirty="0" smtClean="0">
+                <a:latin typeface="Lato-Regular"/>
+              </a:rPr>
+              <a:t>no están </a:t>
+            </a:r>
+            <a:r>
+              <a:rPr lang="es-CR" sz="1400" dirty="0">
+                <a:latin typeface="Lato-Regular"/>
+              </a:rPr>
+              <a:t>debidamente etiquetados, no se avisa que son videos de </a:t>
+            </a:r>
+            <a:r>
+              <a:rPr lang="es-CR" sz="1400" dirty="0" err="1">
+                <a:latin typeface="Lato-Regular"/>
+              </a:rPr>
+              <a:t>youtube</a:t>
+            </a:r>
+            <a:r>
+              <a:rPr lang="es-CR" sz="1400" dirty="0">
+                <a:latin typeface="Lato-Regular"/>
+              </a:rPr>
+              <a:t> y que </a:t>
+            </a:r>
+            <a:r>
+              <a:rPr lang="es-CR" sz="1400" dirty="0" smtClean="0">
+                <a:latin typeface="Lato-Regular"/>
+              </a:rPr>
+              <a:t>se </a:t>
+            </a:r>
+            <a:r>
+              <a:rPr lang="es-CR" sz="1400" dirty="0" err="1" smtClean="0">
+                <a:latin typeface="Lato-Regular"/>
+              </a:rPr>
+              <a:t>redireccionará</a:t>
+            </a:r>
+            <a:r>
+              <a:rPr lang="es-CR" sz="1400" dirty="0" smtClean="0">
+                <a:latin typeface="Lato-Regular"/>
+              </a:rPr>
+              <a:t> </a:t>
+            </a:r>
+            <a:r>
+              <a:rPr lang="es-CR" sz="1400" dirty="0">
+                <a:latin typeface="Lato-Regular"/>
+              </a:rPr>
+              <a:t>a la página con el video.</a:t>
+            </a:r>
+            <a:endParaRPr lang="es-CR" sz="1400" dirty="0"/>
+          </a:p>
+        </p:txBody>
+      </p:sp>
+      <p:pic>
+        <p:nvPicPr>
+          <p:cNvPr id="3" name="Imagen 2"/>
+          <p:cNvPicPr>
+            <a:picLocks noChangeAspect="1"/>
+          </p:cNvPicPr>
+          <p:nvPr/>
+        </p:nvPicPr>
+        <p:blipFill>
+          <a:blip r:embed="rId2"/>
+          <a:stretch>
+            <a:fillRect/>
+          </a:stretch>
+        </p:blipFill>
+        <p:spPr>
+          <a:xfrm>
+            <a:off x="6629400" y="895350"/>
+            <a:ext cx="5076825" cy="5067300"/>
+          </a:xfrm>
+          <a:prstGeom prst="rect">
+            <a:avLst/>
+          </a:prstGeom>
+        </p:spPr>
+      </p:pic>
+    </p:spTree>
+    <p:extLst>
+      <p:ext uri="{BB962C8B-B14F-4D97-AF65-F5344CB8AC3E}">
+        <p14:creationId xmlns:p14="http://schemas.microsoft.com/office/powerpoint/2010/main" val="2478751131"/>
+      </p:ext>
+    </p:extLst>
+  </p:cSld>
+  <p:clrMapOvr>
+    <a:masterClrMapping/>
+  </p:clrMapOvr>
+</p:sld>
+</file>
+
+<file path=ppt/slides/slide2.xml><?xml version="1.0" encoding="utf-8"?>
+<p:sld xmlns:a="http://schemas.openxmlformats.org/drawingml/2006/main" xmlns:r="http://schemas.openxmlformats.org/officeDocument/2006/relationships" xmlns:p="http://schemas.openxmlformats.org/presentationml/2006/main">
+  <p:cSld>
+    <p:spTree>
+      <p:nvGrpSpPr>
+        <p:cNvPr id="1" name=""/>
+        <p:cNvGrpSpPr/>
+        <p:nvPr/>
+      </p:nvGrpSpPr>
+      <p:grpSpPr>
+        <a:xfrm>
+          <a:off x="0" y="0"/>
+          <a:ext cx="0" cy="0"/>
+          <a:chOff x="0" y="0"/>
+          <a:chExt cx="0" cy="0"/>
+        </a:xfrm>
+      </p:grpSpPr>
+      <p:pic>
+        <p:nvPicPr>
+          <p:cNvPr id="4" name="Imagen 3"/>
+          <p:cNvPicPr>
+            <a:picLocks noChangeAspect="1"/>
+          </p:cNvPicPr>
+          <p:nvPr/>
+        </p:nvPicPr>
         <p:blipFill rotWithShape="1">
           <a:blip r:embed="rId2"/>
           <a:srcRect t="1823"/>
@@ -3836,1141 +5568,7 @@
 </p:sld>
 </file>
 
-<file path=ppt/slides/slide10.xml><?xml version="1.0" encoding="utf-8"?>
-<p:sld xmlns:a="http://schemas.openxmlformats.org/drawingml/2006/main" xmlns:r="http://schemas.openxmlformats.org/officeDocument/2006/relationships" xmlns:p="http://schemas.openxmlformats.org/presentationml/2006/main">
-  <p:cSld>
-    <p:spTree>
-      <p:nvGrpSpPr>
-        <p:cNvPr id="1" name=""/>
-        <p:cNvGrpSpPr/>
-        <p:nvPr/>
-      </p:nvGrpSpPr>
-      <p:grpSpPr>
-        <a:xfrm>
-          <a:off x="0" y="0"/>
-          <a:ext cx="0" cy="0"/>
-          <a:chOff x="0" y="0"/>
-          <a:chExt cx="0" cy="0"/>
-        </a:xfrm>
-      </p:grpSpPr>
-      <p:sp>
-        <p:nvSpPr>
-          <p:cNvPr id="2" name="Rectángulo 1"/>
-          <p:cNvSpPr/>
-          <p:nvPr/>
-        </p:nvSpPr>
-        <p:spPr>
-          <a:xfrm>
-            <a:off x="0" y="0"/>
-            <a:ext cx="6096000" cy="2739211"/>
-          </a:xfrm>
-          <a:prstGeom prst="rect">
-            <a:avLst/>
-          </a:prstGeom>
-        </p:spPr>
-        <p:txBody>
-          <a:bodyPr>
-            <a:spAutoFit/>
-          </a:bodyPr>
-          <a:lstStyle/>
-          <a:p>
-            <a:r>
-              <a:rPr lang="es-CR" b="1" dirty="0">
-                <a:solidFill>
-                  <a:srgbClr val="00B0F0"/>
-                </a:solidFill>
-              </a:rPr>
-              <a:t>En políticas educativas y En fundamentos currículo.</a:t>
-            </a:r>
-          </a:p>
-          <a:p>
-            <a:r>
-              <a:rPr lang="es-CR" sz="1400" dirty="0" smtClean="0">
-                <a:latin typeface="Lato-Regular"/>
-              </a:rPr>
-              <a:t>a</a:t>
-            </a:r>
-            <a:r>
-              <a:rPr lang="es-CR" sz="1400" dirty="0">
-                <a:latin typeface="Lato-Regular"/>
-              </a:rPr>
-              <a:t>. Pauta 2.4: Navegación y 3.2: Previsible: Al ingresar se despliega una </a:t>
-            </a:r>
-            <a:r>
-              <a:rPr lang="es-CR" sz="1400" dirty="0" smtClean="0">
-                <a:latin typeface="Lato-Regular"/>
-              </a:rPr>
-              <a:t>ventana emergente </a:t>
-            </a:r>
-            <a:r>
-              <a:rPr lang="es-CR" sz="1400" dirty="0">
-                <a:latin typeface="Lato-Regular"/>
-              </a:rPr>
-              <a:t>que no se anuncia al lector de pantalla.</a:t>
-            </a:r>
-          </a:p>
-          <a:p>
-            <a:r>
-              <a:rPr lang="es-CR" sz="1400" dirty="0">
-                <a:latin typeface="Lato-Regular"/>
-              </a:rPr>
-              <a:t>b. Pauta 2.4: Navegación: La misma, no capta el foco y hay que pasar por todas </a:t>
-            </a:r>
-            <a:r>
-              <a:rPr lang="es-CR" sz="1400" dirty="0" smtClean="0">
-                <a:latin typeface="Lato-Regular"/>
-              </a:rPr>
-              <a:t>las opciones </a:t>
-            </a:r>
-            <a:r>
-              <a:rPr lang="es-CR" sz="1400" dirty="0">
-                <a:latin typeface="Lato-Regular"/>
-              </a:rPr>
-              <a:t>para llegar al recuadro.</a:t>
-            </a:r>
-          </a:p>
-          <a:p>
-            <a:r>
-              <a:rPr lang="es-CR" sz="1400" dirty="0">
-                <a:latin typeface="Lato-Regular"/>
-              </a:rPr>
-              <a:t>c. Pauta 1.1: Texto alternativo y Pauta 3.2: Previsible: No se dice que es un</a:t>
-            </a:r>
-          </a:p>
-          <a:p>
-            <a:r>
-              <a:rPr lang="es-CR" sz="1400" dirty="0">
-                <a:latin typeface="Lato-Regular"/>
-              </a:rPr>
-              <a:t>documento descargable hasta que se interactúa con los distintos elementos </a:t>
-            </a:r>
-            <a:r>
-              <a:rPr lang="es-CR" sz="1400" dirty="0" smtClean="0">
-                <a:latin typeface="Lato-Regular"/>
-              </a:rPr>
-              <a:t>que conforman </a:t>
-            </a:r>
-            <a:r>
-              <a:rPr lang="es-CR" sz="1400" dirty="0">
-                <a:latin typeface="Lato-Regular"/>
-              </a:rPr>
-              <a:t>el recuadro.</a:t>
-            </a:r>
-          </a:p>
-          <a:p>
-            <a:r>
-              <a:rPr lang="es-CR" sz="1400" dirty="0">
-                <a:latin typeface="Lato-Regular"/>
-              </a:rPr>
-              <a:t>d. Pauta 2.4: Navegación: La vista previa del documento se puede navegar y leer en </a:t>
-            </a:r>
-            <a:r>
-              <a:rPr lang="es-CR" sz="1400" dirty="0" smtClean="0">
-                <a:latin typeface="Lato-Regular"/>
-              </a:rPr>
-              <a:t>su totalidad </a:t>
-            </a:r>
-            <a:r>
-              <a:rPr lang="es-CR" sz="1400" dirty="0">
-                <a:latin typeface="Lato-Regular"/>
-              </a:rPr>
-              <a:t>pero el mismo no cuenta con etiquetas para una navegación rápida </a:t>
-            </a:r>
-            <a:r>
-              <a:rPr lang="es-CR" sz="1400" dirty="0" smtClean="0">
-                <a:latin typeface="Lato-Regular"/>
-              </a:rPr>
-              <a:t>como tabla </a:t>
-            </a:r>
-            <a:r>
-              <a:rPr lang="es-CR" sz="1400" dirty="0">
-                <a:latin typeface="Lato-Regular"/>
-              </a:rPr>
-              <a:t>de elementos y o encabezados de sección.</a:t>
-            </a:r>
-          </a:p>
-          <a:p>
-            <a:r>
-              <a:rPr lang="es-CR" sz="1400" dirty="0">
-                <a:latin typeface="Lato-Regular"/>
-              </a:rPr>
-              <a:t>4. </a:t>
-            </a:r>
-            <a:r>
-              <a:rPr lang="es-CR" sz="1400" dirty="0" smtClean="0">
-                <a:latin typeface="Lato-Regular"/>
-              </a:rPr>
-              <a:t>a</a:t>
-            </a:r>
-            <a:r>
-              <a:rPr lang="es-CR" sz="1400" dirty="0">
-                <a:latin typeface="Lato-Regular"/>
-              </a:rPr>
-              <a:t>. Se repiten todos los hallazgos del apartado anterior.</a:t>
-            </a:r>
-            <a:endParaRPr lang="es-CR" sz="1400" dirty="0"/>
-          </a:p>
-        </p:txBody>
-      </p:sp>
-      <p:sp>
-        <p:nvSpPr>
-          <p:cNvPr id="3" name="Rectángulo 2"/>
-          <p:cNvSpPr/>
-          <p:nvPr/>
-        </p:nvSpPr>
-        <p:spPr>
-          <a:xfrm>
-            <a:off x="0" y="3028890"/>
-            <a:ext cx="6096000" cy="800219"/>
-          </a:xfrm>
-          <a:prstGeom prst="rect">
-            <a:avLst/>
-          </a:prstGeom>
-        </p:spPr>
-        <p:txBody>
-          <a:bodyPr>
-            <a:spAutoFit/>
-          </a:bodyPr>
-          <a:lstStyle/>
-          <a:p>
-            <a:r>
-              <a:rPr lang="es-CR" b="1" dirty="0">
-                <a:solidFill>
-                  <a:srgbClr val="00B0F0"/>
-                </a:solidFill>
-              </a:rPr>
-              <a:t>6. Reglamento evaluación, Perfil </a:t>
-            </a:r>
-            <a:r>
-              <a:rPr lang="es-CR" b="1" dirty="0" smtClean="0">
-                <a:solidFill>
-                  <a:srgbClr val="00B0F0"/>
-                </a:solidFill>
-              </a:rPr>
-              <a:t>estudiante y </a:t>
-            </a:r>
-            <a:r>
-              <a:rPr lang="es-CR" b="1" dirty="0">
-                <a:solidFill>
-                  <a:srgbClr val="00B0F0"/>
-                </a:solidFill>
-              </a:rPr>
-              <a:t>Apartado Faro.</a:t>
-            </a:r>
-            <a:endParaRPr lang="es-CR" sz="1400" b="1" dirty="0">
-              <a:solidFill>
-                <a:srgbClr val="00B0F0"/>
-              </a:solidFill>
-              <a:latin typeface="Lato-Regular"/>
-            </a:endParaRPr>
-          </a:p>
-          <a:p>
-            <a:r>
-              <a:rPr lang="es-CR" sz="1400" dirty="0">
-                <a:latin typeface="Lato-Regular"/>
-              </a:rPr>
-              <a:t>a. Pauta 2.4: Navegación: Tiene el problema del foco y que hay que navegar por </a:t>
-            </a:r>
-            <a:r>
-              <a:rPr lang="es-CR" sz="1400" dirty="0" smtClean="0">
-                <a:latin typeface="Lato-Regular"/>
-              </a:rPr>
-              <a:t>toda la </a:t>
-            </a:r>
-            <a:r>
-              <a:rPr lang="es-CR" sz="1400" dirty="0">
-                <a:latin typeface="Lato-Regular"/>
-              </a:rPr>
-              <a:t>página para llegar al contenido.</a:t>
-            </a:r>
-            <a:endParaRPr lang="es-CR" sz="1400" dirty="0"/>
-          </a:p>
-        </p:txBody>
-      </p:sp>
-      <p:pic>
-        <p:nvPicPr>
-          <p:cNvPr id="4" name="Imagen 3"/>
-          <p:cNvPicPr>
-            <a:picLocks noChangeAspect="1"/>
-          </p:cNvPicPr>
-          <p:nvPr/>
-        </p:nvPicPr>
-        <p:blipFill>
-          <a:blip r:embed="rId2"/>
-          <a:stretch>
-            <a:fillRect/>
-          </a:stretch>
-        </p:blipFill>
-        <p:spPr>
-          <a:xfrm>
-            <a:off x="6339954" y="903267"/>
-            <a:ext cx="5704408" cy="3671888"/>
-          </a:xfrm>
-          <a:prstGeom prst="rect">
-            <a:avLst/>
-          </a:prstGeom>
-        </p:spPr>
-      </p:pic>
-    </p:spTree>
-    <p:extLst>
-      <p:ext uri="{BB962C8B-B14F-4D97-AF65-F5344CB8AC3E}">
-        <p14:creationId xmlns:p14="http://schemas.microsoft.com/office/powerpoint/2010/main" val="1879287166"/>
-      </p:ext>
-    </p:extLst>
-  </p:cSld>
-  <p:clrMapOvr>
-    <a:masterClrMapping/>
-  </p:clrMapOvr>
-</p:sld>
-</file>
-
-<file path=ppt/slides/slide11.xml><?xml version="1.0" encoding="utf-8"?>
-<p:sld xmlns:a="http://schemas.openxmlformats.org/drawingml/2006/main" xmlns:r="http://schemas.openxmlformats.org/officeDocument/2006/relationships" xmlns:p="http://schemas.openxmlformats.org/presentationml/2006/main">
-  <p:cSld>
-    <p:spTree>
-      <p:nvGrpSpPr>
-        <p:cNvPr id="1" name=""/>
-        <p:cNvGrpSpPr/>
-        <p:nvPr/>
-      </p:nvGrpSpPr>
-      <p:grpSpPr>
-        <a:xfrm>
-          <a:off x="0" y="0"/>
-          <a:ext cx="0" cy="0"/>
-          <a:chOff x="0" y="0"/>
-          <a:chExt cx="0" cy="0"/>
-        </a:xfrm>
-      </p:grpSpPr>
-      <p:sp>
-        <p:nvSpPr>
-          <p:cNvPr id="2" name="Rectángulo 1"/>
-          <p:cNvSpPr/>
-          <p:nvPr/>
-        </p:nvSpPr>
-        <p:spPr>
-          <a:xfrm>
-            <a:off x="161925" y="56138"/>
-            <a:ext cx="6096000" cy="6801862"/>
-          </a:xfrm>
-          <a:prstGeom prst="rect">
-            <a:avLst/>
-          </a:prstGeom>
-        </p:spPr>
-        <p:txBody>
-          <a:bodyPr>
-            <a:spAutoFit/>
-          </a:bodyPr>
-          <a:lstStyle/>
-          <a:p>
-            <a:r>
-              <a:rPr lang="es-CR" sz="1200" b="1" dirty="0">
-                <a:solidFill>
-                  <a:srgbClr val="00B0F0"/>
-                </a:solidFill>
-                <a:latin typeface="Lato-Regular"/>
-              </a:rPr>
-              <a:t>4. En apartado cursos:</a:t>
-            </a:r>
-          </a:p>
-          <a:p>
-            <a:r>
-              <a:rPr lang="es-CR" sz="1200" dirty="0">
-                <a:latin typeface="Lato-Regular"/>
-              </a:rPr>
-              <a:t>a. Pauta 2.4: Navegación: Al ingresar el foco se va a la mitad de la página.</a:t>
-            </a:r>
-          </a:p>
-          <a:p>
-            <a:r>
-              <a:rPr lang="es-CR" sz="1200" dirty="0">
-                <a:latin typeface="Lato-Regular"/>
-              </a:rPr>
-              <a:t>b. Pauta 1.3: Adaptable: El orden de encabezados no es el correcto.</a:t>
-            </a:r>
-          </a:p>
-          <a:p>
-            <a:r>
-              <a:rPr lang="es-CR" sz="1200" dirty="0">
-                <a:latin typeface="Lato-Regular"/>
-              </a:rPr>
-              <a:t>c. Pauta 1.1: Texto alternativo: Los gráficos o imágenes que acompañan cada curso</a:t>
-            </a:r>
-          </a:p>
-          <a:p>
-            <a:r>
-              <a:rPr lang="es-CR" sz="1200" dirty="0">
-                <a:latin typeface="Lato-Regular"/>
-              </a:rPr>
-              <a:t>no tienen una descripción adecuada, si son decorativos deberían ocultarse al lector</a:t>
-            </a:r>
-          </a:p>
-          <a:p>
-            <a:r>
-              <a:rPr lang="es-CR" sz="1200" dirty="0">
-                <a:latin typeface="Lato-Regular"/>
-              </a:rPr>
-              <a:t>de pantalla.</a:t>
-            </a:r>
-          </a:p>
-          <a:p>
-            <a:r>
-              <a:rPr lang="es-CR" sz="1200" dirty="0">
-                <a:latin typeface="Lato-Regular"/>
-              </a:rPr>
-              <a:t>d. Pauta 1.1: Texto alternativo: Los botones que están al final de la página tienen una</a:t>
-            </a:r>
-          </a:p>
-          <a:p>
-            <a:r>
-              <a:rPr lang="es-CR" sz="1200" dirty="0">
-                <a:latin typeface="Lato-Regular"/>
-              </a:rPr>
-              <a:t>etiqueta que dice “incrementar” y “</a:t>
-            </a:r>
-            <a:r>
-              <a:rPr lang="es-CR" sz="1200" dirty="0" err="1">
-                <a:latin typeface="Lato-Regular"/>
-              </a:rPr>
-              <a:t>decrementar</a:t>
-            </a:r>
-            <a:r>
-              <a:rPr lang="es-CR" sz="1200" dirty="0">
-                <a:latin typeface="Lato-Regular"/>
-              </a:rPr>
-              <a:t>” se pensó que eran para </a:t>
-            </a:r>
-            <a:r>
-              <a:rPr lang="es-CR" sz="1200" dirty="0" smtClean="0">
-                <a:latin typeface="Lato-Regular"/>
-              </a:rPr>
-              <a:t>aumentar</a:t>
-            </a:r>
-            <a:endParaRPr lang="es-CR" sz="1200" dirty="0">
-              <a:latin typeface="Calibri" panose="020F0502020204030204" pitchFamily="34" charset="0"/>
-            </a:endParaRPr>
-          </a:p>
-          <a:p>
-            <a:r>
-              <a:rPr lang="es-CR" sz="1200" dirty="0">
-                <a:latin typeface="Lato-Regular"/>
-              </a:rPr>
-              <a:t>el tamaño del texto pero son para pasar a más elementos, es decir, siguiente pagina</a:t>
-            </a:r>
-          </a:p>
-          <a:p>
-            <a:r>
-              <a:rPr lang="es-CR" sz="1200" dirty="0">
-                <a:latin typeface="Lato-Regular"/>
-              </a:rPr>
-              <a:t>o pagina anterior lo cual causó mucha confusión.</a:t>
-            </a:r>
-          </a:p>
-          <a:p>
-            <a:r>
-              <a:rPr lang="es-CR" sz="1200" b="1" dirty="0">
-                <a:solidFill>
-                  <a:srgbClr val="00B0F0"/>
-                </a:solidFill>
-                <a:latin typeface="Lato-Regular"/>
-              </a:rPr>
-              <a:t>5. En apartado sitios.</a:t>
-            </a:r>
-          </a:p>
-          <a:p>
-            <a:r>
-              <a:rPr lang="es-CR" sz="1200" dirty="0">
-                <a:latin typeface="Lato-Regular"/>
-              </a:rPr>
-              <a:t>a. Pauta 2.4: Navegación: El foco al ingresar aparece a la mitad.</a:t>
-            </a:r>
-          </a:p>
-          <a:p>
-            <a:r>
-              <a:rPr lang="es-CR" sz="1200" dirty="0">
-                <a:latin typeface="Lato-Regular"/>
-              </a:rPr>
-              <a:t>b. Pauta 2.4: Navegación: Tiene muchos separadores de contenido repetidos.</a:t>
-            </a:r>
-          </a:p>
-          <a:p>
-            <a:r>
-              <a:rPr lang="es-CR" sz="1200" dirty="0">
-                <a:latin typeface="Lato-Regular"/>
-              </a:rPr>
-              <a:t>c. Pauta 1.3: Adaptable: El orden de encabezados no es el correcto.</a:t>
-            </a:r>
-          </a:p>
-          <a:p>
-            <a:r>
-              <a:rPr lang="es-CR" sz="1200" dirty="0">
-                <a:latin typeface="Lato-Regular"/>
-              </a:rPr>
-              <a:t>d. Pauta 1.1: Texto alternativo: Las imágenes o gráficos no cuentan con una</a:t>
-            </a:r>
-          </a:p>
-          <a:p>
-            <a:r>
-              <a:rPr lang="es-CR" sz="1200" dirty="0">
-                <a:latin typeface="Lato-Regular"/>
-              </a:rPr>
-              <a:t>descripción adecuada, si son decorativos no se ocultan al lector de pantalla.</a:t>
-            </a:r>
-          </a:p>
-          <a:p>
-            <a:r>
-              <a:rPr lang="es-CR" sz="1200" dirty="0">
-                <a:latin typeface="Lato-Regular"/>
-              </a:rPr>
-              <a:t>e. Pauta 1.1: Texto alternativo: La lista de enlaces para saltar a contenidos</a:t>
-            </a:r>
-          </a:p>
-          <a:p>
-            <a:r>
-              <a:rPr lang="es-CR" sz="1200" dirty="0">
-                <a:latin typeface="Lato-Regular"/>
-              </a:rPr>
-              <a:t>específicos, no están bien etiquetados. Se podría mejorar su etiqueta.</a:t>
-            </a:r>
-          </a:p>
-          <a:p>
-            <a:r>
-              <a:rPr lang="es-CR" sz="1200" b="1" dirty="0">
-                <a:solidFill>
-                  <a:srgbClr val="00B0F0"/>
-                </a:solidFill>
-                <a:latin typeface="Lato-Regular"/>
-              </a:rPr>
-              <a:t>6. Videoteca.</a:t>
-            </a:r>
-          </a:p>
-          <a:p>
-            <a:r>
-              <a:rPr lang="es-CR" sz="1200" dirty="0">
-                <a:latin typeface="Lato-Regular"/>
-              </a:rPr>
-              <a:t>a. No hay contenido para evaluar. La pagina aun esta en construcción.</a:t>
-            </a:r>
-          </a:p>
-          <a:p>
-            <a:r>
-              <a:rPr lang="es-CR" sz="1200" b="1" dirty="0">
-                <a:solidFill>
-                  <a:srgbClr val="00B0F0"/>
-                </a:solidFill>
-                <a:latin typeface="Lato-Regular"/>
-              </a:rPr>
-              <a:t>7. Apartado “referencias”.</a:t>
-            </a:r>
-          </a:p>
-          <a:p>
-            <a:r>
-              <a:rPr lang="es-CR" sz="1200" dirty="0">
-                <a:latin typeface="Lato-Regular"/>
-              </a:rPr>
-              <a:t>a. Pauta 2.4: Navegación: Abre una ventana emergente que no es accesible.</a:t>
-            </a:r>
-          </a:p>
-          <a:p>
-            <a:r>
-              <a:rPr lang="es-CR" sz="1200" dirty="0">
-                <a:latin typeface="Lato-Regular"/>
-              </a:rPr>
-              <a:t>b. Pauta 2.4: Navegación: Hay que pasar por todo el contenido para llegar a la</a:t>
-            </a:r>
-          </a:p>
-          <a:p>
-            <a:r>
-              <a:rPr lang="es-CR" sz="1200" dirty="0">
-                <a:latin typeface="Lato-Regular"/>
-              </a:rPr>
-              <a:t>información que ofrece la ventana.</a:t>
-            </a:r>
-          </a:p>
-          <a:p>
-            <a:r>
-              <a:rPr lang="es-CR" sz="1400" dirty="0">
-                <a:latin typeface="Lato-Regular"/>
-              </a:rPr>
-              <a:t>c. </a:t>
-            </a:r>
-            <a:r>
-              <a:rPr lang="es-CR" sz="1200" dirty="0">
-                <a:latin typeface="Lato-Regular"/>
-              </a:rPr>
-              <a:t>Pauta 1.3: </a:t>
-            </a:r>
-            <a:r>
-              <a:rPr lang="es-CR" sz="1200" dirty="0" err="1">
-                <a:latin typeface="Lato-Regular"/>
-              </a:rPr>
-              <a:t>Adap</a:t>
-            </a:r>
-            <a:r>
-              <a:rPr lang="es-CR" sz="1200" dirty="0">
-                <a:latin typeface="Lato-Regular"/>
-              </a:rPr>
-              <a:t> </a:t>
-            </a:r>
-            <a:r>
-              <a:rPr lang="es-CR" sz="1400" dirty="0" err="1">
-                <a:latin typeface="Lato-Regular"/>
-              </a:rPr>
-              <a:t>table</a:t>
-            </a:r>
-            <a:r>
-              <a:rPr lang="es-CR" sz="1400" dirty="0">
-                <a:latin typeface="Lato-Regular"/>
-              </a:rPr>
-              <a:t>: El orden de encabezados no es el correcto, salida del </a:t>
-            </a:r>
-            <a:r>
-              <a:rPr lang="es-CR" sz="1400" dirty="0" smtClean="0">
-                <a:latin typeface="Lato-Regular"/>
-              </a:rPr>
-              <a:t>2 al </a:t>
-            </a:r>
-            <a:r>
-              <a:rPr lang="es-CR" sz="1400" dirty="0">
-                <a:latin typeface="Lato-Regular"/>
-              </a:rPr>
-              <a:t>5.</a:t>
-            </a:r>
-          </a:p>
-          <a:p>
-            <a:r>
-              <a:rPr lang="es-CR" sz="1200" b="1" dirty="0">
-                <a:solidFill>
-                  <a:srgbClr val="00B0F0"/>
-                </a:solidFill>
-                <a:latin typeface="Lato-Regular"/>
-              </a:rPr>
-              <a:t>8. Apartado Otras ofertas.</a:t>
-            </a:r>
-          </a:p>
-          <a:p>
-            <a:r>
-              <a:rPr lang="es-CR" sz="1200" dirty="0">
-                <a:latin typeface="Lato-Regular"/>
-              </a:rPr>
-              <a:t>a. Pauta 2.4: Navegación: Al ingresar el foco se va al final de la página.</a:t>
-            </a:r>
-          </a:p>
-          <a:p>
-            <a:r>
-              <a:rPr lang="es-CR" sz="1200" dirty="0">
-                <a:latin typeface="Lato-Regular"/>
-              </a:rPr>
-              <a:t>b. Pauta 1.1: Texto alternativo: Se repite el hallazgos con los botones que tienen por</a:t>
-            </a:r>
-          </a:p>
-          <a:p>
-            <a:r>
-              <a:rPr lang="es-CR" sz="1200" dirty="0">
-                <a:latin typeface="Lato-Regular"/>
-              </a:rPr>
-              <a:t>nombre incrementar y </a:t>
-            </a:r>
-            <a:r>
-              <a:rPr lang="es-CR" sz="1200" dirty="0" err="1">
-                <a:latin typeface="Lato-Regular"/>
-              </a:rPr>
-              <a:t>decrementar</a:t>
-            </a:r>
-            <a:r>
-              <a:rPr lang="es-CR" sz="1200" dirty="0">
-                <a:latin typeface="Lato-Regular"/>
-              </a:rPr>
-              <a:t>.</a:t>
-            </a:r>
-          </a:p>
-          <a:p>
-            <a:r>
-              <a:rPr lang="es-CR" sz="1200" dirty="0">
-                <a:latin typeface="Lato-Regular"/>
-              </a:rPr>
-              <a:t>c. Pauta 1.3: Adaptable: El orden de encabezados no es el correcto</a:t>
-            </a:r>
-            <a:r>
-              <a:rPr lang="es-CR" sz="1200" dirty="0" smtClean="0">
-                <a:latin typeface="Lato-Regular"/>
-              </a:rPr>
-              <a:t>.</a:t>
-            </a:r>
-            <a:endParaRPr lang="es-CR" sz="1200" dirty="0">
-              <a:latin typeface="Calibri" panose="020F0502020204030204" pitchFamily="34" charset="0"/>
-            </a:endParaRPr>
-          </a:p>
-          <a:p>
-            <a:r>
-              <a:rPr lang="es-CR" sz="1200" dirty="0">
-                <a:latin typeface="Lato-Regular"/>
-              </a:rPr>
-              <a:t>d. Pauta 1.1: Texto alternativo: Se repite el hallazgo de las imágenes o gráficos sin</a:t>
-            </a:r>
-          </a:p>
-          <a:p>
-            <a:r>
-              <a:rPr lang="es-CR" sz="1200" dirty="0">
-                <a:latin typeface="Lato-Regular"/>
-              </a:rPr>
-              <a:t>descripción adecuada, si son decorativos no se ocultan al lector de pantalla.</a:t>
-            </a:r>
-          </a:p>
-          <a:p>
-            <a:r>
-              <a:rPr lang="es-CR" sz="1200" dirty="0">
-                <a:latin typeface="Lato-Regular"/>
-              </a:rPr>
-              <a:t>e. Pauta 3.1: Legible: El texto “descripción” se repite en todas las opciones pero no se</a:t>
-            </a:r>
-          </a:p>
-          <a:p>
-            <a:r>
-              <a:rPr lang="es-CR" sz="1200" dirty="0">
-                <a:latin typeface="Lato-Regular"/>
-              </a:rPr>
-              <a:t>comprende su finalidad.</a:t>
-            </a:r>
-            <a:endParaRPr lang="es-CR" sz="1200" dirty="0"/>
-          </a:p>
-        </p:txBody>
-      </p:sp>
-      <p:pic>
-        <p:nvPicPr>
-          <p:cNvPr id="3" name="Imagen 2"/>
-          <p:cNvPicPr>
-            <a:picLocks noChangeAspect="1"/>
-          </p:cNvPicPr>
-          <p:nvPr/>
-        </p:nvPicPr>
-        <p:blipFill>
-          <a:blip r:embed="rId2"/>
-          <a:stretch>
-            <a:fillRect/>
-          </a:stretch>
-        </p:blipFill>
-        <p:spPr>
-          <a:xfrm>
-            <a:off x="6096000" y="1800225"/>
-            <a:ext cx="5915025" cy="3257550"/>
-          </a:xfrm>
-          <a:prstGeom prst="rect">
-            <a:avLst/>
-          </a:prstGeom>
-        </p:spPr>
-      </p:pic>
-    </p:spTree>
-    <p:extLst>
-      <p:ext uri="{BB962C8B-B14F-4D97-AF65-F5344CB8AC3E}">
-        <p14:creationId xmlns:p14="http://schemas.microsoft.com/office/powerpoint/2010/main" val="2753579244"/>
-      </p:ext>
-    </p:extLst>
-  </p:cSld>
-  <p:clrMapOvr>
-    <a:masterClrMapping/>
-  </p:clrMapOvr>
-</p:sld>
-</file>
-
-<file path=ppt/slides/slide12.xml><?xml version="1.0" encoding="utf-8"?>
-<p:sld xmlns:a="http://schemas.openxmlformats.org/drawingml/2006/main" xmlns:r="http://schemas.openxmlformats.org/officeDocument/2006/relationships" xmlns:p="http://schemas.openxmlformats.org/presentationml/2006/main">
-  <p:cSld>
-    <p:spTree>
-      <p:nvGrpSpPr>
-        <p:cNvPr id="1" name=""/>
-        <p:cNvGrpSpPr/>
-        <p:nvPr/>
-      </p:nvGrpSpPr>
-      <p:grpSpPr>
-        <a:xfrm>
-          <a:off x="0" y="0"/>
-          <a:ext cx="0" cy="0"/>
-          <a:chOff x="0" y="0"/>
-          <a:chExt cx="0" cy="0"/>
-        </a:xfrm>
-      </p:grpSpPr>
-      <p:sp>
-        <p:nvSpPr>
-          <p:cNvPr id="2" name="Rectángulo 1"/>
-          <p:cNvSpPr/>
-          <p:nvPr/>
-        </p:nvSpPr>
-        <p:spPr>
-          <a:xfrm>
-            <a:off x="147637" y="258901"/>
-            <a:ext cx="6096000" cy="6340197"/>
-          </a:xfrm>
-          <a:prstGeom prst="rect">
-            <a:avLst/>
-          </a:prstGeom>
-        </p:spPr>
-        <p:txBody>
-          <a:bodyPr>
-            <a:spAutoFit/>
-          </a:bodyPr>
-          <a:lstStyle/>
-          <a:p>
-            <a:r>
-              <a:rPr lang="es-CR" sz="1400" b="1" dirty="0">
-                <a:solidFill>
-                  <a:srgbClr val="00B0F0"/>
-                </a:solidFill>
-                <a:latin typeface="Lato-Regular"/>
-              </a:rPr>
-              <a:t>En apartado “enfoque por habilidades” </a:t>
-            </a:r>
-            <a:r>
-              <a:rPr lang="es-CR" sz="1400" dirty="0">
-                <a:latin typeface="Lato-Regular"/>
-              </a:rPr>
-              <a:t>el texto es incorrecto.</a:t>
-            </a:r>
-          </a:p>
-          <a:p>
-            <a:r>
-              <a:rPr lang="es-CR" sz="1400" dirty="0">
-                <a:latin typeface="Lato-Regular"/>
-              </a:rPr>
-              <a:t>a. Pauta 2.4: Navegación: Abre una ventana emergente que no se anuncia al lector </a:t>
-            </a:r>
-            <a:r>
-              <a:rPr lang="es-CR" sz="1400" dirty="0" smtClean="0">
-                <a:latin typeface="Lato-Regular"/>
-              </a:rPr>
-              <a:t>de pantalla </a:t>
-            </a:r>
-            <a:r>
-              <a:rPr lang="es-CR" sz="1400" dirty="0">
-                <a:latin typeface="Lato-Regular"/>
-              </a:rPr>
-              <a:t>acompañado de todos los hallazgos relacionados con este tipo </a:t>
-            </a:r>
-            <a:r>
-              <a:rPr lang="es-CR" sz="1400" dirty="0" smtClean="0">
-                <a:latin typeface="Lato-Regular"/>
-              </a:rPr>
-              <a:t>de ventanas</a:t>
-            </a:r>
-            <a:r>
-              <a:rPr lang="es-CR" sz="1400" dirty="0">
-                <a:latin typeface="Lato-Regular"/>
-              </a:rPr>
-              <a:t>.</a:t>
-            </a:r>
-          </a:p>
-          <a:p>
-            <a:r>
-              <a:rPr lang="es-CR" sz="1400" b="1" dirty="0">
-                <a:solidFill>
-                  <a:srgbClr val="00B0F0"/>
-                </a:solidFill>
-                <a:latin typeface="Lato-Regular"/>
-              </a:rPr>
-              <a:t>6. Apoyos para el planeamiento. (visualmente aparece con la etiqueta Orientación)</a:t>
-            </a:r>
-          </a:p>
-          <a:p>
-            <a:r>
-              <a:rPr lang="es-CR" sz="1400" dirty="0">
-                <a:latin typeface="Lato-Regular"/>
-              </a:rPr>
-              <a:t>a. Pauta 1.1: Texto alternativo: Los elementos descargables de este apartado. </a:t>
-            </a:r>
-            <a:r>
-              <a:rPr lang="es-CR" sz="1400" dirty="0" smtClean="0">
-                <a:latin typeface="Lato-Regular"/>
-              </a:rPr>
-              <a:t>Las imágenes </a:t>
-            </a:r>
-            <a:r>
-              <a:rPr lang="es-CR" sz="1400" dirty="0">
-                <a:latin typeface="Lato-Regular"/>
-              </a:rPr>
-              <a:t>del </a:t>
-            </a:r>
-            <a:r>
-              <a:rPr lang="es-CR" sz="1400" dirty="0" err="1">
-                <a:latin typeface="Lato-Regular"/>
-              </a:rPr>
-              <a:t>pdf</a:t>
-            </a:r>
-            <a:r>
-              <a:rPr lang="es-CR" sz="1400" dirty="0">
-                <a:latin typeface="Lato-Regular"/>
-              </a:rPr>
-              <a:t> y los enlaces de descarga no están asociados como uno solo.</a:t>
-            </a:r>
-          </a:p>
-          <a:p>
-            <a:r>
-              <a:rPr lang="es-CR" sz="1400" b="1" dirty="0">
-                <a:solidFill>
-                  <a:srgbClr val="00B0F0"/>
-                </a:solidFill>
-                <a:latin typeface="Lato-Regular"/>
-              </a:rPr>
-              <a:t>7. Apoyos para el planeamiento. (visualmente aparece con el nombre plantillas).</a:t>
-            </a:r>
-          </a:p>
-          <a:p>
-            <a:r>
-              <a:rPr lang="es-CR" sz="1400" dirty="0">
-                <a:latin typeface="Lato-Regular"/>
-              </a:rPr>
-              <a:t>a. Pauta 2.4: Navegación y Pauta 3.2: Previsible: El foco aparece al mitad </a:t>
-            </a:r>
-            <a:r>
-              <a:rPr lang="es-CR" sz="1400" dirty="0" smtClean="0">
-                <a:latin typeface="Lato-Regular"/>
-              </a:rPr>
-              <a:t>del contenido </a:t>
-            </a:r>
-            <a:r>
-              <a:rPr lang="es-CR" sz="1400" dirty="0">
-                <a:latin typeface="Lato-Regular"/>
-              </a:rPr>
-              <a:t>a la hora de ingresar</a:t>
-            </a:r>
-            <a:r>
-              <a:rPr lang="es-CR" sz="1400" dirty="0" smtClean="0">
-                <a:latin typeface="Lato-Regular"/>
-              </a:rPr>
-              <a:t>.</a:t>
-            </a:r>
-            <a:endParaRPr lang="es-CR" sz="1400" dirty="0">
-              <a:latin typeface="Calibri" panose="020F0502020204030204" pitchFamily="34" charset="0"/>
-            </a:endParaRPr>
-          </a:p>
-          <a:p>
-            <a:r>
-              <a:rPr lang="es-CR" sz="1400" dirty="0">
-                <a:latin typeface="Lato-Regular"/>
-              </a:rPr>
-              <a:t>b. Pauta 2.4: Navegación: Las opciones de selección, tanto la de nivel </a:t>
-            </a:r>
-            <a:r>
-              <a:rPr lang="es-CR" sz="1400" dirty="0" smtClean="0">
-                <a:latin typeface="Lato-Regular"/>
-              </a:rPr>
-              <a:t>como, modalidad </a:t>
-            </a:r>
-            <a:r>
-              <a:rPr lang="es-CR" sz="1400" dirty="0">
-                <a:latin typeface="Lato-Regular"/>
-              </a:rPr>
-              <a:t>y demás opciones, tienen una etiqueta que se repite, solo se avisa </a:t>
-            </a:r>
-            <a:r>
-              <a:rPr lang="es-CR" sz="1400" dirty="0" smtClean="0">
-                <a:latin typeface="Lato-Regular"/>
-              </a:rPr>
-              <a:t>al lector </a:t>
-            </a:r>
-            <a:r>
-              <a:rPr lang="es-CR" sz="1400" dirty="0">
-                <a:latin typeface="Lato-Regular"/>
-              </a:rPr>
-              <a:t>de pantalla la palabra “seleccione” pero no que rubro. Hay que </a:t>
-            </a:r>
-            <a:r>
-              <a:rPr lang="es-CR" sz="1400" dirty="0" smtClean="0">
-                <a:latin typeface="Lato-Regular"/>
-              </a:rPr>
-              <a:t>seleccionar por </a:t>
-            </a:r>
-            <a:r>
-              <a:rPr lang="es-CR" sz="1400" dirty="0">
-                <a:latin typeface="Lato-Regular"/>
-              </a:rPr>
-              <a:t>lo menos el año para darse cuenta en cual cuadro de selección se está.</a:t>
-            </a:r>
-          </a:p>
-          <a:p>
-            <a:r>
-              <a:rPr lang="es-CR" sz="1400" dirty="0">
-                <a:latin typeface="Lato-Regular"/>
-              </a:rPr>
-              <a:t>c. Pauta 2.4: Navegación: El orden de encabezados es incorrecto.</a:t>
-            </a:r>
-          </a:p>
-          <a:p>
-            <a:r>
-              <a:rPr lang="es-CR" sz="1400" dirty="0">
-                <a:latin typeface="Lato-Regular"/>
-              </a:rPr>
-              <a:t>d. Pauta 2.4: Navegación: La página cada que se hace una búsqueda abre una </a:t>
-            </a:r>
-            <a:r>
-              <a:rPr lang="es-CR" sz="1400" dirty="0" smtClean="0">
-                <a:latin typeface="Lato-Regular"/>
-              </a:rPr>
-              <a:t>tabla con </a:t>
-            </a:r>
-            <a:r>
-              <a:rPr lang="es-CR" sz="1400" dirty="0">
-                <a:latin typeface="Lato-Regular"/>
-              </a:rPr>
-              <a:t>los resultados que es inaccesible, el foco queda atrapado en los títulos y </a:t>
-            </a:r>
-            <a:r>
-              <a:rPr lang="es-CR" sz="1400" dirty="0" smtClean="0">
-                <a:latin typeface="Lato-Regular"/>
-              </a:rPr>
-              <a:t>los mismos </a:t>
-            </a:r>
-            <a:r>
-              <a:rPr lang="es-CR" sz="1400" dirty="0">
-                <a:latin typeface="Lato-Regular"/>
-              </a:rPr>
-              <a:t>no están asociados a su contenido por lo que no se logra comprender </a:t>
-            </a:r>
-            <a:r>
-              <a:rPr lang="es-CR" sz="1400" dirty="0" smtClean="0">
-                <a:latin typeface="Lato-Regular"/>
-              </a:rPr>
-              <a:t>qué </a:t>
-            </a:r>
-            <a:r>
-              <a:rPr lang="pt-BR" sz="1400" dirty="0" smtClean="0">
-                <a:latin typeface="Lato-Regular"/>
-              </a:rPr>
-              <a:t>documento </a:t>
-            </a:r>
-            <a:r>
-              <a:rPr lang="pt-BR" sz="1400" dirty="0">
-                <a:latin typeface="Lato-Regular"/>
-              </a:rPr>
-              <a:t>o enlace </a:t>
-            </a:r>
-            <a:r>
-              <a:rPr lang="pt-BR" sz="1400" dirty="0" err="1">
-                <a:latin typeface="Lato-Regular"/>
-              </a:rPr>
-              <a:t>pertenece</a:t>
-            </a:r>
-            <a:r>
-              <a:rPr lang="pt-BR" sz="1400" dirty="0">
-                <a:latin typeface="Lato-Regular"/>
-              </a:rPr>
-              <a:t> a cada rubro.</a:t>
-            </a:r>
-          </a:p>
-          <a:p>
-            <a:r>
-              <a:rPr lang="es-CR" sz="1400" b="1" dirty="0">
-                <a:solidFill>
-                  <a:srgbClr val="00B0F0"/>
-                </a:solidFill>
-                <a:latin typeface="Lato-Regular"/>
-              </a:rPr>
-              <a:t>8. Apartado ejemplos planeamiento. (visualmente tiene la etiqueta “videos”).</a:t>
-            </a:r>
-          </a:p>
-          <a:p>
-            <a:r>
-              <a:rPr lang="es-CR" sz="1400" dirty="0">
-                <a:latin typeface="Lato-Regular"/>
-              </a:rPr>
-              <a:t>a. Se repiten los hallazgos de ventanas emergentes.</a:t>
-            </a:r>
-          </a:p>
-          <a:p>
-            <a:r>
-              <a:rPr lang="es-CR" sz="1400" dirty="0">
-                <a:latin typeface="Lato-Regular"/>
-              </a:rPr>
-              <a:t>b. Pauta 1.1: Texto alternativo y Pauta 3.2: Previsible: Los enlaces de esta sección </a:t>
-            </a:r>
-            <a:r>
-              <a:rPr lang="es-CR" sz="1400" dirty="0" smtClean="0">
-                <a:latin typeface="Lato-Regular"/>
-              </a:rPr>
-              <a:t>no están </a:t>
-            </a:r>
-            <a:r>
-              <a:rPr lang="es-CR" sz="1400" dirty="0">
-                <a:latin typeface="Lato-Regular"/>
-              </a:rPr>
-              <a:t>debidamente etiquetados, no se avisa que son videos de </a:t>
-            </a:r>
-            <a:r>
-              <a:rPr lang="es-CR" sz="1400" dirty="0" err="1">
-                <a:latin typeface="Lato-Regular"/>
-              </a:rPr>
-              <a:t>youtube</a:t>
-            </a:r>
-            <a:r>
-              <a:rPr lang="es-CR" sz="1400" dirty="0">
-                <a:latin typeface="Lato-Regular"/>
-              </a:rPr>
-              <a:t> y que </a:t>
-            </a:r>
-            <a:r>
-              <a:rPr lang="es-CR" sz="1400" dirty="0" smtClean="0">
-                <a:latin typeface="Lato-Regular"/>
-              </a:rPr>
-              <a:t>se </a:t>
-            </a:r>
-            <a:r>
-              <a:rPr lang="es-CR" sz="1400" dirty="0" err="1" smtClean="0">
-                <a:latin typeface="Lato-Regular"/>
-              </a:rPr>
-              <a:t>redireccionará</a:t>
-            </a:r>
-            <a:r>
-              <a:rPr lang="es-CR" sz="1400" dirty="0" smtClean="0">
-                <a:latin typeface="Lato-Regular"/>
-              </a:rPr>
-              <a:t> </a:t>
-            </a:r>
-            <a:r>
-              <a:rPr lang="es-CR" sz="1400" dirty="0">
-                <a:latin typeface="Lato-Regular"/>
-              </a:rPr>
-              <a:t>a la página con el video.</a:t>
-            </a:r>
-            <a:endParaRPr lang="es-CR" sz="1400" dirty="0"/>
-          </a:p>
-        </p:txBody>
-      </p:sp>
-      <p:pic>
-        <p:nvPicPr>
-          <p:cNvPr id="3" name="Imagen 2"/>
-          <p:cNvPicPr>
-            <a:picLocks noChangeAspect="1"/>
-          </p:cNvPicPr>
-          <p:nvPr/>
-        </p:nvPicPr>
-        <p:blipFill>
-          <a:blip r:embed="rId2"/>
-          <a:stretch>
-            <a:fillRect/>
-          </a:stretch>
-        </p:blipFill>
-        <p:spPr>
-          <a:xfrm>
-            <a:off x="6629400" y="895350"/>
-            <a:ext cx="5076825" cy="5067300"/>
-          </a:xfrm>
-          <a:prstGeom prst="rect">
-            <a:avLst/>
-          </a:prstGeom>
-        </p:spPr>
-      </p:pic>
-    </p:spTree>
-    <p:extLst>
-      <p:ext uri="{BB962C8B-B14F-4D97-AF65-F5344CB8AC3E}">
-        <p14:creationId xmlns:p14="http://schemas.microsoft.com/office/powerpoint/2010/main" val="2478751131"/>
-      </p:ext>
-    </p:extLst>
-  </p:cSld>
-  <p:clrMapOvr>
-    <a:masterClrMapping/>
-  </p:clrMapOvr>
-</p:sld>
-</file>
-
-<file path=ppt/slides/slide2.xml><?xml version="1.0" encoding="utf-8"?>
+<file path=ppt/slides/slide3.xml><?xml version="1.0" encoding="utf-8"?>
 <p:sld xmlns:a="http://schemas.openxmlformats.org/drawingml/2006/main" xmlns:r="http://schemas.openxmlformats.org/officeDocument/2006/relationships" xmlns:p="http://schemas.openxmlformats.org/presentationml/2006/main">
   <p:cSld>
     <p:spTree>
@@ -5371,442 +5969,6 @@
     <p:extLst>
       <p:ext uri="{BB962C8B-B14F-4D97-AF65-F5344CB8AC3E}">
         <p14:creationId xmlns:p14="http://schemas.microsoft.com/office/powerpoint/2010/main" val="540046921"/>
-      </p:ext>
-    </p:extLst>
-  </p:cSld>
-  <p:clrMapOvr>
-    <a:masterClrMapping/>
-  </p:clrMapOvr>
-  <p:timing>
-    <p:tnLst>
-      <p:par>
-        <p:cTn id="1" dur="indefinite" restart="never" nodeType="tmRoot"/>
-      </p:par>
-    </p:tnLst>
-  </p:timing>
-</p:sld>
-</file>
-
-<file path=ppt/slides/slide3.xml><?xml version="1.0" encoding="utf-8"?>
-<p:sld xmlns:a="http://schemas.openxmlformats.org/drawingml/2006/main" xmlns:r="http://schemas.openxmlformats.org/officeDocument/2006/relationships" xmlns:p="http://schemas.openxmlformats.org/presentationml/2006/main">
-  <p:cSld>
-    <p:spTree>
-      <p:nvGrpSpPr>
-        <p:cNvPr id="1" name=""/>
-        <p:cNvGrpSpPr/>
-        <p:nvPr/>
-      </p:nvGrpSpPr>
-      <p:grpSpPr>
-        <a:xfrm>
-          <a:off x="0" y="0"/>
-          <a:ext cx="0" cy="0"/>
-          <a:chOff x="0" y="0"/>
-          <a:chExt cx="0" cy="0"/>
-        </a:xfrm>
-      </p:grpSpPr>
-      <p:pic>
-        <p:nvPicPr>
-          <p:cNvPr id="2" name="Imagen 1"/>
-          <p:cNvPicPr>
-            <a:picLocks noChangeAspect="1"/>
-          </p:cNvPicPr>
-          <p:nvPr/>
-        </p:nvPicPr>
-        <p:blipFill>
-          <a:blip r:embed="rId2"/>
-          <a:stretch>
-            <a:fillRect/>
-          </a:stretch>
-        </p:blipFill>
-        <p:spPr>
-          <a:xfrm>
-            <a:off x="881062" y="333375"/>
-            <a:ext cx="10429875" cy="6191250"/>
-          </a:xfrm>
-          <a:prstGeom prst="rect">
-            <a:avLst/>
-          </a:prstGeom>
-        </p:spPr>
-      </p:pic>
-      <p:sp>
-        <p:nvSpPr>
-          <p:cNvPr id="3" name="CuadroTexto 2"/>
-          <p:cNvSpPr txBox="1"/>
-          <p:nvPr/>
-        </p:nvSpPr>
-        <p:spPr>
-          <a:xfrm>
-            <a:off x="4384060" y="6069611"/>
-            <a:ext cx="4316570" cy="584775"/>
-          </a:xfrm>
-          <a:prstGeom prst="rect">
-            <a:avLst/>
-          </a:prstGeom>
-          <a:noFill/>
-        </p:spPr>
-        <p:txBody>
-          <a:bodyPr wrap="square" rtlCol="0">
-            <a:spAutoFit/>
-          </a:bodyPr>
-          <a:lstStyle/>
-          <a:p>
-            <a:r>
-              <a:rPr lang="es-CR" sz="1600" dirty="0" smtClean="0">
-                <a:solidFill>
-                  <a:srgbClr val="0070C0"/>
-                </a:solidFill>
-              </a:rPr>
-              <a:t>Crear secciones.  Una para la descripción y otra para los botones de la derecha</a:t>
-            </a:r>
-            <a:endParaRPr lang="es-CR" sz="1600" dirty="0">
-              <a:solidFill>
-                <a:srgbClr val="0070C0"/>
-              </a:solidFill>
-            </a:endParaRPr>
-          </a:p>
-        </p:txBody>
-      </p:sp>
-      <p:sp>
-        <p:nvSpPr>
-          <p:cNvPr id="4" name="CuadroTexto 3"/>
-          <p:cNvSpPr txBox="1"/>
-          <p:nvPr/>
-        </p:nvSpPr>
-        <p:spPr>
-          <a:xfrm>
-            <a:off x="2225775" y="333375"/>
-            <a:ext cx="4316570" cy="276999"/>
-          </a:xfrm>
-          <a:prstGeom prst="rect">
-            <a:avLst/>
-          </a:prstGeom>
-          <a:noFill/>
-        </p:spPr>
-        <p:txBody>
-          <a:bodyPr wrap="square" rtlCol="0">
-            <a:spAutoFit/>
-          </a:bodyPr>
-          <a:lstStyle/>
-          <a:p>
-            <a:r>
-              <a:rPr lang="es-CR" sz="1200" dirty="0">
-                <a:solidFill>
-                  <a:srgbClr val="0070C0"/>
-                </a:solidFill>
-              </a:rPr>
-              <a:t>P</a:t>
-            </a:r>
-            <a:r>
-              <a:rPr lang="es-CR" sz="1200" dirty="0" smtClean="0">
-                <a:solidFill>
-                  <a:srgbClr val="0070C0"/>
-                </a:solidFill>
-              </a:rPr>
-              <a:t>oner title o </a:t>
-            </a:r>
-            <a:r>
-              <a:rPr lang="es-CR" sz="1200" dirty="0" err="1" smtClean="0">
-                <a:solidFill>
-                  <a:srgbClr val="0070C0"/>
-                </a:solidFill>
-              </a:rPr>
-              <a:t>alt</a:t>
-            </a:r>
-            <a:r>
-              <a:rPr lang="es-CR" sz="1200" dirty="0" smtClean="0">
-                <a:solidFill>
-                  <a:srgbClr val="0070C0"/>
-                </a:solidFill>
-              </a:rPr>
-              <a:t>.  Dar rol de </a:t>
-            </a:r>
-            <a:r>
-              <a:rPr lang="es-CR" sz="1200" dirty="0" err="1" smtClean="0">
-                <a:solidFill>
-                  <a:srgbClr val="0070C0"/>
-                </a:solidFill>
-              </a:rPr>
-              <a:t>Header</a:t>
-            </a:r>
-            <a:r>
-              <a:rPr lang="es-CR" sz="1200" dirty="0" smtClean="0">
-                <a:solidFill>
-                  <a:srgbClr val="0070C0"/>
-                </a:solidFill>
-              </a:rPr>
-              <a:t> (</a:t>
-            </a:r>
-            <a:r>
-              <a:rPr lang="es-CR" sz="1200" dirty="0" err="1">
-                <a:solidFill>
-                  <a:srgbClr val="0070C0"/>
-                </a:solidFill>
-              </a:rPr>
-              <a:t>w</a:t>
-            </a:r>
-            <a:r>
-              <a:rPr lang="es-CR" sz="1200" dirty="0" err="1" smtClean="0">
-                <a:solidFill>
-                  <a:srgbClr val="0070C0"/>
-                </a:solidFill>
-              </a:rPr>
-              <a:t>ai</a:t>
-            </a:r>
-            <a:r>
-              <a:rPr lang="es-CR" sz="1200" dirty="0" smtClean="0">
-                <a:solidFill>
-                  <a:srgbClr val="0070C0"/>
-                </a:solidFill>
-              </a:rPr>
-              <a:t>-aria)</a:t>
-            </a:r>
-            <a:endParaRPr lang="es-CR" sz="1200" dirty="0">
-              <a:solidFill>
-                <a:srgbClr val="0070C0"/>
-              </a:solidFill>
-            </a:endParaRPr>
-          </a:p>
-        </p:txBody>
-      </p:sp>
-      <p:sp>
-        <p:nvSpPr>
-          <p:cNvPr id="5" name="Rectángulo 4"/>
-          <p:cNvSpPr/>
-          <p:nvPr/>
-        </p:nvSpPr>
-        <p:spPr>
-          <a:xfrm>
-            <a:off x="6787661" y="1800725"/>
-            <a:ext cx="4935416" cy="3693319"/>
-          </a:xfrm>
-          <a:prstGeom prst="rect">
-            <a:avLst/>
-          </a:prstGeom>
-        </p:spPr>
-        <p:style>
-          <a:lnRef idx="1">
-            <a:schemeClr val="accent2"/>
-          </a:lnRef>
-          <a:fillRef idx="2">
-            <a:schemeClr val="accent2"/>
-          </a:fillRef>
-          <a:effectRef idx="1">
-            <a:schemeClr val="accent2"/>
-          </a:effectRef>
-          <a:fontRef idx="minor">
-            <a:schemeClr val="dk1"/>
-          </a:fontRef>
-        </p:style>
-        <p:txBody>
-          <a:bodyPr wrap="square">
-            <a:spAutoFit/>
-          </a:bodyPr>
-          <a:lstStyle/>
-          <a:p>
-            <a:r>
-              <a:rPr lang="es-CR" dirty="0">
-                <a:latin typeface="Lato-Regular"/>
-              </a:rPr>
-              <a:t>Pauta 2.4: Navegación: El foco al entrar a la página se ubica a la mitad del párrafo de la</a:t>
-            </a:r>
-          </a:p>
-          <a:p>
-            <a:r>
-              <a:rPr lang="es-CR" dirty="0">
-                <a:latin typeface="Lato-Regular"/>
-              </a:rPr>
-              <a:t>descripción y no al inicio de la página</a:t>
-            </a:r>
-            <a:r>
-              <a:rPr lang="es-CR" dirty="0" smtClean="0">
-                <a:latin typeface="Lato-Regular"/>
-              </a:rPr>
-              <a:t>. </a:t>
-            </a:r>
-            <a:r>
-              <a:rPr lang="es-CR" dirty="0" smtClean="0">
-                <a:solidFill>
-                  <a:srgbClr val="0070C0"/>
-                </a:solidFill>
-                <a:latin typeface="Lato-Regular"/>
-              </a:rPr>
-              <a:t>Usar secciones </a:t>
-            </a:r>
-            <a:r>
-              <a:rPr lang="es-CR" dirty="0">
-                <a:solidFill>
-                  <a:srgbClr val="0070C0"/>
-                </a:solidFill>
-                <a:latin typeface="Lato-Regular"/>
-              </a:rPr>
-              <a:t>y </a:t>
-            </a:r>
-            <a:r>
-              <a:rPr lang="es-CR" dirty="0" err="1">
-                <a:solidFill>
-                  <a:srgbClr val="0070C0"/>
-                </a:solidFill>
-                <a:latin typeface="Lato-Regular"/>
-              </a:rPr>
-              <a:t>class</a:t>
-            </a:r>
-            <a:r>
-              <a:rPr lang="es-CR" dirty="0">
-                <a:solidFill>
-                  <a:srgbClr val="0070C0"/>
-                </a:solidFill>
-                <a:latin typeface="Lato-Regular"/>
-              </a:rPr>
-              <a:t>="</a:t>
-            </a:r>
-            <a:r>
-              <a:rPr lang="es-CR" dirty="0" err="1" smtClean="0">
-                <a:solidFill>
-                  <a:srgbClr val="0070C0"/>
-                </a:solidFill>
-                <a:latin typeface="Lato-Regular"/>
-              </a:rPr>
-              <a:t>nav-item</a:t>
-            </a:r>
-            <a:r>
-              <a:rPr lang="es-CR" dirty="0" smtClean="0">
-                <a:solidFill>
-                  <a:srgbClr val="0070C0"/>
-                </a:solidFill>
-                <a:latin typeface="Lato-Regular"/>
-              </a:rPr>
-              <a:t>“ de </a:t>
-            </a:r>
-            <a:r>
-              <a:rPr lang="es-CR" dirty="0" err="1" smtClean="0">
-                <a:solidFill>
-                  <a:srgbClr val="0070C0"/>
-                </a:solidFill>
-                <a:latin typeface="Lato-Regular"/>
-              </a:rPr>
-              <a:t>bootstrap</a:t>
-            </a:r>
-            <a:endParaRPr lang="es-CR" dirty="0" smtClean="0">
-              <a:solidFill>
-                <a:srgbClr val="0070C0"/>
-              </a:solidFill>
-              <a:latin typeface="Lato-Regular"/>
-            </a:endParaRPr>
-          </a:p>
-          <a:p>
-            <a:r>
-              <a:rPr lang="es-CR" dirty="0" smtClean="0">
-                <a:latin typeface="Lato-Regular"/>
-              </a:rPr>
-              <a:t>2</a:t>
-            </a:r>
-            <a:r>
-              <a:rPr lang="es-CR" dirty="0">
-                <a:latin typeface="Lato-Regular"/>
-              </a:rPr>
-              <a:t>. Pauta 2.4: Navegación y Pauta 3.1: Legible: Tiene espacios en blanco entre las últimas dos</a:t>
-            </a:r>
-          </a:p>
-          <a:p>
-            <a:r>
-              <a:rPr lang="es-CR" dirty="0">
-                <a:latin typeface="Lato-Regular"/>
-              </a:rPr>
-              <a:t>opciones que confunden la navegación con el lector de pantalla</a:t>
-            </a:r>
-            <a:r>
-              <a:rPr lang="es-CR" dirty="0" smtClean="0">
-                <a:latin typeface="Lato-Regular"/>
-              </a:rPr>
-              <a:t>.</a:t>
-            </a:r>
-            <a:r>
-              <a:rPr lang="es-CR" dirty="0">
-                <a:solidFill>
-                  <a:srgbClr val="0070C0"/>
-                </a:solidFill>
-                <a:latin typeface="Lato-Regular"/>
-              </a:rPr>
-              <a:t> </a:t>
-            </a:r>
-            <a:r>
-              <a:rPr lang="es-CR" dirty="0" smtClean="0">
-                <a:solidFill>
-                  <a:srgbClr val="0070C0"/>
-                </a:solidFill>
-                <a:latin typeface="Lato-Regular"/>
-              </a:rPr>
-              <a:t>Revisa orden de los div</a:t>
-            </a:r>
-            <a:endParaRPr lang="es-CR" dirty="0">
-              <a:latin typeface="Calibri" panose="020F0502020204030204" pitchFamily="34" charset="0"/>
-            </a:endParaRPr>
-          </a:p>
-          <a:p>
-            <a:r>
-              <a:rPr lang="es-CR" dirty="0">
-                <a:latin typeface="Lato-Regular"/>
-              </a:rPr>
-              <a:t>3. Pauta 2.4: Navegación y Pauta 3.1: Legible: Tiene varias opciones deshabilitadas que no </a:t>
-            </a:r>
-            <a:r>
-              <a:rPr lang="es-CR" dirty="0" smtClean="0">
-                <a:latin typeface="Lato-Regular"/>
-              </a:rPr>
-              <a:t>se anuncian </a:t>
-            </a:r>
-            <a:r>
-              <a:rPr lang="es-CR" dirty="0">
-                <a:latin typeface="Lato-Regular"/>
-              </a:rPr>
-              <a:t>que están deshabilitadas al lector de pantallas</a:t>
-            </a:r>
-            <a:r>
-              <a:rPr lang="es-CR" dirty="0" smtClean="0">
-                <a:latin typeface="Lato-Regular"/>
-              </a:rPr>
-              <a:t>. </a:t>
-            </a:r>
-            <a:r>
-              <a:rPr lang="es-CR" dirty="0" smtClean="0">
-                <a:solidFill>
-                  <a:srgbClr val="0070C0"/>
-                </a:solidFill>
-                <a:latin typeface="Lato-Regular"/>
-              </a:rPr>
-              <a:t>Incluir </a:t>
-            </a:r>
-            <a:r>
-              <a:rPr lang="es-CR" dirty="0" err="1" smtClean="0">
-                <a:solidFill>
-                  <a:srgbClr val="0070C0"/>
-                </a:solidFill>
-                <a:latin typeface="Lato-Regular"/>
-              </a:rPr>
-              <a:t>alt</a:t>
-            </a:r>
-            <a:r>
-              <a:rPr lang="es-CR" dirty="0" smtClean="0">
-                <a:solidFill>
-                  <a:srgbClr val="0070C0"/>
-                </a:solidFill>
-                <a:latin typeface="Lato-Regular"/>
-              </a:rPr>
-              <a:t> o title para indicar que están deshabilitadas</a:t>
-            </a:r>
-            <a:endParaRPr lang="es-CR" dirty="0">
-              <a:solidFill>
-                <a:srgbClr val="0070C0"/>
-              </a:solidFill>
-              <a:latin typeface="Lato-Regular"/>
-            </a:endParaRPr>
-          </a:p>
-        </p:txBody>
-      </p:sp>
-    </p:spTree>
-    <p:extLst>
-      <p:ext uri="{BB962C8B-B14F-4D97-AF65-F5344CB8AC3E}">
-        <p14:creationId xmlns:p14="http://schemas.microsoft.com/office/powerpoint/2010/main" val="2847048332"/>
       </p:ext>
     </p:extLst>
   </p:cSld>
@@ -5848,15 +6010,16 @@
           </p:cNvPicPr>
           <p:nvPr/>
         </p:nvPicPr>
-        <p:blipFill rotWithShape="1">
+        <p:blipFill>
           <a:blip r:embed="rId2"/>
-          <a:srcRect t="697" b="1410"/>
-          <a:stretch/>
+          <a:stretch>
+            <a:fillRect/>
+          </a:stretch>
         </p:blipFill>
         <p:spPr>
           <a:xfrm>
-            <a:off x="386495" y="539262"/>
-            <a:ext cx="11419009" cy="5521569"/>
+            <a:off x="881062" y="333375"/>
+            <a:ext cx="10429875" cy="6191250"/>
           </a:xfrm>
           <a:prstGeom prst="rect">
             <a:avLst/>
@@ -5871,7 +6034,7 @@
         </p:nvSpPr>
         <p:spPr>
           <a:xfrm>
-            <a:off x="620952" y="6084277"/>
+            <a:off x="4384060" y="6069611"/>
             <a:ext cx="4316570" cy="584775"/>
           </a:xfrm>
           <a:prstGeom prst="rect">
@@ -5909,7 +6072,7 @@
         </p:nvSpPr>
         <p:spPr>
           <a:xfrm>
-            <a:off x="1779430" y="515816"/>
+            <a:off x="2225775" y="333375"/>
             <a:ext cx="4316570" cy="276999"/>
           </a:xfrm>
           <a:prstGeom prst="rect">
@@ -6011,8 +6174,8 @@
         </p:nvSpPr>
         <p:spPr>
           <a:xfrm>
-            <a:off x="5568827" y="1021352"/>
-            <a:ext cx="6096000" cy="5632311"/>
+            <a:off x="6787661" y="1800725"/>
+            <a:ext cx="4935416" cy="3693319"/>
           </a:xfrm>
           <a:prstGeom prst="rect">
             <a:avLst/>
@@ -6033,7 +6196,7 @@
           </a:fontRef>
         </p:style>
         <p:txBody>
-          <a:bodyPr>
+          <a:bodyPr wrap="square">
             <a:spAutoFit/>
           </a:bodyPr>
           <a:lstStyle/>
@@ -6042,7 +6205,15 @@
               <a:rPr lang="es-CR" dirty="0">
                 <a:latin typeface="Lato-Regular"/>
               </a:rPr>
-              <a:t>Pauta 2.4: Navegación: Al ingresar a la página el foco se pierde</a:t>
+              <a:t>Pauta 2.4: Navegación: El foco al entrar a la página se ubica a la mitad del párrafo de la</a:t>
+            </a:r>
+          </a:p>
+          <a:p>
+            <a:r>
+              <a:rPr lang="es-CR" dirty="0">
+                <a:latin typeface="Lato-Regular"/>
+              </a:rPr>
+              <a:t>descripción y no al inicio de la página</a:t>
             </a:r>
             <a:r>
               <a:rPr lang="es-CR" dirty="0" smtClean="0">
@@ -6051,13 +6222,22 @@
               <a:t>. </a:t>
             </a:r>
             <a:r>
+              <a:rPr lang="es-CR" dirty="0" smtClean="0">
+                <a:solidFill>
+                  <a:srgbClr val="0070C0"/>
+                </a:solidFill>
+                <a:latin typeface="Lato-Regular"/>
+              </a:rPr>
+              <a:t>Usar secciones </a:t>
+            </a:r>
+            <a:r>
               <a:rPr lang="es-CR" dirty="0">
                 <a:solidFill>
                   <a:srgbClr val="0070C0"/>
                 </a:solidFill>
                 <a:latin typeface="Lato-Regular"/>
               </a:rPr>
-              <a:t>Usar secciones y </a:t>
+              <a:t>y </a:t>
             </a:r>
             <a:r>
               <a:rPr lang="es-CR" dirty="0" err="1">
@@ -6078,7 +6258,7 @@
               <a:t>="</a:t>
             </a:r>
             <a:r>
-              <a:rPr lang="es-CR" dirty="0" err="1">
+              <a:rPr lang="es-CR" dirty="0" err="1" smtClean="0">
                 <a:solidFill>
                   <a:srgbClr val="0070C0"/>
                 </a:solidFill>
@@ -6087,7 +6267,7 @@
               <a:t>nav-item</a:t>
             </a:r>
             <a:r>
-              <a:rPr lang="es-CR" dirty="0">
+              <a:rPr lang="es-CR" dirty="0" smtClean="0">
                 <a:solidFill>
                   <a:srgbClr val="0070C0"/>
                 </a:solidFill>
@@ -6104,81 +6284,104 @@
               </a:rPr>
               <a:t>bootstrap</a:t>
             </a:r>
-            <a:r>
-              <a:rPr lang="es-CR" dirty="0">
-                <a:solidFill>
-                  <a:srgbClr val="0070C0"/>
-                </a:solidFill>
-                <a:latin typeface="Lato-Regular"/>
-              </a:rPr>
-              <a:t> y </a:t>
-            </a:r>
-            <a:r>
-              <a:rPr lang="es-CR" dirty="0" err="1">
-                <a:solidFill>
-                  <a:srgbClr val="0070C0"/>
-                </a:solidFill>
-                <a:latin typeface="Lato-Regular"/>
-              </a:rPr>
-              <a:t>focus</a:t>
-            </a:r>
-            <a:r>
-              <a:rPr lang="es-CR" dirty="0" smtClean="0">
-                <a:solidFill>
-                  <a:srgbClr val="0070C0"/>
-                </a:solidFill>
-                <a:latin typeface="Lato-Regular"/>
-              </a:rPr>
-              <a:t>()de </a:t>
-            </a:r>
-            <a:r>
-              <a:rPr lang="es-CR" dirty="0" err="1" smtClean="0">
-                <a:solidFill>
-                  <a:srgbClr val="0070C0"/>
-                </a:solidFill>
-                <a:latin typeface="Lato-Regular"/>
-              </a:rPr>
-              <a:t>js</a:t>
-            </a:r>
-            <a:endParaRPr lang="es-CR" dirty="0">
+            <a:endParaRPr lang="es-CR" dirty="0" smtClean="0">
+              <a:solidFill>
+                <a:srgbClr val="0070C0"/>
+              </a:solidFill>
               <a:latin typeface="Lato-Regular"/>
             </a:endParaRPr>
           </a:p>
           <a:p>
             <a:r>
+              <a:rPr lang="es-CR" dirty="0" smtClean="0">
+                <a:latin typeface="Lato-Regular"/>
+              </a:rPr>
+              <a:t>2</a:t>
+            </a:r>
+            <a:r>
               <a:rPr lang="es-CR" dirty="0">
                 <a:latin typeface="Lato-Regular"/>
               </a:rPr>
-              <a:t>2. Pauta 1.4: Distinguible: El uso del color no es accesible</a:t>
+              <a:t>. Pauta 2.4: Navegación y Pauta 3.1: Legible: Tiene espacios en blanco entre las últimas dos</a:t>
+            </a:r>
+          </a:p>
+          <a:p>
+            <a:r>
+              <a:rPr lang="es-CR" dirty="0">
+                <a:latin typeface="Lato-Regular"/>
+              </a:rPr>
+              <a:t>opciones que confunden la navegación con el lector de pantalla</a:t>
             </a:r>
             <a:r>
               <a:rPr lang="es-CR" dirty="0" smtClean="0">
                 <a:latin typeface="Lato-Regular"/>
               </a:rPr>
+              <a:t>.</a:t>
+            </a:r>
+            <a:r>
+              <a:rPr lang="es-CR" dirty="0">
+                <a:solidFill>
+                  <a:srgbClr val="0070C0"/>
+                </a:solidFill>
+                <a:latin typeface="Lato-Regular"/>
+              </a:rPr>
+              <a:t> </a:t>
+            </a:r>
+            <a:r>
+              <a:rPr lang="es-CR" dirty="0" smtClean="0">
+                <a:solidFill>
+                  <a:srgbClr val="0070C0"/>
+                </a:solidFill>
+                <a:latin typeface="Lato-Regular"/>
+              </a:rPr>
+              <a:t>Revisa orden de los div</a:t>
+            </a:r>
+            <a:endParaRPr lang="es-CR" dirty="0">
+              <a:latin typeface="Calibri" panose="020F0502020204030204" pitchFamily="34" charset="0"/>
+            </a:endParaRPr>
+          </a:p>
+          <a:p>
+            <a:r>
+              <a:rPr lang="es-CR" dirty="0">
+                <a:latin typeface="Lato-Regular"/>
+              </a:rPr>
+              <a:t>3. Pauta 2.4: Navegación y Pauta 3.1: Legible: Tiene varias opciones deshabilitadas que no </a:t>
+            </a:r>
+            <a:r>
+              <a:rPr lang="es-CR" dirty="0" smtClean="0">
+                <a:latin typeface="Lato-Regular"/>
+              </a:rPr>
+              <a:t>se anuncian </a:t>
+            </a:r>
+            <a:r>
+              <a:rPr lang="es-CR" dirty="0">
+                <a:latin typeface="Lato-Regular"/>
+              </a:rPr>
+              <a:t>que están deshabilitadas al lector de pantallas</a:t>
+            </a:r>
+            <a:r>
+              <a:rPr lang="es-CR" dirty="0" smtClean="0">
+                <a:latin typeface="Lato-Regular"/>
+              </a:rPr>
               <a:t>. </a:t>
             </a:r>
             <a:r>
-              <a:rPr lang="es-CR" dirty="0">
-                <a:solidFill>
-                  <a:srgbClr val="0070C0"/>
-                </a:solidFill>
-                <a:latin typeface="Lato-Regular"/>
-              </a:rPr>
-              <a:t>Corresponde a diseño</a:t>
-            </a:r>
-          </a:p>
-          <a:p>
-            <a:r>
-              <a:rPr lang="es-CR" dirty="0">
-                <a:latin typeface="Lato-Regular"/>
-              </a:rPr>
-              <a:t>3. Pauta 3.1: Legible: Tiene espacios en blanco entre los elementos</a:t>
-            </a:r>
-            <a:r>
               <a:rPr lang="es-CR" dirty="0" smtClean="0">
-                <a:latin typeface="Lato-Regular"/>
-              </a:rPr>
-              <a:t>. </a:t>
+                <a:solidFill>
+                  <a:srgbClr val="0070C0"/>
+                </a:solidFill>
+                <a:latin typeface="Lato-Regular"/>
+              </a:rPr>
+              <a:t>Incluir </a:t>
+            </a:r>
+            <a:r>
+              <a:rPr lang="es-CR" dirty="0" err="1" smtClean="0">
+                <a:solidFill>
+                  <a:srgbClr val="0070C0"/>
+                </a:solidFill>
+                <a:latin typeface="Lato-Regular"/>
+              </a:rPr>
+              <a:t>alt</a:t>
             </a:r>
             <a:r>
               <a:rPr lang="es-CR" dirty="0" smtClean="0">
@@ -6187,346 +6390,13 @@
                 </a:solidFill>
                 <a:latin typeface="Lato-Regular"/>
               </a:rPr>
-              <a:t>Revisar si hay </a:t>
-            </a:r>
-            <a:r>
-              <a:rPr lang="es-CR" dirty="0" err="1" smtClean="0">
-                <a:solidFill>
-                  <a:srgbClr val="0070C0"/>
-                </a:solidFill>
-                <a:latin typeface="Lato-Regular"/>
-              </a:rPr>
-              <a:t>divs</a:t>
-            </a:r>
-            <a:r>
-              <a:rPr lang="es-CR" dirty="0" smtClean="0">
-                <a:solidFill>
-                  <a:srgbClr val="0070C0"/>
-                </a:solidFill>
-                <a:latin typeface="Lato-Regular"/>
-              </a:rPr>
-              <a:t> vacíos</a:t>
+              <a:t> o title para indicar que están deshabilitadas</a:t>
             </a:r>
             <a:endParaRPr lang="es-CR" dirty="0">
+              <a:solidFill>
+                <a:srgbClr val="0070C0"/>
+              </a:solidFill>
               <a:latin typeface="Lato-Regular"/>
-            </a:endParaRPr>
-          </a:p>
-          <a:p>
-            <a:r>
-              <a:rPr lang="es-CR" dirty="0">
-                <a:latin typeface="Lato-Regular"/>
-              </a:rPr>
-              <a:t>4. Pauta 2.4: Navegación: El botón que el lector percibe como “referenciar colegios </a:t>
-            </a:r>
-            <a:r>
-              <a:rPr lang="es-CR" dirty="0" err="1">
-                <a:latin typeface="Lato-Regular"/>
-              </a:rPr>
-              <a:t>gespro</a:t>
-            </a:r>
-            <a:r>
-              <a:rPr lang="es-CR" dirty="0" smtClean="0">
-                <a:latin typeface="Lato-Regular"/>
-              </a:rPr>
-              <a:t>”, no </a:t>
-            </a:r>
-            <a:r>
-              <a:rPr lang="es-CR" dirty="0">
-                <a:latin typeface="Lato-Regular"/>
-              </a:rPr>
-              <a:t>lleva a ninguna parte. Dice página en progreso</a:t>
-            </a:r>
-            <a:r>
-              <a:rPr lang="es-CR" dirty="0" smtClean="0">
-                <a:latin typeface="Lato-Regular"/>
-              </a:rPr>
-              <a:t>. </a:t>
-            </a:r>
-            <a:r>
-              <a:rPr lang="es-CR" dirty="0" smtClean="0">
-                <a:solidFill>
-                  <a:srgbClr val="0070C0"/>
-                </a:solidFill>
-                <a:latin typeface="Lato-Regular"/>
-              </a:rPr>
-              <a:t>No lo ubiqué</a:t>
-            </a:r>
-            <a:endParaRPr lang="es-CR" dirty="0">
-              <a:latin typeface="Lato-Regular"/>
-            </a:endParaRPr>
-          </a:p>
-          <a:p>
-            <a:r>
-              <a:rPr lang="es-CR" dirty="0">
-                <a:latin typeface="Lato-Regular"/>
-              </a:rPr>
-              <a:t>5. Pauta 2.4: Navegación: El botón o enlace que lleva a la página “El Proyecto </a:t>
-            </a:r>
-            <a:r>
-              <a:rPr lang="es-CR" dirty="0" smtClean="0">
-                <a:latin typeface="Lato-Regular"/>
-              </a:rPr>
-              <a:t>Conectándonos MEP-FQT</a:t>
-            </a:r>
-            <a:r>
-              <a:rPr lang="es-CR" dirty="0">
-                <a:latin typeface="Lato-Regular"/>
-              </a:rPr>
-              <a:t>” no esta debidamente etiquetado y no avisa que será </a:t>
-            </a:r>
-            <a:r>
-              <a:rPr lang="es-CR" dirty="0" err="1">
-                <a:latin typeface="Lato-Regular"/>
-              </a:rPr>
-              <a:t>redireccionado</a:t>
-            </a:r>
-            <a:r>
-              <a:rPr lang="es-CR" dirty="0">
-                <a:latin typeface="Lato-Regular"/>
-              </a:rPr>
-              <a:t> a </a:t>
-            </a:r>
-            <a:r>
-              <a:rPr lang="es-CR" dirty="0" smtClean="0">
-                <a:latin typeface="Lato-Regular"/>
-              </a:rPr>
-              <a:t>dicha página. </a:t>
-            </a:r>
-            <a:r>
-              <a:rPr lang="es-CR" dirty="0" smtClean="0">
-                <a:solidFill>
-                  <a:srgbClr val="0070C0"/>
-                </a:solidFill>
-                <a:latin typeface="Lato-Regular"/>
-              </a:rPr>
-              <a:t>Colocar </a:t>
-            </a:r>
-            <a:r>
-              <a:rPr lang="es-CR" dirty="0" err="1" smtClean="0">
-                <a:solidFill>
-                  <a:srgbClr val="0070C0"/>
-                </a:solidFill>
-                <a:latin typeface="Lato-Regular"/>
-              </a:rPr>
-              <a:t>Alt</a:t>
-            </a:r>
-            <a:r>
-              <a:rPr lang="es-CR" dirty="0" smtClean="0">
-                <a:solidFill>
-                  <a:srgbClr val="0070C0"/>
-                </a:solidFill>
-                <a:latin typeface="Lato-Regular"/>
-              </a:rPr>
-              <a:t> o title. </a:t>
-            </a:r>
-            <a:r>
-              <a:rPr lang="es-CR" dirty="0" err="1" smtClean="0">
-                <a:solidFill>
-                  <a:srgbClr val="0070C0"/>
-                </a:solidFill>
-                <a:latin typeface="Lato-Regular"/>
-              </a:rPr>
-              <a:t>Ej</a:t>
-            </a:r>
-            <a:r>
-              <a:rPr lang="es-CR" dirty="0">
-                <a:solidFill>
-                  <a:srgbClr val="0070C0"/>
-                </a:solidFill>
-                <a:latin typeface="Lato-Regular"/>
-              </a:rPr>
-              <a:t>: &lt;a </a:t>
-            </a:r>
-            <a:r>
-              <a:rPr lang="es-CR" dirty="0" err="1">
-                <a:solidFill>
-                  <a:srgbClr val="0070C0"/>
-                </a:solidFill>
-                <a:latin typeface="Lato-Regular"/>
-              </a:rPr>
-              <a:t>href</a:t>
-            </a:r>
-            <a:r>
-              <a:rPr lang="es-CR" dirty="0">
-                <a:solidFill>
-                  <a:srgbClr val="0070C0"/>
-                </a:solidFill>
-                <a:latin typeface="Lato-Regular"/>
-              </a:rPr>
-              <a:t>=“new1.htm” title=“Leer más sobre ‘Título noticia’”&gt; Leer más &lt;/a&gt;</a:t>
-            </a:r>
-            <a:endParaRPr lang="es-CR" dirty="0">
-              <a:latin typeface="Lato-Regular"/>
-            </a:endParaRPr>
-          </a:p>
-          <a:p>
-            <a:r>
-              <a:rPr lang="es-CR" dirty="0">
-                <a:latin typeface="Lato-Regular"/>
-              </a:rPr>
-              <a:t>6. Pauta 1.3: Adaptable: Todas las opciones están mal etiquetadas, gráfico </a:t>
-            </a:r>
-            <a:r>
-              <a:rPr lang="es-CR" dirty="0" err="1">
-                <a:latin typeface="Lato-Regular"/>
-              </a:rPr>
-              <a:t>clickable</a:t>
-            </a:r>
-            <a:r>
-              <a:rPr lang="es-CR" dirty="0">
-                <a:latin typeface="Lato-Regular"/>
-              </a:rPr>
-              <a:t>, no </a:t>
-            </a:r>
-            <a:r>
-              <a:rPr lang="es-CR" dirty="0" smtClean="0">
-                <a:latin typeface="Lato-Regular"/>
-              </a:rPr>
-              <a:t>es una </a:t>
-            </a:r>
-            <a:r>
-              <a:rPr lang="es-CR" dirty="0">
-                <a:latin typeface="Lato-Regular"/>
-              </a:rPr>
-              <a:t>etiqueta correcta para identificar elementos de interacción</a:t>
-            </a:r>
-            <a:r>
-              <a:rPr lang="es-CR" dirty="0" smtClean="0">
-                <a:latin typeface="Lato-Regular"/>
-              </a:rPr>
-              <a:t>. </a:t>
-            </a:r>
-            <a:r>
-              <a:rPr lang="es-CR" dirty="0">
-                <a:solidFill>
-                  <a:srgbClr val="0070C0"/>
-                </a:solidFill>
-                <a:latin typeface="Lato-Regular"/>
-              </a:rPr>
-              <a:t>Cambiar por las etiquetas correctas </a:t>
-            </a:r>
-          </a:p>
-        </p:txBody>
-      </p:sp>
-      <p:sp>
-        <p:nvSpPr>
-          <p:cNvPr id="6" name="Rectangle 1"/>
-          <p:cNvSpPr>
-            <a:spLocks noChangeArrowheads="1"/>
-          </p:cNvSpPr>
-          <p:nvPr/>
-        </p:nvSpPr>
-        <p:spPr bwMode="auto">
-          <a:xfrm>
-            <a:off x="0" y="0"/>
-            <a:ext cx="12192000" cy="457200"/>
-          </a:xfrm>
-          <a:prstGeom prst="rect">
-            <a:avLst/>
-          </a:prstGeom>
-          <a:solidFill>
-            <a:srgbClr val="EEEEEE"/>
-          </a:solidFill>
-          <a:ln>
-            <a:noFill/>
-          </a:ln>
-          <a:effectLst/>
-          <a:extLst>
-            <a:ext uri="{91240B29-F687-4F45-9708-019B960494DF}">
-              <a14:hiddenLine xmlns:a14="http://schemas.microsoft.com/office/drawing/2010/main" w="9525">
-                <a:solidFill>
-                  <a:schemeClr val="tx1"/>
-                </a:solidFill>
-                <a:miter lim="800000"/>
-                <a:headEnd/>
-                <a:tailEnd/>
-              </a14:hiddenLine>
-            </a:ext>
-            <a:ext uri="{AF507438-7753-43E0-B8FC-AC1667EBCBE1}">
-              <a14:hiddenEffects xmlns:a14="http://schemas.microsoft.com/office/drawing/2010/main">
-                <a:effectLst>
-                  <a:outerShdw dist="35921" dir="2700000" algn="ctr" rotWithShape="0">
-                    <a:schemeClr val="bg2"/>
-                  </a:outerShdw>
-                </a:effectLst>
-              </a14:hiddenEffects>
-            </a:ext>
-          </a:extLst>
-        </p:spPr>
-        <p:txBody>
-          <a:bodyPr vert="horz" wrap="none" lIns="0" tIns="0" rIns="0" bIns="0" numCol="1" anchor="ctr" anchorCtr="0" compatLnSpc="1">
-            <a:prstTxWarp prst="textNoShape">
-              <a:avLst/>
-            </a:prstTxWarp>
-            <a:spAutoFit/>
-          </a:bodyPr>
-          <a:lstStyle/>
-          <a:p>
-            <a:pPr marL="0" marR="0" lvl="0" indent="0" algn="l" defTabSz="914400" rtl="0" eaLnBrk="0" fontAlgn="base" latinLnBrk="0" hangingPunct="0">
-              <a:lnSpc>
-                <a:spcPct val="100000"/>
-              </a:lnSpc>
-              <a:spcBef>
-                <a:spcPct val="0"/>
-              </a:spcBef>
-              <a:spcAft>
-                <a:spcPct val="0"/>
-              </a:spcAft>
-              <a:buClrTx/>
-              <a:buSzTx/>
-              <a:buFontTx/>
-              <a:buNone/>
-              <a:tabLst/>
-            </a:pPr>
-            <a:r>
-              <a:rPr kumimoji="0" lang="es-CR" altLang="es-CR" sz="1000" b="0" i="0" u="none" strike="noStrike" cap="none" normalizeH="0" baseline="0" smtClean="0">
-                <a:ln>
-                  <a:noFill/>
-                </a:ln>
-                <a:solidFill>
-                  <a:srgbClr val="DD4A68"/>
-                </a:solidFill>
-                <a:effectLst/>
-                <a:latin typeface="Consolas" panose="020B0609020204030204" pitchFamily="49" charset="0"/>
-                <a:cs typeface="Consolas" panose="020B0609020204030204" pitchFamily="49" charset="0"/>
-              </a:rPr>
-              <a:t>focus</a:t>
-            </a:r>
-            <a:r>
-              <a:rPr kumimoji="0" lang="es-CR" altLang="es-CR" sz="1000" b="0" i="0" u="none" strike="noStrike" cap="none" normalizeH="0" baseline="0" smtClean="0">
-                <a:ln>
-                  <a:noFill/>
-                </a:ln>
-                <a:solidFill>
-                  <a:srgbClr val="999999"/>
-                </a:solidFill>
-                <a:effectLst/>
-                <a:latin typeface="Consolas" panose="020B0609020204030204" pitchFamily="49" charset="0"/>
-                <a:cs typeface="Consolas" panose="020B0609020204030204" pitchFamily="49" charset="0"/>
-              </a:rPr>
-              <a:t>()</a:t>
-            </a:r>
-            <a:r>
-              <a:rPr kumimoji="0" lang="es-CR" altLang="es-CR" sz="1100" b="0" i="0" u="none" strike="noStrike" cap="none" normalizeH="0" baseline="0" smtClean="0">
-                <a:ln>
-                  <a:noFill/>
-                </a:ln>
-                <a:solidFill>
-                  <a:schemeClr val="tx1"/>
-                </a:solidFill>
-                <a:effectLst/>
-              </a:rPr>
-              <a:t> </a:t>
-            </a:r>
-            <a:endParaRPr kumimoji="0" lang="es-CR" altLang="es-CR" sz="1800" b="0" i="0" u="none" strike="noStrike" cap="none" normalizeH="0" baseline="0" smtClean="0">
-              <a:ln>
-                <a:noFill/>
-              </a:ln>
-              <a:solidFill>
-                <a:schemeClr val="tx1"/>
-              </a:solidFill>
-              <a:effectLst/>
-              <a:latin typeface="Arial" panose="020B0604020202020204" pitchFamily="34" charset="0"/>
             </a:endParaRPr>
           </a:p>
         </p:txBody>
@@ -6534,7 +6404,7 @@
     </p:spTree>
     <p:extLst>
       <p:ext uri="{BB962C8B-B14F-4D97-AF65-F5344CB8AC3E}">
-        <p14:creationId xmlns:p14="http://schemas.microsoft.com/office/powerpoint/2010/main" val="3782246093"/>
+        <p14:creationId xmlns:p14="http://schemas.microsoft.com/office/powerpoint/2010/main" val="2847048332"/>
       </p:ext>
     </p:extLst>
   </p:cSld>
@@ -6578,13 +6448,13 @@
         </p:nvPicPr>
         <p:blipFill rotWithShape="1">
           <a:blip r:embed="rId2"/>
-          <a:srcRect t="1655"/>
+          <a:srcRect t="697" b="1410"/>
           <a:stretch/>
         </p:blipFill>
         <p:spPr>
           <a:xfrm>
-            <a:off x="299854" y="820614"/>
-            <a:ext cx="11592291" cy="5306047"/>
+            <a:off x="386495" y="539262"/>
+            <a:ext cx="11419009" cy="5521569"/>
           </a:xfrm>
           <a:prstGeom prst="rect">
             <a:avLst/>
@@ -6599,7 +6469,7 @@
         </p:nvSpPr>
         <p:spPr>
           <a:xfrm>
-            <a:off x="386490" y="5130200"/>
+            <a:off x="620952" y="6084277"/>
             <a:ext cx="4316570" cy="584775"/>
           </a:xfrm>
           <a:prstGeom prst="rect">
@@ -6637,7 +6507,7 @@
         </p:nvSpPr>
         <p:spPr>
           <a:xfrm>
-            <a:off x="1623732" y="682114"/>
+            <a:off x="1779430" y="515816"/>
             <a:ext cx="4316570" cy="276999"/>
           </a:xfrm>
           <a:prstGeom prst="rect">
@@ -6739,8 +6609,8 @@
         </p:nvSpPr>
         <p:spPr>
           <a:xfrm>
-            <a:off x="4796845" y="353070"/>
-            <a:ext cx="6096000" cy="1384995"/>
+            <a:off x="5568827" y="1021352"/>
+            <a:ext cx="6096000" cy="5632311"/>
           </a:xfrm>
           <a:prstGeom prst="rect">
             <a:avLst/>
@@ -6767,19 +6637,19 @@
           <a:lstStyle/>
           <a:p>
             <a:r>
-              <a:rPr lang="es-CR" sz="1400" dirty="0">
-                <a:latin typeface="Lato-Regular"/>
-              </a:rPr>
-              <a:t>1. Pauta 2.4: Navegación y 3.2: Previsible: Al ingresar el foco se pone a la mitad de </a:t>
-            </a:r>
-            <a:r>
-              <a:rPr lang="es-CR" sz="1400" dirty="0" smtClean="0">
-                <a:latin typeface="Lato-Regular"/>
-              </a:rPr>
-              <a:t>la descripción. </a:t>
-            </a:r>
-            <a:r>
-              <a:rPr lang="es-CR" sz="1400" dirty="0">
+              <a:rPr lang="es-CR" dirty="0">
+                <a:latin typeface="Lato-Regular"/>
+              </a:rPr>
+              <a:t>Pauta 2.4: Navegación: Al ingresar a la página el foco se pierde</a:t>
+            </a:r>
+            <a:r>
+              <a:rPr lang="es-CR" dirty="0" smtClean="0">
+                <a:latin typeface="Lato-Regular"/>
+              </a:rPr>
+              <a:t>. </a:t>
+            </a:r>
+            <a:r>
+              <a:rPr lang="es-CR" dirty="0">
                 <a:solidFill>
                   <a:srgbClr val="0070C0"/>
                 </a:solidFill>
@@ -6788,7 +6658,7 @@
               <a:t>Usar secciones y </a:t>
             </a:r>
             <a:r>
-              <a:rPr lang="es-CR" sz="1400" dirty="0" err="1">
+              <a:rPr lang="es-CR" dirty="0" err="1">
                 <a:solidFill>
                   <a:srgbClr val="0070C0"/>
                 </a:solidFill>
@@ -6797,7 +6667,7 @@
               <a:t>class</a:t>
             </a:r>
             <a:r>
-              <a:rPr lang="es-CR" sz="1400" dirty="0">
+              <a:rPr lang="es-CR" dirty="0">
                 <a:solidFill>
                   <a:srgbClr val="0070C0"/>
                 </a:solidFill>
@@ -6806,7 +6676,7 @@
               <a:t>="</a:t>
             </a:r>
             <a:r>
-              <a:rPr lang="es-CR" sz="1400" dirty="0" err="1">
+              <a:rPr lang="es-CR" dirty="0" err="1">
                 <a:solidFill>
                   <a:srgbClr val="0070C0"/>
                 </a:solidFill>
@@ -6815,7 +6685,7 @@
               <a:t>nav-item</a:t>
             </a:r>
             <a:r>
-              <a:rPr lang="es-CR" sz="1400" dirty="0">
+              <a:rPr lang="es-CR" dirty="0">
                 <a:solidFill>
                   <a:srgbClr val="0070C0"/>
                 </a:solidFill>
@@ -6824,7 +6694,7 @@
               <a:t>“ de </a:t>
             </a:r>
             <a:r>
-              <a:rPr lang="es-CR" sz="1400" dirty="0" err="1">
+              <a:rPr lang="es-CR" dirty="0" err="1" smtClean="0">
                 <a:solidFill>
                   <a:srgbClr val="0070C0"/>
                 </a:solidFill>
@@ -6833,7 +6703,7 @@
               <a:t>bootstrap</a:t>
             </a:r>
             <a:r>
-              <a:rPr lang="es-CR" sz="1400" dirty="0">
+              <a:rPr lang="es-CR" dirty="0">
                 <a:solidFill>
                   <a:srgbClr val="0070C0"/>
                 </a:solidFill>
@@ -6842,7 +6712,7 @@
               <a:t> y </a:t>
             </a:r>
             <a:r>
-              <a:rPr lang="es-CR" sz="1400" dirty="0" err="1">
+              <a:rPr lang="es-CR" dirty="0" err="1">
                 <a:solidFill>
                   <a:srgbClr val="0070C0"/>
                 </a:solidFill>
@@ -6851,7 +6721,7 @@
               <a:t>focus</a:t>
             </a:r>
             <a:r>
-              <a:rPr lang="es-CR" sz="1400" dirty="0">
+              <a:rPr lang="es-CR" dirty="0" smtClean="0">
                 <a:solidFill>
                   <a:srgbClr val="0070C0"/>
                 </a:solidFill>
@@ -6860,7 +6730,7 @@
               <a:t>()de </a:t>
             </a:r>
             <a:r>
-              <a:rPr lang="es-CR" sz="1400" dirty="0" err="1">
+              <a:rPr lang="es-CR" dirty="0" err="1" smtClean="0">
                 <a:solidFill>
                   <a:srgbClr val="0070C0"/>
                 </a:solidFill>
@@ -6868,49 +6738,264 @@
               </a:rPr>
               <a:t>js</a:t>
             </a:r>
-            <a:endParaRPr lang="es-CR" sz="1400" dirty="0">
+            <a:endParaRPr lang="es-CR" dirty="0">
               <a:latin typeface="Lato-Regular"/>
             </a:endParaRPr>
           </a:p>
           <a:p>
             <a:r>
-              <a:rPr lang="es-CR" sz="1400" dirty="0" smtClean="0">
-                <a:latin typeface="Lato-Regular"/>
-              </a:rPr>
-              <a:t>2</a:t>
-            </a:r>
-            <a:r>
-              <a:rPr lang="es-CR" sz="1400" dirty="0">
-                <a:latin typeface="Lato-Regular"/>
-              </a:rPr>
-              <a:t>. Pauta 1.1: Texto alternativo: Todas las opciones están mal etiquetadas, gráfico </a:t>
-            </a:r>
-            <a:r>
-              <a:rPr lang="es-CR" sz="1400" dirty="0" err="1" smtClean="0">
+              <a:rPr lang="es-CR" dirty="0">
+                <a:latin typeface="Lato-Regular"/>
+              </a:rPr>
+              <a:t>2. Pauta 1.4: Distinguible: El uso del color no es accesible</a:t>
+            </a:r>
+            <a:r>
+              <a:rPr lang="es-CR" dirty="0" smtClean="0">
+                <a:latin typeface="Lato-Regular"/>
+              </a:rPr>
+              <a:t>. </a:t>
+            </a:r>
+            <a:r>
+              <a:rPr lang="es-CR" dirty="0">
+                <a:solidFill>
+                  <a:srgbClr val="0070C0"/>
+                </a:solidFill>
+                <a:latin typeface="Lato-Regular"/>
+              </a:rPr>
+              <a:t>Corresponde a diseño</a:t>
+            </a:r>
+          </a:p>
+          <a:p>
+            <a:r>
+              <a:rPr lang="es-CR" dirty="0">
+                <a:latin typeface="Lato-Regular"/>
+              </a:rPr>
+              <a:t>3. Pauta 3.1: Legible: Tiene espacios en blanco entre los elementos</a:t>
+            </a:r>
+            <a:r>
+              <a:rPr lang="es-CR" dirty="0" smtClean="0">
+                <a:latin typeface="Lato-Regular"/>
+              </a:rPr>
+              <a:t>. </a:t>
+            </a:r>
+            <a:r>
+              <a:rPr lang="es-CR" dirty="0" smtClean="0">
+                <a:solidFill>
+                  <a:srgbClr val="0070C0"/>
+                </a:solidFill>
+                <a:latin typeface="Lato-Regular"/>
+              </a:rPr>
+              <a:t>Revisar si hay </a:t>
+            </a:r>
+            <a:r>
+              <a:rPr lang="es-CR" dirty="0" err="1" smtClean="0">
+                <a:solidFill>
+                  <a:srgbClr val="0070C0"/>
+                </a:solidFill>
+                <a:latin typeface="Lato-Regular"/>
+              </a:rPr>
+              <a:t>divs</a:t>
+            </a:r>
+            <a:r>
+              <a:rPr lang="es-CR" dirty="0" smtClean="0">
+                <a:solidFill>
+                  <a:srgbClr val="0070C0"/>
+                </a:solidFill>
+                <a:latin typeface="Lato-Regular"/>
+              </a:rPr>
+              <a:t> vacíos</a:t>
+            </a:r>
+            <a:endParaRPr lang="es-CR" dirty="0">
+              <a:latin typeface="Lato-Regular"/>
+            </a:endParaRPr>
+          </a:p>
+          <a:p>
+            <a:r>
+              <a:rPr lang="es-CR" dirty="0">
+                <a:latin typeface="Lato-Regular"/>
+              </a:rPr>
+              <a:t>4. Pauta 2.4: Navegación: El botón que el lector percibe como “referenciar colegios </a:t>
+            </a:r>
+            <a:r>
+              <a:rPr lang="es-CR" dirty="0" err="1">
+                <a:latin typeface="Lato-Regular"/>
+              </a:rPr>
+              <a:t>gespro</a:t>
+            </a:r>
+            <a:r>
+              <a:rPr lang="es-CR" dirty="0" smtClean="0">
+                <a:latin typeface="Lato-Regular"/>
+              </a:rPr>
+              <a:t>”, no </a:t>
+            </a:r>
+            <a:r>
+              <a:rPr lang="es-CR" dirty="0">
+                <a:latin typeface="Lato-Regular"/>
+              </a:rPr>
+              <a:t>lleva a ninguna parte. Dice página en progreso</a:t>
+            </a:r>
+            <a:r>
+              <a:rPr lang="es-CR" dirty="0" smtClean="0">
+                <a:latin typeface="Lato-Regular"/>
+              </a:rPr>
+              <a:t>. </a:t>
+            </a:r>
+            <a:r>
+              <a:rPr lang="es-CR" dirty="0" smtClean="0">
+                <a:solidFill>
+                  <a:srgbClr val="0070C0"/>
+                </a:solidFill>
+                <a:latin typeface="Lato-Regular"/>
+              </a:rPr>
+              <a:t>No lo ubiqué</a:t>
+            </a:r>
+            <a:endParaRPr lang="es-CR" dirty="0">
+              <a:latin typeface="Lato-Regular"/>
+            </a:endParaRPr>
+          </a:p>
+          <a:p>
+            <a:r>
+              <a:rPr lang="es-CR" dirty="0">
+                <a:latin typeface="Lato-Regular"/>
+              </a:rPr>
+              <a:t>5. Pauta 2.4: Navegación: El botón o enlace que lleva a la página “El Proyecto </a:t>
+            </a:r>
+            <a:r>
+              <a:rPr lang="es-CR" dirty="0" smtClean="0">
+                <a:latin typeface="Lato-Regular"/>
+              </a:rPr>
+              <a:t>Conectándonos MEP-FQT</a:t>
+            </a:r>
+            <a:r>
+              <a:rPr lang="es-CR" dirty="0">
+                <a:latin typeface="Lato-Regular"/>
+              </a:rPr>
+              <a:t>” no esta debidamente etiquetado y no avisa que será </a:t>
+            </a:r>
+            <a:r>
+              <a:rPr lang="es-CR" dirty="0" err="1">
+                <a:latin typeface="Lato-Regular"/>
+              </a:rPr>
+              <a:t>redireccionado</a:t>
+            </a:r>
+            <a:r>
+              <a:rPr lang="es-CR" dirty="0">
+                <a:latin typeface="Lato-Regular"/>
+              </a:rPr>
+              <a:t> a </a:t>
+            </a:r>
+            <a:r>
+              <a:rPr lang="es-CR" dirty="0" smtClean="0">
+                <a:latin typeface="Lato-Regular"/>
+              </a:rPr>
+              <a:t>dicha página. </a:t>
+            </a:r>
+            <a:r>
+              <a:rPr lang="es-CR" dirty="0" smtClean="0">
+                <a:solidFill>
+                  <a:srgbClr val="0070C0"/>
+                </a:solidFill>
+                <a:latin typeface="Lato-Regular"/>
+              </a:rPr>
+              <a:t>Colocar </a:t>
+            </a:r>
+            <a:r>
+              <a:rPr lang="es-CR" dirty="0" err="1" smtClean="0">
+                <a:solidFill>
+                  <a:srgbClr val="0070C0"/>
+                </a:solidFill>
+                <a:latin typeface="Lato-Regular"/>
+              </a:rPr>
+              <a:t>Alt</a:t>
+            </a:r>
+            <a:r>
+              <a:rPr lang="es-CR" dirty="0" smtClean="0">
+                <a:solidFill>
+                  <a:srgbClr val="0070C0"/>
+                </a:solidFill>
+                <a:latin typeface="Lato-Regular"/>
+              </a:rPr>
+              <a:t> o title. </a:t>
+            </a:r>
+            <a:r>
+              <a:rPr lang="es-CR" dirty="0" err="1" smtClean="0">
+                <a:solidFill>
+                  <a:srgbClr val="0070C0"/>
+                </a:solidFill>
+                <a:latin typeface="Lato-Regular"/>
+              </a:rPr>
+              <a:t>Ej</a:t>
+            </a:r>
+            <a:r>
+              <a:rPr lang="es-CR" dirty="0">
+                <a:solidFill>
+                  <a:srgbClr val="0070C0"/>
+                </a:solidFill>
+                <a:latin typeface="Lato-Regular"/>
+              </a:rPr>
+              <a:t>: &lt;a </a:t>
+            </a:r>
+            <a:r>
+              <a:rPr lang="es-CR" dirty="0" err="1">
+                <a:solidFill>
+                  <a:srgbClr val="0070C0"/>
+                </a:solidFill>
+                <a:latin typeface="Lato-Regular"/>
+              </a:rPr>
+              <a:t>href</a:t>
+            </a:r>
+            <a:r>
+              <a:rPr lang="es-CR" dirty="0">
+                <a:solidFill>
+                  <a:srgbClr val="0070C0"/>
+                </a:solidFill>
+                <a:latin typeface="Lato-Regular"/>
+              </a:rPr>
+              <a:t>=“new1.htm” title=“Leer más sobre ‘Título noticia’”&gt; Leer más &lt;/a&gt;</a:t>
+            </a:r>
+            <a:endParaRPr lang="es-CR" dirty="0">
+              <a:latin typeface="Lato-Regular"/>
+            </a:endParaRPr>
+          </a:p>
+          <a:p>
+            <a:r>
+              <a:rPr lang="es-CR" dirty="0">
+                <a:latin typeface="Lato-Regular"/>
+              </a:rPr>
+              <a:t>6. Pauta 1.3: Adaptable: Todas las opciones están mal etiquetadas, gráfico </a:t>
+            </a:r>
+            <a:r>
+              <a:rPr lang="es-CR" dirty="0" err="1">
                 <a:latin typeface="Lato-Regular"/>
               </a:rPr>
               <a:t>clickable</a:t>
             </a:r>
             <a:r>
-              <a:rPr lang="es-CR" sz="1400" dirty="0" smtClean="0">
+              <a:rPr lang="es-CR" dirty="0">
                 <a:latin typeface="Lato-Regular"/>
               </a:rPr>
               <a:t>, no </a:t>
             </a:r>
             <a:r>
-              <a:rPr lang="es-CR" sz="1400" dirty="0">
-                <a:latin typeface="Lato-Regular"/>
-              </a:rPr>
-              <a:t>es una etiqueta correcta para identificar elementos de interacción</a:t>
-            </a:r>
-            <a:r>
-              <a:rPr lang="es-CR" sz="1400" dirty="0" smtClean="0">
+              <a:rPr lang="es-CR" dirty="0" smtClean="0">
+                <a:latin typeface="Lato-Regular"/>
+              </a:rPr>
+              <a:t>es una </a:t>
+            </a:r>
+            <a:r>
+              <a:rPr lang="es-CR" dirty="0">
+                <a:latin typeface="Lato-Regular"/>
+              </a:rPr>
+              <a:t>etiqueta correcta para identificar elementos de interacción</a:t>
+            </a:r>
+            <a:r>
+              <a:rPr lang="es-CR" dirty="0" smtClean="0">
                 <a:latin typeface="Lato-Regular"/>
               </a:rPr>
               <a:t>. </a:t>
             </a:r>
             <a:r>
-              <a:rPr lang="es-CR" sz="1400" dirty="0">
+              <a:rPr lang="es-CR" dirty="0">
                 <a:solidFill>
                   <a:srgbClr val="0070C0"/>
                 </a:solidFill>
@@ -6918,13 +7003,136 @@
               </a:rPr>
               <a:t>Cambiar por las etiquetas correctas </a:t>
             </a:r>
+          </a:p>
+        </p:txBody>
+      </p:sp>
+      <p:sp>
+        <p:nvSpPr>
+          <p:cNvPr id="6" name="Rectangle 1"/>
+          <p:cNvSpPr>
+            <a:spLocks noChangeArrowheads="1"/>
+          </p:cNvSpPr>
+          <p:nvPr/>
+        </p:nvSpPr>
+        <p:spPr bwMode="auto">
+          <a:xfrm>
+            <a:off x="0" y="0"/>
+            <a:ext cx="12192000" cy="457200"/>
+          </a:xfrm>
+          <a:prstGeom prst="rect">
+            <a:avLst/>
+          </a:prstGeom>
+          <a:solidFill>
+            <a:srgbClr val="EEEEEE"/>
+          </a:solidFill>
+          <a:ln>
+            <a:noFill/>
+          </a:ln>
+          <a:effectLst/>
+          <a:extLst>
+            <a:ext uri="{91240B29-F687-4F45-9708-019B960494DF}">
+              <a14:hiddenLine xmlns:a14="http://schemas.microsoft.com/office/drawing/2010/main" w="9525">
+                <a:solidFill>
+                  <a:schemeClr val="tx1"/>
+                </a:solidFill>
+                <a:miter lim="800000"/>
+                <a:headEnd/>
+                <a:tailEnd/>
+              </a14:hiddenLine>
+            </a:ext>
+            <a:ext uri="{AF507438-7753-43E0-B8FC-AC1667EBCBE1}">
+              <a14:hiddenEffects xmlns:a14="http://schemas.microsoft.com/office/drawing/2010/main">
+                <a:effectLst>
+                  <a:outerShdw dist="35921" dir="2700000" algn="ctr" rotWithShape="0">
+                    <a:schemeClr val="bg2"/>
+                  </a:outerShdw>
+                </a:effectLst>
+              </a14:hiddenEffects>
+            </a:ext>
+          </a:extLst>
+        </p:spPr>
+        <p:txBody>
+          <a:bodyPr vert="horz" wrap="none" lIns="0" tIns="0" rIns="0" bIns="0" numCol="1" anchor="ctr" anchorCtr="0" compatLnSpc="1">
+            <a:prstTxWarp prst="textNoShape">
+              <a:avLst/>
+            </a:prstTxWarp>
+            <a:spAutoFit/>
+          </a:bodyPr>
+          <a:lstStyle/>
+          <a:p>
+            <a:pPr marL="0" marR="0" lvl="0" indent="0" algn="l" defTabSz="914400" rtl="0" eaLnBrk="0" fontAlgn="base" latinLnBrk="0" hangingPunct="0">
+              <a:lnSpc>
+                <a:spcPct val="100000"/>
+              </a:lnSpc>
+              <a:spcBef>
+                <a:spcPct val="0"/>
+              </a:spcBef>
+              <a:spcAft>
+                <a:spcPct val="0"/>
+              </a:spcAft>
+              <a:buClrTx/>
+              <a:buSzTx/>
+              <a:buFontTx/>
+              <a:buNone/>
+              <a:tabLst/>
+            </a:pPr>
+            <a:r>
+              <a:rPr kumimoji="0" lang="es-CR" altLang="es-CR" sz="1000" b="0" i="0" u="none" strike="noStrike" cap="none" normalizeH="0" baseline="0" smtClean="0">
+                <a:ln>
+                  <a:noFill/>
+                </a:ln>
+                <a:solidFill>
+                  <a:srgbClr val="DD4A68"/>
+                </a:solidFill>
+                <a:effectLst/>
+                <a:latin typeface="Consolas" panose="020B0609020204030204" pitchFamily="49" charset="0"/>
+                <a:cs typeface="Consolas" panose="020B0609020204030204" pitchFamily="49" charset="0"/>
+              </a:rPr>
+              <a:t>focus</a:t>
+            </a:r>
+            <a:r>
+              <a:rPr kumimoji="0" lang="es-CR" altLang="es-CR" sz="1000" b="0" i="0" u="none" strike="noStrike" cap="none" normalizeH="0" baseline="0" smtClean="0">
+                <a:ln>
+                  <a:noFill/>
+                </a:ln>
+                <a:solidFill>
+                  <a:srgbClr val="999999"/>
+                </a:solidFill>
+                <a:effectLst/>
+                <a:latin typeface="Consolas" panose="020B0609020204030204" pitchFamily="49" charset="0"/>
+                <a:cs typeface="Consolas" panose="020B0609020204030204" pitchFamily="49" charset="0"/>
+              </a:rPr>
+              <a:t>()</a:t>
+            </a:r>
+            <a:r>
+              <a:rPr kumimoji="0" lang="es-CR" altLang="es-CR" sz="1100" b="0" i="0" u="none" strike="noStrike" cap="none" normalizeH="0" baseline="0" smtClean="0">
+                <a:ln>
+                  <a:noFill/>
+                </a:ln>
+                <a:solidFill>
+                  <a:schemeClr val="tx1"/>
+                </a:solidFill>
+                <a:effectLst/>
+              </a:rPr>
+              <a:t> </a:t>
+            </a:r>
+            <a:endParaRPr kumimoji="0" lang="es-CR" altLang="es-CR" sz="1800" b="0" i="0" u="none" strike="noStrike" cap="none" normalizeH="0" baseline="0" smtClean="0">
+              <a:ln>
+                <a:noFill/>
+              </a:ln>
+              <a:solidFill>
+                <a:schemeClr val="tx1"/>
+              </a:solidFill>
+              <a:effectLst/>
+              <a:latin typeface="Arial" panose="020B0604020202020204" pitchFamily="34" charset="0"/>
+            </a:endParaRPr>
           </a:p>
         </p:txBody>
       </p:sp>
     </p:spTree>
     <p:extLst>
       <p:ext uri="{BB962C8B-B14F-4D97-AF65-F5344CB8AC3E}">
-        <p14:creationId xmlns:p14="http://schemas.microsoft.com/office/powerpoint/2010/main" val="3941224882"/>
+        <p14:creationId xmlns:p14="http://schemas.microsoft.com/office/powerpoint/2010/main" val="3782246093"/>
       </p:ext>
     </p:extLst>
   </p:cSld>
@@ -6968,13 +7176,13 @@
         </p:nvPicPr>
         <p:blipFill rotWithShape="1">
           <a:blip r:embed="rId2"/>
-          <a:srcRect t="675"/>
+          <a:srcRect t="1655"/>
           <a:stretch/>
         </p:blipFill>
         <p:spPr>
           <a:xfrm>
-            <a:off x="656492" y="961291"/>
-            <a:ext cx="10976506" cy="5122985"/>
+            <a:off x="299854" y="820614"/>
+            <a:ext cx="11592291" cy="5306047"/>
           </a:xfrm>
           <a:prstGeom prst="rect">
             <a:avLst/>
@@ -6989,7 +7197,7 @@
         </p:nvSpPr>
         <p:spPr>
           <a:xfrm>
-            <a:off x="656492" y="6107721"/>
+            <a:off x="386490" y="5130200"/>
             <a:ext cx="4316570" cy="584775"/>
           </a:xfrm>
           <a:prstGeom prst="rect">
@@ -7027,8 +7235,8 @@
         </p:nvSpPr>
         <p:spPr>
           <a:xfrm>
-            <a:off x="3340452" y="1608239"/>
-            <a:ext cx="4316570" cy="338554"/>
+            <a:off x="1623732" y="682114"/>
+            <a:ext cx="4316570" cy="276999"/>
           </a:xfrm>
           <a:prstGeom prst="rect">
             <a:avLst/>
@@ -7042,7 +7250,7 @@
           <a:lstStyle/>
           <a:p>
             <a:r>
-              <a:rPr lang="es-CR" sz="1600" dirty="0">
+              <a:rPr lang="es-CR" sz="1200" dirty="0">
                 <a:solidFill>
                   <a:srgbClr val="0070C0"/>
                 </a:solidFill>
@@ -7050,7 +7258,7 @@
               <a:t>P</a:t>
             </a:r>
             <a:r>
-              <a:rPr lang="es-CR" sz="1600" dirty="0" smtClean="0">
+              <a:rPr lang="es-CR" sz="1200" dirty="0" smtClean="0">
                 <a:solidFill>
                   <a:srgbClr val="0070C0"/>
                 </a:solidFill>
@@ -7058,7 +7266,7 @@
               <a:t>oner title o </a:t>
             </a:r>
             <a:r>
-              <a:rPr lang="es-CR" sz="1600" dirty="0" err="1" smtClean="0">
+              <a:rPr lang="es-CR" sz="1200" dirty="0" err="1" smtClean="0">
                 <a:solidFill>
                   <a:srgbClr val="0070C0"/>
                 </a:solidFill>
@@ -7066,7 +7274,7 @@
               <a:t>alt</a:t>
             </a:r>
             <a:r>
-              <a:rPr lang="es-CR" sz="1600" dirty="0" smtClean="0">
+              <a:rPr lang="es-CR" sz="1200" dirty="0" smtClean="0">
                 <a:solidFill>
                   <a:srgbClr val="0070C0"/>
                 </a:solidFill>
@@ -7074,7 +7282,7 @@
               <a:t>.  Dar rol de </a:t>
             </a:r>
             <a:r>
-              <a:rPr lang="es-CR" sz="1600" dirty="0" err="1" smtClean="0">
+              <a:rPr lang="es-CR" sz="1200" dirty="0" err="1" smtClean="0">
                 <a:solidFill>
                   <a:srgbClr val="0070C0"/>
                 </a:solidFill>
@@ -7082,7 +7290,7 @@
               <a:t>Header</a:t>
             </a:r>
             <a:r>
-              <a:rPr lang="es-CR" sz="1600" dirty="0" smtClean="0">
+              <a:rPr lang="es-CR" sz="1200" dirty="0" smtClean="0">
                 <a:solidFill>
                   <a:srgbClr val="0070C0"/>
                 </a:solidFill>
@@ -7090,7 +7298,7 @@
               <a:t> (</a:t>
             </a:r>
             <a:r>
-              <a:rPr lang="es-CR" sz="1600" dirty="0" err="1">
+              <a:rPr lang="es-CR" sz="1200" dirty="0" err="1">
                 <a:solidFill>
                   <a:srgbClr val="0070C0"/>
                 </a:solidFill>
@@ -7098,7 +7306,7 @@
               <a:t>w</a:t>
             </a:r>
             <a:r>
-              <a:rPr lang="es-CR" sz="1600" dirty="0" err="1" smtClean="0">
+              <a:rPr lang="es-CR" sz="1200" dirty="0" err="1" smtClean="0">
                 <a:solidFill>
                   <a:srgbClr val="0070C0"/>
                 </a:solidFill>
@@ -7106,14 +7314,14 @@
               <a:t>ai</a:t>
             </a:r>
             <a:r>
-              <a:rPr lang="es-CR" sz="1600" dirty="0" smtClean="0">
+              <a:rPr lang="es-CR" sz="1200" dirty="0" smtClean="0">
                 <a:solidFill>
                   <a:srgbClr val="0070C0"/>
                 </a:solidFill>
               </a:rPr>
               <a:t>-aria)</a:t>
             </a:r>
-            <a:endParaRPr lang="es-CR" sz="1600" dirty="0">
+            <a:endParaRPr lang="es-CR" sz="1200" dirty="0">
               <a:solidFill>
                 <a:srgbClr val="0070C0"/>
               </a:solidFill>
@@ -7129,7 +7337,7 @@
         </p:nvSpPr>
         <p:spPr>
           <a:xfrm>
-            <a:off x="5849815" y="5391778"/>
+            <a:off x="4796845" y="353070"/>
             <a:ext cx="6096000" cy="1384995"/>
           </a:xfrm>
           <a:prstGeom prst="rect">
@@ -7160,13 +7368,13 @@
               <a:rPr lang="es-CR" sz="1400" dirty="0">
                 <a:latin typeface="Lato-Regular"/>
               </a:rPr>
-              <a:t>1. Pauta 2.4: Navegación: El foco, al ingresar, aparece a la mitad de la descripción</a:t>
+              <a:t>1. Pauta 2.4: Navegación y 3.2: Previsible: Al ingresar el foco se pone a la mitad de </a:t>
             </a:r>
             <a:r>
               <a:rPr lang="es-CR" sz="1400" dirty="0" smtClean="0">
                 <a:latin typeface="Lato-Regular"/>
               </a:rPr>
-              <a:t>.</a:t>
+              <a:t>la descripción. </a:t>
             </a:r>
             <a:r>
               <a:rPr lang="es-CR" sz="1400" dirty="0">
@@ -7175,7 +7383,7 @@
                 </a:solidFill>
                 <a:latin typeface="Lato-Regular"/>
               </a:rPr>
-              <a:t> Usar secciones y </a:t>
+              <a:t>Usar secciones y </a:t>
             </a:r>
             <a:r>
               <a:rPr lang="es-CR" sz="1400" dirty="0" err="1">
@@ -7250,7 +7458,7 @@
               <a:t>()de </a:t>
             </a:r>
             <a:r>
-              <a:rPr lang="es-CR" sz="1400" dirty="0" err="1" smtClean="0">
+              <a:rPr lang="es-CR" sz="1400" dirty="0" err="1">
                 <a:solidFill>
                   <a:srgbClr val="0070C0"/>
                 </a:solidFill>
@@ -7264,54 +7472,43 @@
           </a:p>
           <a:p>
             <a:r>
+              <a:rPr lang="es-CR" sz="1400" dirty="0" smtClean="0">
+                <a:latin typeface="Lato-Regular"/>
+              </a:rPr>
+              <a:t>2</a:t>
+            </a:r>
+            <a:r>
               <a:rPr lang="es-CR" sz="1400" dirty="0">
                 <a:latin typeface="Lato-Regular"/>
               </a:rPr>
-              <a:t>2. Pauta 1.1: Texto alternativo: El enlace desarrollo, no está debidamente etiquetado</a:t>
+              <a:t>. Pauta 1.1: Texto alternativo: Todas las opciones están mal etiquetadas, gráfico </a:t>
+            </a:r>
+            <a:r>
+              <a:rPr lang="es-CR" sz="1400" dirty="0" err="1" smtClean="0">
+                <a:latin typeface="Lato-Regular"/>
+              </a:rPr>
+              <a:t>clickable</a:t>
             </a:r>
             <a:r>
               <a:rPr lang="es-CR" sz="1400" dirty="0" smtClean="0">
                 <a:latin typeface="Lato-Regular"/>
               </a:rPr>
-              <a:t>.</a:t>
+              <a:t>, no </a:t>
             </a:r>
             <a:r>
               <a:rPr lang="es-CR" sz="1400" dirty="0">
-                <a:solidFill>
-                  <a:srgbClr val="0070C0"/>
-                </a:solidFill>
-                <a:latin typeface="Lato-Regular"/>
-              </a:rPr>
-              <a:t> Cambiar por las </a:t>
+                <a:latin typeface="Lato-Regular"/>
+              </a:rPr>
+              <a:t>es una etiqueta correcta para identificar elementos de interacción</a:t>
             </a:r>
             <a:r>
               <a:rPr lang="es-CR" sz="1400" dirty="0" smtClean="0">
-                <a:solidFill>
-                  <a:srgbClr val="0070C0"/>
-                </a:solidFill>
-                <a:latin typeface="Lato-Regular"/>
-              </a:rPr>
-              <a:t>etiqueta correcta </a:t>
-            </a:r>
-            <a:endParaRPr lang="es-CR" sz="1400" dirty="0">
-              <a:latin typeface="Lato-Regular"/>
-            </a:endParaRPr>
-          </a:p>
-          <a:p>
+                <a:latin typeface="Lato-Regular"/>
+              </a:rPr>
+              <a:t>. </a:t>
+            </a:r>
             <a:r>
               <a:rPr lang="es-CR" sz="1400" dirty="0">
-                <a:latin typeface="Lato-Regular"/>
-              </a:rPr>
-              <a:t>3. Pauta 1.1: Texto alternativo: Los distintos botones y o apartados no están </a:t>
-            </a:r>
-            <a:r>
-              <a:rPr lang="es-CR" sz="1400" dirty="0" smtClean="0">
-                <a:latin typeface="Lato-Regular"/>
-              </a:rPr>
-              <a:t>bien etiquetados. </a:t>
-            </a:r>
-            <a:r>
-              <a:rPr lang="es-CR" sz="1400" dirty="0">
                 <a:solidFill>
                   <a:srgbClr val="0070C0"/>
                 </a:solidFill>
@@ -7319,41 +7516,13 @@
               </a:rPr>
               <a:t>Cambiar por las etiquetas correctas </a:t>
             </a:r>
-            <a:r>
-              <a:rPr lang="es-CR" sz="1400" dirty="0" smtClean="0">
-                <a:solidFill>
-                  <a:srgbClr val="0070C0"/>
-                </a:solidFill>
-                <a:latin typeface="Lato-Regular"/>
-              </a:rPr>
-              <a:t>(con </a:t>
-            </a:r>
-            <a:r>
-              <a:rPr lang="es-CR" sz="1400" dirty="0" err="1" smtClean="0">
-                <a:solidFill>
-                  <a:srgbClr val="0070C0"/>
-                </a:solidFill>
-                <a:latin typeface="Lato-Regular"/>
-              </a:rPr>
-              <a:t>alt</a:t>
-            </a:r>
-            <a:r>
-              <a:rPr lang="es-CR" sz="1400" dirty="0" smtClean="0">
-                <a:solidFill>
-                  <a:srgbClr val="0070C0"/>
-                </a:solidFill>
-                <a:latin typeface="Lato-Regular"/>
-              </a:rPr>
-              <a:t> o title</a:t>
-            </a:r>
-            <a:endParaRPr lang="es-CR" sz="1400" dirty="0"/>
           </a:p>
         </p:txBody>
       </p:sp>
     </p:spTree>
     <p:extLst>
       <p:ext uri="{BB962C8B-B14F-4D97-AF65-F5344CB8AC3E}">
-        <p14:creationId xmlns:p14="http://schemas.microsoft.com/office/powerpoint/2010/main" val="883363664"/>
+        <p14:creationId xmlns:p14="http://schemas.microsoft.com/office/powerpoint/2010/main" val="3941224882"/>
       </p:ext>
     </p:extLst>
   </p:cSld>
@@ -7395,6 +7564,435 @@
           </p:cNvPicPr>
           <p:nvPr/>
         </p:nvPicPr>
+        <p:blipFill rotWithShape="1">
+          <a:blip r:embed="rId2"/>
+          <a:srcRect t="675"/>
+          <a:stretch/>
+        </p:blipFill>
+        <p:spPr>
+          <a:xfrm>
+            <a:off x="656492" y="961291"/>
+            <a:ext cx="10976506" cy="5122985"/>
+          </a:xfrm>
+          <a:prstGeom prst="rect">
+            <a:avLst/>
+          </a:prstGeom>
+        </p:spPr>
+      </p:pic>
+      <p:sp>
+        <p:nvSpPr>
+          <p:cNvPr id="3" name="CuadroTexto 2"/>
+          <p:cNvSpPr txBox="1"/>
+          <p:nvPr/>
+        </p:nvSpPr>
+        <p:spPr>
+          <a:xfrm>
+            <a:off x="656492" y="6107721"/>
+            <a:ext cx="4316570" cy="584775"/>
+          </a:xfrm>
+          <a:prstGeom prst="rect">
+            <a:avLst/>
+          </a:prstGeom>
+          <a:noFill/>
+        </p:spPr>
+        <p:txBody>
+          <a:bodyPr wrap="square" rtlCol="0">
+            <a:spAutoFit/>
+          </a:bodyPr>
+          <a:lstStyle/>
+          <a:p>
+            <a:r>
+              <a:rPr lang="es-CR" sz="1600" dirty="0" smtClean="0">
+                <a:solidFill>
+                  <a:srgbClr val="0070C0"/>
+                </a:solidFill>
+              </a:rPr>
+              <a:t>Crear secciones.  Una para la descripción y otra para los botones de la derecha</a:t>
+            </a:r>
+            <a:endParaRPr lang="es-CR" sz="1600" dirty="0">
+              <a:solidFill>
+                <a:srgbClr val="0070C0"/>
+              </a:solidFill>
+            </a:endParaRPr>
+          </a:p>
+        </p:txBody>
+      </p:sp>
+      <p:sp>
+        <p:nvSpPr>
+          <p:cNvPr id="4" name="CuadroTexto 3"/>
+          <p:cNvSpPr txBox="1"/>
+          <p:nvPr/>
+        </p:nvSpPr>
+        <p:spPr>
+          <a:xfrm>
+            <a:off x="3340452" y="1608239"/>
+            <a:ext cx="4316570" cy="338554"/>
+          </a:xfrm>
+          <a:prstGeom prst="rect">
+            <a:avLst/>
+          </a:prstGeom>
+          <a:noFill/>
+        </p:spPr>
+        <p:txBody>
+          <a:bodyPr wrap="square" rtlCol="0">
+            <a:spAutoFit/>
+          </a:bodyPr>
+          <a:lstStyle/>
+          <a:p>
+            <a:r>
+              <a:rPr lang="es-CR" sz="1600" dirty="0">
+                <a:solidFill>
+                  <a:srgbClr val="0070C0"/>
+                </a:solidFill>
+              </a:rPr>
+              <a:t>P</a:t>
+            </a:r>
+            <a:r>
+              <a:rPr lang="es-CR" sz="1600" dirty="0" smtClean="0">
+                <a:solidFill>
+                  <a:srgbClr val="0070C0"/>
+                </a:solidFill>
+              </a:rPr>
+              <a:t>oner title o </a:t>
+            </a:r>
+            <a:r>
+              <a:rPr lang="es-CR" sz="1600" dirty="0" err="1" smtClean="0">
+                <a:solidFill>
+                  <a:srgbClr val="0070C0"/>
+                </a:solidFill>
+              </a:rPr>
+              <a:t>alt</a:t>
+            </a:r>
+            <a:r>
+              <a:rPr lang="es-CR" sz="1600" dirty="0" smtClean="0">
+                <a:solidFill>
+                  <a:srgbClr val="0070C0"/>
+                </a:solidFill>
+              </a:rPr>
+              <a:t>.  Dar rol de </a:t>
+            </a:r>
+            <a:r>
+              <a:rPr lang="es-CR" sz="1600" dirty="0" err="1" smtClean="0">
+                <a:solidFill>
+                  <a:srgbClr val="0070C0"/>
+                </a:solidFill>
+              </a:rPr>
+              <a:t>Header</a:t>
+            </a:r>
+            <a:r>
+              <a:rPr lang="es-CR" sz="1600" dirty="0" smtClean="0">
+                <a:solidFill>
+                  <a:srgbClr val="0070C0"/>
+                </a:solidFill>
+              </a:rPr>
+              <a:t> (</a:t>
+            </a:r>
+            <a:r>
+              <a:rPr lang="es-CR" sz="1600" dirty="0" err="1">
+                <a:solidFill>
+                  <a:srgbClr val="0070C0"/>
+                </a:solidFill>
+              </a:rPr>
+              <a:t>w</a:t>
+            </a:r>
+            <a:r>
+              <a:rPr lang="es-CR" sz="1600" dirty="0" err="1" smtClean="0">
+                <a:solidFill>
+                  <a:srgbClr val="0070C0"/>
+                </a:solidFill>
+              </a:rPr>
+              <a:t>ai</a:t>
+            </a:r>
+            <a:r>
+              <a:rPr lang="es-CR" sz="1600" dirty="0" smtClean="0">
+                <a:solidFill>
+                  <a:srgbClr val="0070C0"/>
+                </a:solidFill>
+              </a:rPr>
+              <a:t>-aria)</a:t>
+            </a:r>
+            <a:endParaRPr lang="es-CR" sz="1600" dirty="0">
+              <a:solidFill>
+                <a:srgbClr val="0070C0"/>
+              </a:solidFill>
+            </a:endParaRPr>
+          </a:p>
+        </p:txBody>
+      </p:sp>
+      <p:sp>
+        <p:nvSpPr>
+          <p:cNvPr id="5" name="Rectángulo 4"/>
+          <p:cNvSpPr/>
+          <p:nvPr/>
+        </p:nvSpPr>
+        <p:spPr>
+          <a:xfrm>
+            <a:off x="5849815" y="5391778"/>
+            <a:ext cx="6096000" cy="1384995"/>
+          </a:xfrm>
+          <a:prstGeom prst="rect">
+            <a:avLst/>
+          </a:prstGeom>
+        </p:spPr>
+        <p:style>
+          <a:lnRef idx="1">
+            <a:schemeClr val="accent2"/>
+          </a:lnRef>
+          <a:fillRef idx="2">
+            <a:schemeClr val="accent2"/>
+          </a:fillRef>
+          <a:effectRef idx="1">
+            <a:schemeClr val="accent2"/>
+          </a:effectRef>
+          <a:fontRef idx="minor">
+            <a:schemeClr val="dk1"/>
+          </a:fontRef>
+        </p:style>
+        <p:txBody>
+          <a:bodyPr>
+            <a:spAutoFit/>
+          </a:bodyPr>
+          <a:lstStyle/>
+          <a:p>
+            <a:r>
+              <a:rPr lang="es-CR" sz="1400" dirty="0">
+                <a:latin typeface="Lato-Regular"/>
+              </a:rPr>
+              <a:t>1. Pauta 2.4: Navegación: El foco, al ingresar, aparece a la mitad de la descripción</a:t>
+            </a:r>
+            <a:r>
+              <a:rPr lang="es-CR" sz="1400" dirty="0" smtClean="0">
+                <a:latin typeface="Lato-Regular"/>
+              </a:rPr>
+              <a:t>.</a:t>
+            </a:r>
+            <a:r>
+              <a:rPr lang="es-CR" sz="1400" dirty="0">
+                <a:solidFill>
+                  <a:srgbClr val="0070C0"/>
+                </a:solidFill>
+                <a:latin typeface="Lato-Regular"/>
+              </a:rPr>
+              <a:t> Usar secciones y </a:t>
+            </a:r>
+            <a:r>
+              <a:rPr lang="es-CR" sz="1400" dirty="0" err="1">
+                <a:solidFill>
+                  <a:srgbClr val="0070C0"/>
+                </a:solidFill>
+                <a:latin typeface="Lato-Regular"/>
+              </a:rPr>
+              <a:t>class</a:t>
+            </a:r>
+            <a:r>
+              <a:rPr lang="es-CR" sz="1400" dirty="0">
+                <a:solidFill>
+                  <a:srgbClr val="0070C0"/>
+                </a:solidFill>
+                <a:latin typeface="Lato-Regular"/>
+              </a:rPr>
+              <a:t>="</a:t>
+            </a:r>
+            <a:r>
+              <a:rPr lang="es-CR" sz="1400" dirty="0" err="1">
+                <a:solidFill>
+                  <a:srgbClr val="0070C0"/>
+                </a:solidFill>
+                <a:latin typeface="Lato-Regular"/>
+              </a:rPr>
+              <a:t>nav-item</a:t>
+            </a:r>
+            <a:r>
+              <a:rPr lang="es-CR" sz="1400" dirty="0">
+                <a:solidFill>
+                  <a:srgbClr val="0070C0"/>
+                </a:solidFill>
+                <a:latin typeface="Lato-Regular"/>
+              </a:rPr>
+              <a:t>“ de </a:t>
+            </a:r>
+            <a:r>
+              <a:rPr lang="es-CR" sz="1400" dirty="0" err="1">
+                <a:solidFill>
+                  <a:srgbClr val="0070C0"/>
+                </a:solidFill>
+                <a:latin typeface="Lato-Regular"/>
+              </a:rPr>
+              <a:t>bootstrap</a:t>
+            </a:r>
+            <a:r>
+              <a:rPr lang="es-CR" sz="1400" dirty="0">
+                <a:solidFill>
+                  <a:srgbClr val="0070C0"/>
+                </a:solidFill>
+                <a:latin typeface="Lato-Regular"/>
+              </a:rPr>
+              <a:t> y </a:t>
+            </a:r>
+            <a:r>
+              <a:rPr lang="es-CR" sz="1400" dirty="0" err="1">
+                <a:solidFill>
+                  <a:srgbClr val="0070C0"/>
+                </a:solidFill>
+                <a:latin typeface="Lato-Regular"/>
+              </a:rPr>
+              <a:t>focus</a:t>
+            </a:r>
+            <a:r>
+              <a:rPr lang="es-CR" sz="1400" dirty="0">
+                <a:solidFill>
+                  <a:srgbClr val="0070C0"/>
+                </a:solidFill>
+                <a:latin typeface="Lato-Regular"/>
+              </a:rPr>
+              <a:t>()de </a:t>
+            </a:r>
+            <a:r>
+              <a:rPr lang="es-CR" sz="1400" dirty="0" err="1" smtClean="0">
+                <a:solidFill>
+                  <a:srgbClr val="0070C0"/>
+                </a:solidFill>
+                <a:latin typeface="Lato-Regular"/>
+              </a:rPr>
+              <a:t>js</a:t>
+            </a:r>
+            <a:endParaRPr lang="es-CR" sz="1400" dirty="0">
+              <a:latin typeface="Lato-Regular"/>
+            </a:endParaRPr>
+          </a:p>
+          <a:p>
+            <a:r>
+              <a:rPr lang="es-CR" sz="1400" dirty="0">
+                <a:latin typeface="Lato-Regular"/>
+              </a:rPr>
+              <a:t>2. Pauta 1.1: Texto alternativo: El enlace desarrollo, no está debidamente etiquetado</a:t>
+            </a:r>
+            <a:r>
+              <a:rPr lang="es-CR" sz="1400" dirty="0" smtClean="0">
+                <a:latin typeface="Lato-Regular"/>
+              </a:rPr>
+              <a:t>.</a:t>
+            </a:r>
+            <a:r>
+              <a:rPr lang="es-CR" sz="1400" dirty="0">
+                <a:solidFill>
+                  <a:srgbClr val="0070C0"/>
+                </a:solidFill>
+                <a:latin typeface="Lato-Regular"/>
+              </a:rPr>
+              <a:t> Cambiar por las </a:t>
+            </a:r>
+            <a:r>
+              <a:rPr lang="es-CR" sz="1400" dirty="0" smtClean="0">
+                <a:solidFill>
+                  <a:srgbClr val="0070C0"/>
+                </a:solidFill>
+                <a:latin typeface="Lato-Regular"/>
+              </a:rPr>
+              <a:t>etiqueta correcta </a:t>
+            </a:r>
+            <a:endParaRPr lang="es-CR" sz="1400" dirty="0">
+              <a:latin typeface="Lato-Regular"/>
+            </a:endParaRPr>
+          </a:p>
+          <a:p>
+            <a:r>
+              <a:rPr lang="es-CR" sz="1400" dirty="0">
+                <a:latin typeface="Lato-Regular"/>
+              </a:rPr>
+              <a:t>3. Pauta 1.1: Texto alternativo: Los distintos botones y o apartados no están </a:t>
+            </a:r>
+            <a:r>
+              <a:rPr lang="es-CR" sz="1400" dirty="0" smtClean="0">
+                <a:latin typeface="Lato-Regular"/>
+              </a:rPr>
+              <a:t>bien etiquetados. </a:t>
+            </a:r>
+            <a:r>
+              <a:rPr lang="es-CR" sz="1400" dirty="0">
+                <a:solidFill>
+                  <a:srgbClr val="0070C0"/>
+                </a:solidFill>
+                <a:latin typeface="Lato-Regular"/>
+              </a:rPr>
+              <a:t>Cambiar por las etiquetas correctas </a:t>
+            </a:r>
+            <a:r>
+              <a:rPr lang="es-CR" sz="1400" dirty="0" smtClean="0">
+                <a:solidFill>
+                  <a:srgbClr val="0070C0"/>
+                </a:solidFill>
+                <a:latin typeface="Lato-Regular"/>
+              </a:rPr>
+              <a:t>(con </a:t>
+            </a:r>
+            <a:r>
+              <a:rPr lang="es-CR" sz="1400" dirty="0" err="1" smtClean="0">
+                <a:solidFill>
+                  <a:srgbClr val="0070C0"/>
+                </a:solidFill>
+                <a:latin typeface="Lato-Regular"/>
+              </a:rPr>
+              <a:t>alt</a:t>
+            </a:r>
+            <a:r>
+              <a:rPr lang="es-CR" sz="1400" dirty="0" smtClean="0">
+                <a:solidFill>
+                  <a:srgbClr val="0070C0"/>
+                </a:solidFill>
+                <a:latin typeface="Lato-Regular"/>
+              </a:rPr>
+              <a:t> o title</a:t>
+            </a:r>
+            <a:endParaRPr lang="es-CR" sz="1400" dirty="0"/>
+          </a:p>
+        </p:txBody>
+      </p:sp>
+    </p:spTree>
+    <p:extLst>
+      <p:ext uri="{BB962C8B-B14F-4D97-AF65-F5344CB8AC3E}">
+        <p14:creationId xmlns:p14="http://schemas.microsoft.com/office/powerpoint/2010/main" val="883363664"/>
+      </p:ext>
+    </p:extLst>
+  </p:cSld>
+  <p:clrMapOvr>
+    <a:masterClrMapping/>
+  </p:clrMapOvr>
+  <p:timing>
+    <p:tnLst>
+      <p:par>
+        <p:cTn id="1" dur="indefinite" restart="never" nodeType="tmRoot"/>
+      </p:par>
+    </p:tnLst>
+  </p:timing>
+</p:sld>
+</file>
+
+<file path=ppt/slides/slide8.xml><?xml version="1.0" encoding="utf-8"?>
+<p:sld xmlns:a="http://schemas.openxmlformats.org/drawingml/2006/main" xmlns:r="http://schemas.openxmlformats.org/officeDocument/2006/relationships" xmlns:p="http://schemas.openxmlformats.org/presentationml/2006/main">
+  <p:cSld>
+    <p:spTree>
+      <p:nvGrpSpPr>
+        <p:cNvPr id="1" name=""/>
+        <p:cNvGrpSpPr/>
+        <p:nvPr/>
+      </p:nvGrpSpPr>
+      <p:grpSpPr>
+        <a:xfrm>
+          <a:off x="0" y="0"/>
+          <a:ext cx="0" cy="0"/>
+          <a:chOff x="0" y="0"/>
+          <a:chExt cx="0" cy="0"/>
+        </a:xfrm>
+      </p:grpSpPr>
+      <p:pic>
+        <p:nvPicPr>
+          <p:cNvPr id="2" name="Imagen 1"/>
+          <p:cNvPicPr>
+            <a:picLocks noChangeAspect="1"/>
+          </p:cNvPicPr>
+          <p:nvPr/>
+        </p:nvPicPr>
         <p:blipFill>
           <a:blip r:embed="rId2"/>
           <a:stretch>
@@ -8006,7 +8604,7 @@
 </p:sld>
 </file>
 
-<file path=ppt/slides/slide8.xml><?xml version="1.0" encoding="utf-8"?>
+<file path=ppt/slides/slide9.xml><?xml version="1.0" encoding="utf-8"?>
 <p:sld xmlns:a="http://schemas.openxmlformats.org/drawingml/2006/main" xmlns:r="http://schemas.openxmlformats.org/officeDocument/2006/relationships" xmlns:p="http://schemas.openxmlformats.org/presentationml/2006/main">
   <p:cSld>
     <p:spTree>
@@ -8554,519 +9152,6 @@
     <p:extLst>
       <p:ext uri="{BB962C8B-B14F-4D97-AF65-F5344CB8AC3E}">
         <p14:creationId xmlns:p14="http://schemas.microsoft.com/office/powerpoint/2010/main" val="1896312309"/>
-      </p:ext>
-    </p:extLst>
-  </p:cSld>
-  <p:clrMapOvr>
-    <a:masterClrMapping/>
-  </p:clrMapOvr>
-</p:sld>
-</file>
-
-<file path=ppt/slides/slide9.xml><?xml version="1.0" encoding="utf-8"?>
-<p:sld xmlns:a="http://schemas.openxmlformats.org/drawingml/2006/main" xmlns:r="http://schemas.openxmlformats.org/officeDocument/2006/relationships" xmlns:p="http://schemas.openxmlformats.org/presentationml/2006/main">
-  <p:cSld>
-    <p:spTree>
-      <p:nvGrpSpPr>
-        <p:cNvPr id="1" name=""/>
-        <p:cNvGrpSpPr/>
-        <p:nvPr/>
-      </p:nvGrpSpPr>
-      <p:grpSpPr>
-        <a:xfrm>
-          <a:off x="0" y="0"/>
-          <a:ext cx="0" cy="0"/>
-          <a:chOff x="0" y="0"/>
-          <a:chExt cx="0" cy="0"/>
-        </a:xfrm>
-      </p:grpSpPr>
-      <p:sp>
-        <p:nvSpPr>
-          <p:cNvPr id="2" name="Rectángulo 1"/>
-          <p:cNvSpPr/>
-          <p:nvPr/>
-        </p:nvSpPr>
-        <p:spPr>
-          <a:xfrm>
-            <a:off x="219075" y="202675"/>
-            <a:ext cx="6096000" cy="6524863"/>
-          </a:xfrm>
-          <a:prstGeom prst="rect">
-            <a:avLst/>
-          </a:prstGeom>
-        </p:spPr>
-        <p:txBody>
-          <a:bodyPr>
-            <a:spAutoFit/>
-          </a:bodyPr>
-          <a:lstStyle/>
-          <a:p>
-            <a:r>
-              <a:rPr lang="es-CR" sz="1600" b="1" dirty="0">
-                <a:solidFill>
-                  <a:srgbClr val="00B0F0"/>
-                </a:solidFill>
-                <a:latin typeface="Lato-Regular"/>
-              </a:rPr>
-              <a:t>8. En primaria</a:t>
-            </a:r>
-          </a:p>
-          <a:p>
-            <a:r>
-              <a:rPr lang="es-CR" sz="1600" dirty="0">
-                <a:latin typeface="Lato-Regular"/>
-              </a:rPr>
-              <a:t>a. Pauta 1.3: Adaptable: El orden de encabezados no es el correcto.</a:t>
-            </a:r>
-          </a:p>
-          <a:p>
-            <a:r>
-              <a:rPr lang="es-CR" sz="1600" dirty="0">
-                <a:latin typeface="Lato-Regular"/>
-              </a:rPr>
-              <a:t>b. Pauta 2.4: Navegación: Al ingresar el foco se pierde.</a:t>
-            </a:r>
-          </a:p>
-          <a:p>
-            <a:r>
-              <a:rPr lang="es-CR" sz="1600" b="1" dirty="0">
-                <a:solidFill>
-                  <a:srgbClr val="00B0F0"/>
-                </a:solidFill>
-                <a:latin typeface="Lato-Regular"/>
-              </a:rPr>
-              <a:t>9. En apartado de secundaria:</a:t>
-            </a:r>
-          </a:p>
-          <a:p>
-            <a:r>
-              <a:rPr lang="es-CR" sz="1600" dirty="0">
-                <a:latin typeface="Lato-Regular"/>
-              </a:rPr>
-              <a:t>a. Pauta 2.4: Navegación: Al ingresar el foco se pierde</a:t>
-            </a:r>
-            <a:r>
-              <a:rPr lang="es-CR" sz="1600" dirty="0" smtClean="0">
-                <a:latin typeface="Lato-Regular"/>
-              </a:rPr>
-              <a:t>.</a:t>
-            </a:r>
-            <a:endParaRPr lang="es-CR" sz="1600" dirty="0">
-              <a:latin typeface="Calibri" panose="020F0502020204030204" pitchFamily="34" charset="0"/>
-            </a:endParaRPr>
-          </a:p>
-          <a:p>
-            <a:r>
-              <a:rPr lang="es-CR" sz="1600" dirty="0">
-                <a:latin typeface="Lato-Regular"/>
-              </a:rPr>
-              <a:t>b. Pauta 1.3: Adaptable: El orden de encabezados no es el correcto.</a:t>
-            </a:r>
-          </a:p>
-          <a:p>
-            <a:r>
-              <a:rPr lang="es-CR" sz="1600" dirty="0">
-                <a:latin typeface="Lato-Regular"/>
-              </a:rPr>
-              <a:t>c. Pauta 2.4: Navegación: Tiene enlaces que sacan al usuario de la página en la que </a:t>
-            </a:r>
-            <a:r>
-              <a:rPr lang="es-CR" sz="1600" dirty="0" smtClean="0">
-                <a:latin typeface="Lato-Regular"/>
-              </a:rPr>
-              <a:t>se está </a:t>
-            </a:r>
-            <a:r>
-              <a:rPr lang="es-CR" sz="1600" dirty="0">
-                <a:latin typeface="Lato-Regular"/>
-              </a:rPr>
-              <a:t>y no se avisa de este efecto.</a:t>
-            </a:r>
-          </a:p>
-          <a:p>
-            <a:r>
-              <a:rPr lang="es-CR" sz="1600" b="1" dirty="0">
-                <a:solidFill>
-                  <a:srgbClr val="00B0F0"/>
-                </a:solidFill>
-                <a:latin typeface="Lato-Regular"/>
-              </a:rPr>
-              <a:t>10. Apartado jóvenes y adultos.</a:t>
-            </a:r>
-          </a:p>
-          <a:p>
-            <a:r>
-              <a:rPr lang="es-CR" sz="1600" dirty="0">
-                <a:latin typeface="Lato-Regular"/>
-              </a:rPr>
-              <a:t>a. Pauta 2.4: Navegación: El foco se pierde al ingresar.</a:t>
-            </a:r>
-          </a:p>
-          <a:p>
-            <a:r>
-              <a:rPr lang="es-CR" sz="1600" dirty="0">
-                <a:latin typeface="Lato-Regular"/>
-              </a:rPr>
-              <a:t>b. Pauta 1.3: Adaptable: Los encabezados no siguen un orden correcto.</a:t>
-            </a:r>
-          </a:p>
-          <a:p>
-            <a:r>
-              <a:rPr lang="es-CR" sz="1600" dirty="0">
-                <a:latin typeface="Lato-Regular"/>
-              </a:rPr>
-              <a:t>c. Pauta 2.4: Navegación: Se repite el hallazgo de enlaces que sacan al usuario </a:t>
-            </a:r>
-            <a:r>
-              <a:rPr lang="es-CR" sz="1600" dirty="0" smtClean="0">
-                <a:latin typeface="Lato-Regular"/>
-              </a:rPr>
-              <a:t>de página </a:t>
-            </a:r>
-            <a:r>
-              <a:rPr lang="es-CR" sz="1600" dirty="0">
-                <a:latin typeface="Lato-Regular"/>
-              </a:rPr>
-              <a:t>sin avisar.</a:t>
-            </a:r>
-          </a:p>
-          <a:p>
-            <a:r>
-              <a:rPr lang="es-CR" b="1" dirty="0">
-                <a:solidFill>
-                  <a:srgbClr val="00B0F0"/>
-                </a:solidFill>
-                <a:latin typeface="Lato-Regular"/>
-              </a:rPr>
-              <a:t>11. </a:t>
-            </a:r>
-            <a:r>
-              <a:rPr lang="es-CR" sz="1600" b="1" dirty="0">
-                <a:solidFill>
-                  <a:srgbClr val="00B0F0"/>
-                </a:solidFill>
-                <a:latin typeface="Lato-Regular"/>
-              </a:rPr>
-              <a:t>Apartado de feria científica </a:t>
-            </a:r>
-            <a:r>
-              <a:rPr lang="es-CR" b="1" dirty="0">
-                <a:solidFill>
-                  <a:srgbClr val="00B0F0"/>
-                </a:solidFill>
-                <a:latin typeface="Lato-Regular"/>
-              </a:rPr>
-              <a:t>.</a:t>
-            </a:r>
-          </a:p>
-          <a:p>
-            <a:r>
-              <a:rPr lang="es-CR" sz="1600" dirty="0">
-                <a:latin typeface="Lato-Regular"/>
-              </a:rPr>
-              <a:t>a. Pauta 2.4: Navegación: No cuenta con información para evaluar, dice página </a:t>
-            </a:r>
-            <a:r>
-              <a:rPr lang="es-CR" sz="1600" dirty="0" smtClean="0">
-                <a:latin typeface="Lato-Regular"/>
-              </a:rPr>
-              <a:t>en construcción</a:t>
-            </a:r>
-            <a:r>
-              <a:rPr lang="es-CR" sz="1600" dirty="0">
-                <a:latin typeface="Lato-Regular"/>
-              </a:rPr>
-              <a:t>.</a:t>
-            </a:r>
-          </a:p>
-          <a:p>
-            <a:r>
-              <a:rPr lang="es-CR" sz="1600" b="1" dirty="0">
-                <a:solidFill>
-                  <a:srgbClr val="00B0F0"/>
-                </a:solidFill>
-                <a:latin typeface="Lato-Regular"/>
-              </a:rPr>
-              <a:t>12. Apartado de Bandera azul.</a:t>
-            </a:r>
-          </a:p>
-          <a:p>
-            <a:r>
-              <a:rPr lang="es-CR" sz="1600" dirty="0">
-                <a:latin typeface="Lato-Regular"/>
-              </a:rPr>
-              <a:t>a. Pauta 2.4: Navegación: No cuenta con información para evaluar, dice página </a:t>
-            </a:r>
-            <a:r>
-              <a:rPr lang="es-CR" sz="1600" dirty="0" smtClean="0">
-                <a:latin typeface="Lato-Regular"/>
-              </a:rPr>
-              <a:t>en construcción</a:t>
-            </a:r>
-            <a:r>
-              <a:rPr lang="es-CR" sz="1600" dirty="0">
-                <a:latin typeface="Lato-Regular"/>
-              </a:rPr>
-              <a:t>.</a:t>
-            </a:r>
-          </a:p>
-          <a:p>
-            <a:r>
-              <a:rPr lang="es-CR" sz="1600" b="1" dirty="0">
-                <a:solidFill>
-                  <a:srgbClr val="00B0F0"/>
-                </a:solidFill>
-                <a:latin typeface="Lato-Regular"/>
-              </a:rPr>
-              <a:t>13. Apartado </a:t>
-            </a:r>
-            <a:r>
-              <a:rPr lang="es-CR" sz="1600" b="1" dirty="0" err="1" smtClean="0">
-                <a:solidFill>
-                  <a:srgbClr val="00B0F0"/>
-                </a:solidFill>
-                <a:latin typeface="Lato-Regular"/>
-              </a:rPr>
-              <a:t>educatico</a:t>
-            </a:r>
-            <a:r>
-              <a:rPr lang="es-CR" sz="1600" dirty="0">
-                <a:latin typeface="Lato-Regular"/>
-              </a:rPr>
-              <a:t>.</a:t>
-            </a:r>
-          </a:p>
-          <a:p>
-            <a:r>
-              <a:rPr lang="es-CR" sz="1600" dirty="0">
-                <a:latin typeface="Lato-Regular"/>
-              </a:rPr>
-              <a:t>a. Pauta 2.4: Navegación: Es un enlace que </a:t>
-            </a:r>
-            <a:r>
-              <a:rPr lang="es-CR" sz="1600" dirty="0" err="1">
-                <a:latin typeface="Lato-Regular"/>
-              </a:rPr>
-              <a:t>redirecciona</a:t>
-            </a:r>
-            <a:r>
-              <a:rPr lang="es-CR" sz="1600" dirty="0">
-                <a:latin typeface="Lato-Regular"/>
-              </a:rPr>
-              <a:t> a otra página fuera de la </a:t>
-            </a:r>
-            <a:r>
-              <a:rPr lang="es-CR" sz="1600" dirty="0" smtClean="0">
-                <a:latin typeface="Lato-Regular"/>
-              </a:rPr>
-              <a:t>caja virtual</a:t>
-            </a:r>
-            <a:r>
-              <a:rPr lang="es-CR" sz="1600" dirty="0">
-                <a:latin typeface="Lato-Regular"/>
-              </a:rPr>
-              <a:t>.</a:t>
-            </a:r>
-            <a:endParaRPr lang="es-CR" sz="1600" dirty="0"/>
-          </a:p>
-        </p:txBody>
-      </p:sp>
-      <p:pic>
-        <p:nvPicPr>
-          <p:cNvPr id="3" name="Imagen 2"/>
-          <p:cNvPicPr>
-            <a:picLocks noChangeAspect="1"/>
-          </p:cNvPicPr>
-          <p:nvPr/>
-        </p:nvPicPr>
-        <p:blipFill>
-          <a:blip r:embed="rId2"/>
-          <a:stretch>
-            <a:fillRect/>
-          </a:stretch>
-        </p:blipFill>
-        <p:spPr>
-          <a:xfrm>
-            <a:off x="6315075" y="1481137"/>
-            <a:ext cx="5408629" cy="3895726"/>
-          </a:xfrm>
-          <a:prstGeom prst="rect">
-            <a:avLst/>
-          </a:prstGeom>
-        </p:spPr>
-      </p:pic>
-      <p:sp>
-        <p:nvSpPr>
-          <p:cNvPr id="4" name="Rectángulo 3"/>
-          <p:cNvSpPr/>
-          <p:nvPr/>
-        </p:nvSpPr>
-        <p:spPr>
-          <a:xfrm>
-            <a:off x="7786688" y="1614488"/>
-            <a:ext cx="1232701" cy="1814512"/>
-          </a:xfrm>
-          <a:prstGeom prst="rect">
-            <a:avLst/>
-          </a:prstGeom>
-          <a:noFill/>
-          <a:ln w="38100"/>
-        </p:spPr>
-        <p:style>
-          <a:lnRef idx="2">
-            <a:schemeClr val="accent1">
-              <a:shade val="50000"/>
-            </a:schemeClr>
-          </a:lnRef>
-          <a:fillRef idx="1">
-            <a:schemeClr val="accent1"/>
-          </a:fillRef>
-          <a:effectRef idx="0">
-            <a:schemeClr val="accent1"/>
-          </a:effectRef>
-          <a:fontRef idx="minor">
-            <a:schemeClr val="lt1"/>
-          </a:fontRef>
-        </p:style>
-        <p:txBody>
-          <a:bodyPr rtlCol="0" anchor="ctr"/>
-          <a:lstStyle/>
-          <a:p>
-            <a:pPr algn="ctr"/>
-            <a:endParaRPr lang="es-CR"/>
-          </a:p>
-        </p:txBody>
-      </p:sp>
-      <p:sp>
-        <p:nvSpPr>
-          <p:cNvPr id="5" name="Rectángulo 4"/>
-          <p:cNvSpPr/>
-          <p:nvPr/>
-        </p:nvSpPr>
-        <p:spPr>
-          <a:xfrm>
-            <a:off x="9138845" y="1614488"/>
-            <a:ext cx="1232701" cy="1814512"/>
-          </a:xfrm>
-          <a:prstGeom prst="rect">
-            <a:avLst/>
-          </a:prstGeom>
-          <a:noFill/>
-          <a:ln w="38100"/>
-        </p:spPr>
-        <p:style>
-          <a:lnRef idx="2">
-            <a:schemeClr val="accent1">
-              <a:shade val="50000"/>
-            </a:schemeClr>
-          </a:lnRef>
-          <a:fillRef idx="1">
-            <a:schemeClr val="accent1"/>
-          </a:fillRef>
-          <a:effectRef idx="0">
-            <a:schemeClr val="accent1"/>
-          </a:effectRef>
-          <a:fontRef idx="minor">
-            <a:schemeClr val="lt1"/>
-          </a:fontRef>
-        </p:style>
-        <p:txBody>
-          <a:bodyPr rtlCol="0" anchor="ctr"/>
-          <a:lstStyle/>
-          <a:p>
-            <a:pPr algn="ctr"/>
-            <a:endParaRPr lang="es-CR"/>
-          </a:p>
-        </p:txBody>
-      </p:sp>
-      <p:sp>
-        <p:nvSpPr>
-          <p:cNvPr id="6" name="Rectángulo 5"/>
-          <p:cNvSpPr/>
-          <p:nvPr/>
-        </p:nvSpPr>
-        <p:spPr>
-          <a:xfrm>
-            <a:off x="6494258" y="3465106"/>
-            <a:ext cx="1232701" cy="1814512"/>
-          </a:xfrm>
-          <a:prstGeom prst="rect">
-            <a:avLst/>
-          </a:prstGeom>
-          <a:noFill/>
-          <a:ln w="38100"/>
-        </p:spPr>
-        <p:style>
-          <a:lnRef idx="2">
-            <a:schemeClr val="accent1">
-              <a:shade val="50000"/>
-            </a:schemeClr>
-          </a:lnRef>
-          <a:fillRef idx="1">
-            <a:schemeClr val="accent1"/>
-          </a:fillRef>
-          <a:effectRef idx="0">
-            <a:schemeClr val="accent1"/>
-          </a:effectRef>
-          <a:fontRef idx="minor">
-            <a:schemeClr val="lt1"/>
-          </a:fontRef>
-        </p:style>
-        <p:txBody>
-          <a:bodyPr rtlCol="0" anchor="ctr"/>
-          <a:lstStyle/>
-          <a:p>
-            <a:pPr algn="ctr"/>
-            <a:endParaRPr lang="es-CR"/>
-          </a:p>
-        </p:txBody>
-      </p:sp>
-      <p:sp>
-        <p:nvSpPr>
-          <p:cNvPr id="7" name="Rectángulo 6"/>
-          <p:cNvSpPr/>
-          <p:nvPr/>
-        </p:nvSpPr>
-        <p:spPr>
-          <a:xfrm>
-            <a:off x="10448139" y="3472636"/>
-            <a:ext cx="1232701" cy="1814512"/>
-          </a:xfrm>
-          <a:prstGeom prst="rect">
-            <a:avLst/>
-          </a:prstGeom>
-          <a:noFill/>
-          <a:ln w="38100"/>
-        </p:spPr>
-        <p:style>
-          <a:lnRef idx="2">
-            <a:schemeClr val="accent1">
-              <a:shade val="50000"/>
-            </a:schemeClr>
-          </a:lnRef>
-          <a:fillRef idx="1">
-            <a:schemeClr val="accent1"/>
-          </a:fillRef>
-          <a:effectRef idx="0">
-            <a:schemeClr val="accent1"/>
-          </a:effectRef>
-          <a:fontRef idx="minor">
-            <a:schemeClr val="lt1"/>
-          </a:fontRef>
-        </p:style>
-        <p:txBody>
-          <a:bodyPr rtlCol="0" anchor="ctr"/>
-          <a:lstStyle/>
-          <a:p>
-            <a:pPr algn="ctr"/>
-            <a:endParaRPr lang="es-CR"/>
-          </a:p>
-        </p:txBody>
-      </p:sp>
-    </p:spTree>
-    <p:extLst>
-      <p:ext uri="{BB962C8B-B14F-4D97-AF65-F5344CB8AC3E}">
-        <p14:creationId xmlns:p14="http://schemas.microsoft.com/office/powerpoint/2010/main" val="1899717687"/>
       </p:ext>
     </p:extLst>
   </p:cSld>
